--- a/Progress Presentation/Fraud_detection_dashboard_presentation_1.pptx
+++ b/Progress Presentation/Fraud_detection_dashboard_presentation_1.pptx
@@ -25,8 +25,9 @@
     <p:sldId id="279" r:id="rId19"/>
     <p:sldId id="276" r:id="rId20"/>
     <p:sldId id="282" r:id="rId21"/>
-    <p:sldId id="274" r:id="rId22"/>
-    <p:sldId id="275" r:id="rId23"/>
+    <p:sldId id="283" r:id="rId22"/>
+    <p:sldId id="274" r:id="rId23"/>
+    <p:sldId id="275" r:id="rId24"/>
   </p:sldIdLst>
   <p:sldSz cx="12192000" cy="6858000"/>
   <p:notesSz cx="6858000" cy="9144000"/>
@@ -3451,10 +3452,7 @@
           </a:p>
           <a:p>
             <a:pPr algn="r"/>
-            <a:r>
-              <a:rPr lang="en-IN" dirty="0"/>
-              <a:t>Presented by: Dr Mousumi Gupta</a:t>
-            </a:r>
+            <a:endParaRPr lang="en-IN" dirty="0"/>
           </a:p>
           <a:p>
             <a:pPr algn="r"/>
@@ -6454,6 +6452,89 @@
       </p:grpSpPr>
       <p:sp>
         <p:nvSpPr>
+          <p:cNvPr id="2" name="Title 1">
+            <a:extLst>
+              <a:ext uri="{FF2B5EF4-FFF2-40B4-BE49-F238E27FC236}">
+                <a16:creationId xmlns:a16="http://schemas.microsoft.com/office/drawing/2014/main" id="{8986E375-BFEC-D456-9AD4-261CCC99D0C2}"/>
+              </a:ext>
+            </a:extLst>
+          </p:cNvPr>
+          <p:cNvSpPr>
+            <a:spLocks noGrp="1"/>
+          </p:cNvSpPr>
+          <p:nvPr>
+            <p:ph type="title"/>
+          </p:nvPr>
+        </p:nvSpPr>
+        <p:spPr/>
+        <p:txBody>
+          <a:bodyPr/>
+          <a:lstStyle/>
+          <a:p>
+            <a:endParaRPr lang="en-IN"/>
+          </a:p>
+        </p:txBody>
+      </p:sp>
+      <p:sp>
+        <p:nvSpPr>
+          <p:cNvPr id="3" name="Content Placeholder 2">
+            <a:extLst>
+              <a:ext uri="{FF2B5EF4-FFF2-40B4-BE49-F238E27FC236}">
+                <a16:creationId xmlns:a16="http://schemas.microsoft.com/office/drawing/2014/main" id="{EACBC615-F10B-25AE-1EEA-76CA402C208C}"/>
+              </a:ext>
+            </a:extLst>
+          </p:cNvPr>
+          <p:cNvSpPr>
+            <a:spLocks noGrp="1"/>
+          </p:cNvSpPr>
+          <p:nvPr>
+            <p:ph idx="1"/>
+          </p:nvPr>
+        </p:nvSpPr>
+        <p:spPr/>
+        <p:txBody>
+          <a:bodyPr/>
+          <a:lstStyle/>
+          <a:p>
+            <a:r>
+              <a:rPr lang="en-IN" dirty="0"/>
+              <a:t>Future work (Yet to start the implementation)</a:t>
+            </a:r>
+          </a:p>
+        </p:txBody>
+      </p:sp>
+    </p:spTree>
+    <p:extLst>
+      <p:ext uri="{BB962C8B-B14F-4D97-AF65-F5344CB8AC3E}">
+        <p14:creationId xmlns:p14="http://schemas.microsoft.com/office/powerpoint/2010/main" val="2385812231"/>
+      </p:ext>
+    </p:extLst>
+  </p:cSld>
+  <p:clrMapOvr>
+    <a:masterClrMapping/>
+  </p:clrMapOvr>
+</p:sld>
+</file>
+
+<file path=ppt/slides/slide22.xml><?xml version="1.0" encoding="utf-8"?>
+<p:sld xmlns:a="http://schemas.openxmlformats.org/drawingml/2006/main" xmlns:r="http://schemas.openxmlformats.org/officeDocument/2006/relationships" xmlns:p="http://schemas.openxmlformats.org/presentationml/2006/main">
+  <p:cSld>
+    <p:spTree>
+      <p:nvGrpSpPr>
+        <p:cNvPr id="1" name=""/>
+        <p:cNvGrpSpPr/>
+        <p:nvPr/>
+      </p:nvGrpSpPr>
+      <p:grpSpPr>
+        <a:xfrm>
+          <a:off x="0" y="0"/>
+          <a:ext cx="0" cy="0"/>
+          <a:chOff x="0" y="0"/>
+          <a:chExt cx="0" cy="0"/>
+        </a:xfrm>
+      </p:grpSpPr>
+      <p:sp>
+        <p:nvSpPr>
           <p:cNvPr id="12" name="Rectangle 11">
             <a:extLst>
               <a:ext uri="{FF2B5EF4-FFF2-40B4-BE49-F238E27FC236}">
@@ -7003,7 +7084,7 @@
 </p:sld>
 </file>
 
-<file path=ppt/slides/slide22.xml><?xml version="1.0" encoding="utf-8"?>
+<file path=ppt/slides/slide23.xml><?xml version="1.0" encoding="utf-8"?>
 <p:sld xmlns:a="http://schemas.openxmlformats.org/drawingml/2006/main" xmlns:r="http://schemas.openxmlformats.org/officeDocument/2006/relationships" xmlns:p="http://schemas.openxmlformats.org/presentationml/2006/main">
   <p:cSld>
     <p:spTree>

--- a/Progress Presentation/Fraud_detection_dashboard_presentation_1.pptx
+++ b/Progress Presentation/Fraud_detection_dashboard_presentation_1.pptx
@@ -6,28 +6,22 @@
   </p:sldMasterIdLst>
   <p:sldIdLst>
     <p:sldId id="256" r:id="rId2"/>
-    <p:sldId id="259" r:id="rId3"/>
-    <p:sldId id="260" r:id="rId4"/>
-    <p:sldId id="262" r:id="rId5"/>
-    <p:sldId id="263" r:id="rId6"/>
-    <p:sldId id="264" r:id="rId7"/>
-    <p:sldId id="265" r:id="rId8"/>
-    <p:sldId id="267" r:id="rId9"/>
-    <p:sldId id="268" r:id="rId10"/>
-    <p:sldId id="269" r:id="rId11"/>
-    <p:sldId id="270" r:id="rId12"/>
-    <p:sldId id="272" r:id="rId13"/>
-    <p:sldId id="273" r:id="rId14"/>
-    <p:sldId id="280" r:id="rId15"/>
-    <p:sldId id="281" r:id="rId16"/>
-    <p:sldId id="277" r:id="rId17"/>
-    <p:sldId id="278" r:id="rId18"/>
-    <p:sldId id="279" r:id="rId19"/>
-    <p:sldId id="276" r:id="rId20"/>
-    <p:sldId id="282" r:id="rId21"/>
-    <p:sldId id="283" r:id="rId22"/>
-    <p:sldId id="274" r:id="rId23"/>
-    <p:sldId id="275" r:id="rId24"/>
+    <p:sldId id="262" r:id="rId3"/>
+    <p:sldId id="265" r:id="rId4"/>
+    <p:sldId id="267" r:id="rId5"/>
+    <p:sldId id="268" r:id="rId6"/>
+    <p:sldId id="269" r:id="rId7"/>
+    <p:sldId id="273" r:id="rId8"/>
+    <p:sldId id="280" r:id="rId9"/>
+    <p:sldId id="281" r:id="rId10"/>
+    <p:sldId id="277" r:id="rId11"/>
+    <p:sldId id="278" r:id="rId12"/>
+    <p:sldId id="279" r:id="rId13"/>
+    <p:sldId id="276" r:id="rId14"/>
+    <p:sldId id="282" r:id="rId15"/>
+    <p:sldId id="283" r:id="rId16"/>
+    <p:sldId id="274" r:id="rId17"/>
+    <p:sldId id="275" r:id="rId18"/>
   </p:sldIdLst>
   <p:sldSz cx="12192000" cy="6858000"/>
   <p:notesSz cx="6858000" cy="9144000"/>
@@ -283,7 +277,7 @@
           <a:p>
             <a:fld id="{2E18C826-B712-45E6-A244-AD94F2946F74}" type="datetimeFigureOut">
               <a:rPr lang="en-IN" smtClean="0"/>
-              <a:t>16-04-2025</a:t>
+              <a:t>17-04-2025</a:t>
             </a:fld>
             <a:endParaRPr lang="en-IN"/>
           </a:p>
@@ -483,7 +477,7 @@
           <a:p>
             <a:fld id="{2E18C826-B712-45E6-A244-AD94F2946F74}" type="datetimeFigureOut">
               <a:rPr lang="en-IN" smtClean="0"/>
-              <a:t>16-04-2025</a:t>
+              <a:t>17-04-2025</a:t>
             </a:fld>
             <a:endParaRPr lang="en-IN"/>
           </a:p>
@@ -693,7 +687,7 @@
           <a:p>
             <a:fld id="{2E18C826-B712-45E6-A244-AD94F2946F74}" type="datetimeFigureOut">
               <a:rPr lang="en-IN" smtClean="0"/>
-              <a:t>16-04-2025</a:t>
+              <a:t>17-04-2025</a:t>
             </a:fld>
             <a:endParaRPr lang="en-IN"/>
           </a:p>
@@ -893,7 +887,7 @@
           <a:p>
             <a:fld id="{2E18C826-B712-45E6-A244-AD94F2946F74}" type="datetimeFigureOut">
               <a:rPr lang="en-IN" smtClean="0"/>
-              <a:t>16-04-2025</a:t>
+              <a:t>17-04-2025</a:t>
             </a:fld>
             <a:endParaRPr lang="en-IN"/>
           </a:p>
@@ -1169,7 +1163,7 @@
           <a:p>
             <a:fld id="{2E18C826-B712-45E6-A244-AD94F2946F74}" type="datetimeFigureOut">
               <a:rPr lang="en-IN" smtClean="0"/>
-              <a:t>16-04-2025</a:t>
+              <a:t>17-04-2025</a:t>
             </a:fld>
             <a:endParaRPr lang="en-IN"/>
           </a:p>
@@ -1437,7 +1431,7 @@
           <a:p>
             <a:fld id="{2E18C826-B712-45E6-A244-AD94F2946F74}" type="datetimeFigureOut">
               <a:rPr lang="en-IN" smtClean="0"/>
-              <a:t>16-04-2025</a:t>
+              <a:t>17-04-2025</a:t>
             </a:fld>
             <a:endParaRPr lang="en-IN"/>
           </a:p>
@@ -1852,7 +1846,7 @@
           <a:p>
             <a:fld id="{2E18C826-B712-45E6-A244-AD94F2946F74}" type="datetimeFigureOut">
               <a:rPr lang="en-IN" smtClean="0"/>
-              <a:t>16-04-2025</a:t>
+              <a:t>17-04-2025</a:t>
             </a:fld>
             <a:endParaRPr lang="en-IN"/>
           </a:p>
@@ -1994,7 +1988,7 @@
           <a:p>
             <a:fld id="{2E18C826-B712-45E6-A244-AD94F2946F74}" type="datetimeFigureOut">
               <a:rPr lang="en-IN" smtClean="0"/>
-              <a:t>16-04-2025</a:t>
+              <a:t>17-04-2025</a:t>
             </a:fld>
             <a:endParaRPr lang="en-IN"/>
           </a:p>
@@ -2107,7 +2101,7 @@
           <a:p>
             <a:fld id="{2E18C826-B712-45E6-A244-AD94F2946F74}" type="datetimeFigureOut">
               <a:rPr lang="en-IN" smtClean="0"/>
-              <a:t>16-04-2025</a:t>
+              <a:t>17-04-2025</a:t>
             </a:fld>
             <a:endParaRPr lang="en-IN"/>
           </a:p>
@@ -2420,7 +2414,7 @@
           <a:p>
             <a:fld id="{2E18C826-B712-45E6-A244-AD94F2946F74}" type="datetimeFigureOut">
               <a:rPr lang="en-IN" smtClean="0"/>
-              <a:t>16-04-2025</a:t>
+              <a:t>17-04-2025</a:t>
             </a:fld>
             <a:endParaRPr lang="en-IN"/>
           </a:p>
@@ -2709,7 +2703,7 @@
           <a:p>
             <a:fld id="{2E18C826-B712-45E6-A244-AD94F2946F74}" type="datetimeFigureOut">
               <a:rPr lang="en-IN" smtClean="0"/>
-              <a:t>16-04-2025</a:t>
+              <a:t>17-04-2025</a:t>
             </a:fld>
             <a:endParaRPr lang="en-IN"/>
           </a:p>
@@ -2952,7 +2946,7 @@
           <a:p>
             <a:fld id="{2E18C826-B712-45E6-A244-AD94F2946F74}" type="datetimeFigureOut">
               <a:rPr lang="en-IN" smtClean="0"/>
-              <a:t>16-04-2025</a:t>
+              <a:t>17-04-2025</a:t>
             </a:fld>
             <a:endParaRPr lang="en-IN"/>
           </a:p>
@@ -3385,7 +3379,12 @@
             <p:ph type="ctrTitle"/>
           </p:nvPr>
         </p:nvSpPr>
-        <p:spPr/>
+        <p:spPr>
+          <a:xfrm>
+            <a:off x="1047135" y="703306"/>
+            <a:ext cx="10097729" cy="1158721"/>
+          </a:xfrm>
+        </p:spPr>
         <p:txBody>
           <a:bodyPr>
             <a:normAutofit/>
@@ -3411,7 +3410,27 @@
                 <a:latin typeface="Times New Roman" panose="02020603050405020304" pitchFamily="18" charset="0"/>
                 <a:cs typeface="Times New Roman" panose="02020603050405020304" pitchFamily="18" charset="0"/>
               </a:rPr>
-              <a:t>(Work flow diagram &amp; Implementation)</a:t>
+              <a:t>(Work flow diagram &amp; Implementation till 17</a:t>
+            </a:r>
+            <a:r>
+              <a:rPr lang="en-IN" sz="3200" baseline="30000" dirty="0">
+                <a:solidFill>
+                  <a:srgbClr val="002060"/>
+                </a:solidFill>
+                <a:latin typeface="Times New Roman" panose="02020603050405020304" pitchFamily="18" charset="0"/>
+                <a:cs typeface="Times New Roman" panose="02020603050405020304" pitchFamily="18" charset="0"/>
+              </a:rPr>
+              <a:t>th</a:t>
+            </a:r>
+            <a:r>
+              <a:rPr lang="en-IN" sz="3200" dirty="0">
+                <a:solidFill>
+                  <a:srgbClr val="002060"/>
+                </a:solidFill>
+                <a:latin typeface="Times New Roman" panose="02020603050405020304" pitchFamily="18" charset="0"/>
+                <a:cs typeface="Times New Roman" panose="02020603050405020304" pitchFamily="18" charset="0"/>
+              </a:rPr>
+              <a:t> April 2025)</a:t>
             </a:r>
           </a:p>
         </p:txBody>
@@ -3434,13 +3453,13 @@
         </p:nvSpPr>
         <p:spPr>
           <a:xfrm>
-            <a:off x="884959" y="4404549"/>
+            <a:off x="408093" y="3332833"/>
             <a:ext cx="10422082" cy="1331088"/>
           </a:xfrm>
         </p:spPr>
         <p:txBody>
           <a:bodyPr>
-            <a:normAutofit fontScale="85000" lnSpcReduction="20000"/>
+            <a:normAutofit/>
           </a:bodyPr>
           <a:lstStyle/>
           <a:p>
@@ -3457,23 +3476,6 @@
           <a:p>
             <a:pPr algn="r"/>
             <a:endParaRPr lang="en-IN" dirty="0"/>
-          </a:p>
-          <a:p>
-            <a:pPr algn="just"/>
-            <a:r>
-              <a:rPr lang="en-IN" sz="1800" dirty="0"/>
-              <a:t>[Materials taken from </a:t>
-            </a:r>
-            <a:r>
-              <a:rPr lang="en-IN" sz="1800" dirty="0">
-                <a:hlinkClick r:id="rId2"/>
-              </a:rPr>
-              <a:t>Microsoft Word - Anti-fraud PMJAY Guidelines- Released-Aug 27 .docx (ayushmanup.in)</a:t>
-            </a:r>
-            <a:r>
-              <a:rPr lang="en-IN" sz="1800" dirty="0"/>
-              <a:t>]</a:t>
-            </a:r>
           </a:p>
         </p:txBody>
       </p:sp>
@@ -3491,1613 +3493,6 @@
 </file>
 
 <file path=ppt/slides/slide10.xml><?xml version="1.0" encoding="utf-8"?>
-<p:sld xmlns:a="http://schemas.openxmlformats.org/drawingml/2006/main" xmlns:r="http://schemas.openxmlformats.org/officeDocument/2006/relationships" xmlns:p="http://schemas.openxmlformats.org/presentationml/2006/main">
-  <p:cSld>
-    <p:spTree>
-      <p:nvGrpSpPr>
-        <p:cNvPr id="1" name="">
-          <a:extLst>
-            <a:ext uri="{FF2B5EF4-FFF2-40B4-BE49-F238E27FC236}">
-              <a16:creationId xmlns:a16="http://schemas.microsoft.com/office/drawing/2014/main" id="{5EEBB45E-0884-B32A-689F-0B73232A752F}"/>
-            </a:ext>
-          </a:extLst>
-        </p:cNvPr>
-        <p:cNvGrpSpPr/>
-        <p:nvPr/>
-      </p:nvGrpSpPr>
-      <p:grpSpPr>
-        <a:xfrm>
-          <a:off x="0" y="0"/>
-          <a:ext cx="0" cy="0"/>
-          <a:chOff x="0" y="0"/>
-          <a:chExt cx="0" cy="0"/>
-        </a:xfrm>
-      </p:grpSpPr>
-      <p:sp>
-        <p:nvSpPr>
-          <p:cNvPr id="22" name="Rectangle 21">
-            <a:extLst>
-              <a:ext uri="{FF2B5EF4-FFF2-40B4-BE49-F238E27FC236}">
-                <a16:creationId xmlns:a16="http://schemas.microsoft.com/office/drawing/2014/main" id="{A7BC0016-3567-1974-4B79-072DA9FE4393}"/>
-              </a:ext>
-            </a:extLst>
-          </p:cNvPr>
-          <p:cNvSpPr/>
-          <p:nvPr/>
-        </p:nvSpPr>
-        <p:spPr>
-          <a:xfrm>
-            <a:off x="1157467" y="881131"/>
-            <a:ext cx="9826907" cy="2220883"/>
-          </a:xfrm>
-          <a:prstGeom prst="rect">
-            <a:avLst/>
-          </a:prstGeom>
-          <a:ln w="28575"/>
-        </p:spPr>
-        <p:style>
-          <a:lnRef idx="2">
-            <a:schemeClr val="accent6"/>
-          </a:lnRef>
-          <a:fillRef idx="1">
-            <a:schemeClr val="lt1"/>
-          </a:fillRef>
-          <a:effectRef idx="0">
-            <a:schemeClr val="accent6"/>
-          </a:effectRef>
-          <a:fontRef idx="minor">
-            <a:schemeClr val="dk1"/>
-          </a:fontRef>
-        </p:style>
-        <p:txBody>
-          <a:bodyPr rtlCol="0" anchor="ctr"/>
-          <a:lstStyle/>
-          <a:p>
-            <a:pPr algn="ctr"/>
-            <a:endParaRPr lang="en-IN"/>
-          </a:p>
-        </p:txBody>
-      </p:sp>
-      <p:sp>
-        <p:nvSpPr>
-          <p:cNvPr id="17" name="TextBox 16">
-            <a:extLst>
-              <a:ext uri="{FF2B5EF4-FFF2-40B4-BE49-F238E27FC236}">
-                <a16:creationId xmlns:a16="http://schemas.microsoft.com/office/drawing/2014/main" id="{4433D4FD-B5A7-6719-6D79-9BDDBC0B63C5}"/>
-              </a:ext>
-            </a:extLst>
-          </p:cNvPr>
-          <p:cNvSpPr txBox="1"/>
-          <p:nvPr/>
-        </p:nvSpPr>
-        <p:spPr>
-          <a:xfrm>
-            <a:off x="1453588" y="1266090"/>
-            <a:ext cx="2377632" cy="646320"/>
-          </a:xfrm>
-          <a:prstGeom prst="rect">
-            <a:avLst/>
-          </a:prstGeom>
-          <a:solidFill>
-            <a:schemeClr val="accent2">
-              <a:lumMod val="20000"/>
-              <a:lumOff val="80000"/>
-            </a:schemeClr>
-          </a:solidFill>
-          <a:ln w="38100">
-            <a:solidFill>
-              <a:schemeClr val="accent1"/>
-            </a:solidFill>
-          </a:ln>
-        </p:spPr>
-        <p:txBody>
-          <a:bodyPr wrap="square" rtlCol="0">
-            <a:spAutoFit/>
-          </a:bodyPr>
-          <a:lstStyle/>
-          <a:p>
-            <a:r>
-              <a:rPr lang="en-US" sz="1800" kern="100" dirty="0">
-                <a:effectLst/>
-                <a:latin typeface="Times New Roman" panose="02020603050405020304" pitchFamily="18" charset="0"/>
-                <a:ea typeface="Calibri" panose="020F0502020204030204" pitchFamily="34" charset="0"/>
-                <a:cs typeface="Times New Roman" panose="02020603050405020304" pitchFamily="18" charset="0"/>
-              </a:rPr>
-              <a:t>Geographic anomalies</a:t>
-            </a:r>
-          </a:p>
-          <a:p>
-            <a:endParaRPr lang="en-IN" dirty="0"/>
-          </a:p>
-        </p:txBody>
-      </p:sp>
-      <p:sp>
-        <p:nvSpPr>
-          <p:cNvPr id="18" name="TextBox 17">
-            <a:extLst>
-              <a:ext uri="{FF2B5EF4-FFF2-40B4-BE49-F238E27FC236}">
-                <a16:creationId xmlns:a16="http://schemas.microsoft.com/office/drawing/2014/main" id="{987F8E6F-3A15-9337-74BC-2BEF8100413B}"/>
-              </a:ext>
-            </a:extLst>
-          </p:cNvPr>
-          <p:cNvSpPr txBox="1"/>
-          <p:nvPr/>
-        </p:nvSpPr>
-        <p:spPr>
-          <a:xfrm>
-            <a:off x="4490978" y="1266079"/>
-            <a:ext cx="5486400" cy="646331"/>
-          </a:xfrm>
-          <a:prstGeom prst="rect">
-            <a:avLst/>
-          </a:prstGeom>
-          <a:solidFill>
-            <a:schemeClr val="accent2">
-              <a:lumMod val="20000"/>
-              <a:lumOff val="80000"/>
-            </a:schemeClr>
-          </a:solidFill>
-          <a:ln w="38100">
-            <a:solidFill>
-              <a:schemeClr val="accent1"/>
-            </a:solidFill>
-          </a:ln>
-        </p:spPr>
-        <p:txBody>
-          <a:bodyPr wrap="square" rtlCol="0">
-            <a:spAutoFit/>
-          </a:bodyPr>
-          <a:lstStyle/>
-          <a:p>
-            <a:pPr lvl="2"/>
-            <a:r>
-              <a:rPr lang="en-US" sz="1800" kern="100" dirty="0">
-                <a:effectLst/>
-                <a:latin typeface="Times New Roman" panose="02020603050405020304" pitchFamily="18" charset="0"/>
-                <a:ea typeface="Calibri" panose="020F0502020204030204" pitchFamily="34" charset="0"/>
-                <a:cs typeface="Times New Roman" panose="02020603050405020304" pitchFamily="18" charset="0"/>
-              </a:rPr>
-              <a:t>Mapping between patient’s </a:t>
-            </a:r>
-            <a:r>
-              <a:rPr lang="en-US" kern="100" dirty="0">
-                <a:latin typeface="Times New Roman" panose="02020603050405020304" pitchFamily="18" charset="0"/>
-                <a:ea typeface="Calibri" panose="020F0502020204030204" pitchFamily="34" charset="0"/>
-                <a:cs typeface="Times New Roman" panose="02020603050405020304" pitchFamily="18" charset="0"/>
-              </a:rPr>
-              <a:t>state </a:t>
-            </a:r>
-            <a:r>
-              <a:rPr lang="en-US" sz="1800" kern="100" dirty="0">
-                <a:effectLst/>
-                <a:latin typeface="Times New Roman" panose="02020603050405020304" pitchFamily="18" charset="0"/>
-                <a:ea typeface="Calibri" panose="020F0502020204030204" pitchFamily="34" charset="0"/>
-                <a:cs typeface="Times New Roman" panose="02020603050405020304" pitchFamily="18" charset="0"/>
-              </a:rPr>
-              <a:t>with treatment in different geographic location </a:t>
-            </a:r>
-            <a:endParaRPr lang="en-IN" sz="1800" kern="100" dirty="0">
-              <a:effectLst/>
-              <a:latin typeface="Times New Roman" panose="02020603050405020304" pitchFamily="18" charset="0"/>
-              <a:ea typeface="Calibri" panose="020F0502020204030204" pitchFamily="34" charset="0"/>
-              <a:cs typeface="Times New Roman" panose="02020603050405020304" pitchFamily="18" charset="0"/>
-            </a:endParaRPr>
-          </a:p>
-        </p:txBody>
-      </p:sp>
-      <p:cxnSp>
-        <p:nvCxnSpPr>
-          <p:cNvPr id="19" name="Straight Arrow Connector 18">
-            <a:extLst>
-              <a:ext uri="{FF2B5EF4-FFF2-40B4-BE49-F238E27FC236}">
-                <a16:creationId xmlns:a16="http://schemas.microsoft.com/office/drawing/2014/main" id="{353C8FF4-D424-CA27-77DA-5781C527225C}"/>
-              </a:ext>
-            </a:extLst>
-          </p:cNvPr>
-          <p:cNvCxnSpPr>
-            <a:cxnSpLocks/>
-            <a:endCxn id="18" idx="1"/>
-          </p:cNvCxnSpPr>
-          <p:nvPr/>
-        </p:nvCxnSpPr>
-        <p:spPr>
-          <a:xfrm>
-            <a:off x="3808071" y="1589245"/>
-            <a:ext cx="682907" cy="0"/>
-          </a:xfrm>
-          <a:prstGeom prst="straightConnector1">
-            <a:avLst/>
-          </a:prstGeom>
-          <a:ln w="38100">
-            <a:tailEnd type="triangle"/>
-          </a:ln>
-        </p:spPr>
-        <p:style>
-          <a:lnRef idx="1">
-            <a:schemeClr val="accent1"/>
-          </a:lnRef>
-          <a:fillRef idx="0">
-            <a:schemeClr val="accent1"/>
-          </a:fillRef>
-          <a:effectRef idx="0">
-            <a:schemeClr val="accent1"/>
-          </a:effectRef>
-          <a:fontRef idx="minor">
-            <a:schemeClr val="tx1"/>
-          </a:fontRef>
-        </p:style>
-      </p:cxnSp>
-      <p:sp>
-        <p:nvSpPr>
-          <p:cNvPr id="23" name="TextBox 22">
-            <a:extLst>
-              <a:ext uri="{FF2B5EF4-FFF2-40B4-BE49-F238E27FC236}">
-                <a16:creationId xmlns:a16="http://schemas.microsoft.com/office/drawing/2014/main" id="{9CEF7C86-F462-9220-3DF2-10713EE8571F}"/>
-              </a:ext>
-            </a:extLst>
-          </p:cNvPr>
-          <p:cNvSpPr txBox="1"/>
-          <p:nvPr/>
-        </p:nvSpPr>
-        <p:spPr>
-          <a:xfrm>
-            <a:off x="8025112" y="2345632"/>
-            <a:ext cx="2512673" cy="461665"/>
-          </a:xfrm>
-          <a:prstGeom prst="rect">
-            <a:avLst/>
-          </a:prstGeom>
-          <a:noFill/>
-        </p:spPr>
-        <p:txBody>
-          <a:bodyPr wrap="square" rtlCol="0">
-            <a:spAutoFit/>
-          </a:bodyPr>
-          <a:lstStyle/>
-          <a:p>
-            <a:r>
-              <a:rPr lang="en-IN" sz="2400" dirty="0"/>
-              <a:t>Case-wise analysis</a:t>
-            </a:r>
-          </a:p>
-        </p:txBody>
-      </p:sp>
-    </p:spTree>
-    <p:extLst>
-      <p:ext uri="{BB962C8B-B14F-4D97-AF65-F5344CB8AC3E}">
-        <p14:creationId xmlns:p14="http://schemas.microsoft.com/office/powerpoint/2010/main" val="1715675890"/>
-      </p:ext>
-    </p:extLst>
-  </p:cSld>
-  <p:clrMapOvr>
-    <a:masterClrMapping/>
-  </p:clrMapOvr>
-</p:sld>
-</file>
-
-<file path=ppt/slides/slide11.xml><?xml version="1.0" encoding="utf-8"?>
-<p:sld xmlns:a="http://schemas.openxmlformats.org/drawingml/2006/main" xmlns:r="http://schemas.openxmlformats.org/officeDocument/2006/relationships" xmlns:p="http://schemas.openxmlformats.org/presentationml/2006/main">
-  <p:cSld>
-    <p:spTree>
-      <p:nvGrpSpPr>
-        <p:cNvPr id="1" name=""/>
-        <p:cNvGrpSpPr/>
-        <p:nvPr/>
-      </p:nvGrpSpPr>
-      <p:grpSpPr>
-        <a:xfrm>
-          <a:off x="0" y="0"/>
-          <a:ext cx="0" cy="0"/>
-          <a:chOff x="0" y="0"/>
-          <a:chExt cx="0" cy="0"/>
-        </a:xfrm>
-      </p:grpSpPr>
-      <p:sp>
-        <p:nvSpPr>
-          <p:cNvPr id="2" name="Title 1">
-            <a:extLst>
-              <a:ext uri="{FF2B5EF4-FFF2-40B4-BE49-F238E27FC236}">
-                <a16:creationId xmlns:a16="http://schemas.microsoft.com/office/drawing/2014/main" id="{C631CC35-B81A-017B-84E6-0E5BF6044BD3}"/>
-              </a:ext>
-            </a:extLst>
-          </p:cNvPr>
-          <p:cNvSpPr>
-            <a:spLocks noGrp="1"/>
-          </p:cNvSpPr>
-          <p:nvPr>
-            <p:ph type="title"/>
-          </p:nvPr>
-        </p:nvSpPr>
-        <p:spPr/>
-        <p:txBody>
-          <a:bodyPr>
-            <a:normAutofit/>
-          </a:bodyPr>
-          <a:lstStyle/>
-          <a:p>
-            <a:r>
-              <a:rPr lang="en-IN" sz="4000" dirty="0">
-                <a:latin typeface="Times New Roman" panose="02020603050405020304" pitchFamily="18" charset="0"/>
-                <a:cs typeface="Times New Roman" panose="02020603050405020304" pitchFamily="18" charset="0"/>
-              </a:rPr>
-              <a:t>Implementation of Fraud detection dashboard</a:t>
-            </a:r>
-          </a:p>
-        </p:txBody>
-      </p:sp>
-      <p:sp>
-        <p:nvSpPr>
-          <p:cNvPr id="3" name="Content Placeholder 2">
-            <a:extLst>
-              <a:ext uri="{FF2B5EF4-FFF2-40B4-BE49-F238E27FC236}">
-                <a16:creationId xmlns:a16="http://schemas.microsoft.com/office/drawing/2014/main" id="{34B1CB50-BC65-FAD6-23A7-6D216A39DBEE}"/>
-              </a:ext>
-            </a:extLst>
-          </p:cNvPr>
-          <p:cNvSpPr>
-            <a:spLocks noGrp="1"/>
-          </p:cNvSpPr>
-          <p:nvPr>
-            <p:ph idx="1"/>
-          </p:nvPr>
-        </p:nvSpPr>
-        <p:spPr>
-          <a:xfrm>
-            <a:off x="838200" y="1455174"/>
-            <a:ext cx="10515600" cy="4721789"/>
-          </a:xfrm>
-        </p:spPr>
-        <p:txBody>
-          <a:bodyPr>
-            <a:normAutofit/>
-          </a:bodyPr>
-          <a:lstStyle/>
-          <a:p>
-            <a:pPr marL="690879" lvl="1" indent="-345439" algn="just">
-              <a:lnSpc>
-                <a:spcPct val="170000"/>
-              </a:lnSpc>
-              <a:spcBef>
-                <a:spcPts val="0"/>
-              </a:spcBef>
-              <a:buFont typeface="Wingdings" panose="05000000000000000000" pitchFamily="2" charset="2"/>
-              <a:buChar char="Ø"/>
-            </a:pPr>
-            <a:r>
-              <a:rPr lang="en-US" sz="2200" dirty="0">
-                <a:solidFill>
-                  <a:srgbClr val="2A2E3A"/>
-                </a:solidFill>
-                <a:latin typeface="Times New Roman" panose="02020603050405020304" pitchFamily="18" charset="0"/>
-                <a:ea typeface="Helios"/>
-                <a:cs typeface="Times New Roman" panose="02020603050405020304" pitchFamily="18" charset="0"/>
-                <a:sym typeface="Helios"/>
-              </a:rPr>
-              <a:t>Utilized Django management commands for automated data import</a:t>
-            </a:r>
-          </a:p>
-          <a:p>
-            <a:pPr marL="690879" lvl="1" indent="-345439" algn="l">
-              <a:lnSpc>
-                <a:spcPct val="170000"/>
-              </a:lnSpc>
-              <a:spcBef>
-                <a:spcPts val="0"/>
-              </a:spcBef>
-              <a:buFont typeface="Wingdings" panose="05000000000000000000" pitchFamily="2" charset="2"/>
-              <a:buChar char="Ø"/>
-            </a:pPr>
-            <a:r>
-              <a:rPr lang="en-US" sz="2200" dirty="0">
-                <a:solidFill>
-                  <a:srgbClr val="2A2E3A"/>
-                </a:solidFill>
-                <a:latin typeface="Times New Roman" panose="02020603050405020304" pitchFamily="18" charset="0"/>
-                <a:ea typeface="Helios"/>
-                <a:cs typeface="Times New Roman" panose="02020603050405020304" pitchFamily="18" charset="0"/>
-                <a:sym typeface="Helios"/>
-              </a:rPr>
-              <a:t>Co</a:t>
-            </a:r>
-            <a:r>
-              <a:rPr lang="en-US" sz="2200" u="none" dirty="0">
-                <a:solidFill>
-                  <a:srgbClr val="2A2E3A"/>
-                </a:solidFill>
-                <a:latin typeface="Times New Roman" panose="02020603050405020304" pitchFamily="18" charset="0"/>
-                <a:ea typeface="Helios"/>
-                <a:cs typeface="Times New Roman" panose="02020603050405020304" pitchFamily="18" charset="0"/>
-                <a:sym typeface="Helios"/>
-              </a:rPr>
-              <a:t>re business logic implemented in Python using Django views and Pandas</a:t>
-            </a:r>
-          </a:p>
-          <a:p>
-            <a:pPr marL="690879" lvl="1" indent="-345439" algn="l">
-              <a:lnSpc>
-                <a:spcPct val="170000"/>
-              </a:lnSpc>
-              <a:spcBef>
-                <a:spcPts val="0"/>
-              </a:spcBef>
-              <a:buFont typeface="Wingdings" panose="05000000000000000000" pitchFamily="2" charset="2"/>
-              <a:buChar char="Ø"/>
-            </a:pPr>
-            <a:r>
-              <a:rPr lang="en-US" sz="2200" u="none" dirty="0">
-                <a:solidFill>
-                  <a:srgbClr val="2A2E3A"/>
-                </a:solidFill>
-                <a:latin typeface="Times New Roman" panose="02020603050405020304" pitchFamily="18" charset="0"/>
-                <a:ea typeface="Helios"/>
-                <a:cs typeface="Times New Roman" panose="02020603050405020304" pitchFamily="18" charset="0"/>
-                <a:sym typeface="Helios"/>
-              </a:rPr>
-              <a:t>Use of Django’s ORM to filter and count records for different time ranges (Overall, Last 30 Days, Yesterday)</a:t>
-            </a:r>
-            <a:endParaRPr lang="en-US" sz="2200" dirty="0">
-              <a:solidFill>
-                <a:srgbClr val="2A2E3A"/>
-              </a:solidFill>
-              <a:latin typeface="Times New Roman" panose="02020603050405020304" pitchFamily="18" charset="0"/>
-              <a:ea typeface="Helios"/>
-              <a:cs typeface="Times New Roman" panose="02020603050405020304" pitchFamily="18" charset="0"/>
-              <a:sym typeface="Helios"/>
-            </a:endParaRPr>
-          </a:p>
-          <a:p>
-            <a:pPr marL="345440" lvl="1" indent="0" algn="just">
-              <a:lnSpc>
-                <a:spcPts val="4479"/>
-              </a:lnSpc>
-              <a:buNone/>
-            </a:pPr>
-            <a:r>
-              <a:rPr lang="en-US" sz="2200" dirty="0">
-                <a:solidFill>
-                  <a:srgbClr val="2A2E3A"/>
-                </a:solidFill>
-                <a:latin typeface="Times New Roman" panose="02020603050405020304" pitchFamily="18" charset="0"/>
-                <a:ea typeface="Helios"/>
-                <a:cs typeface="Times New Roman" panose="02020603050405020304" pitchFamily="18" charset="0"/>
-                <a:sym typeface="Helios"/>
-              </a:rPr>
-              <a:t>Input data: </a:t>
-            </a:r>
-          </a:p>
-          <a:p>
-            <a:pPr marL="688340" lvl="1" indent="-342900" algn="just">
-              <a:lnSpc>
-                <a:spcPct val="110000"/>
-              </a:lnSpc>
-            </a:pPr>
-            <a:r>
-              <a:rPr lang="en-US" sz="2200" dirty="0">
-                <a:solidFill>
-                  <a:srgbClr val="2A2E3A"/>
-                </a:solidFill>
-                <a:latin typeface="Times New Roman" panose="02020603050405020304" pitchFamily="18" charset="0"/>
-                <a:ea typeface="Helios"/>
-                <a:cs typeface="Times New Roman" panose="02020603050405020304" pitchFamily="18" charset="0"/>
-                <a:sym typeface="Helios"/>
-              </a:rPr>
-              <a:t>Excel files (Last 24 Hours, Suspicious Hospital List, Hospital Beds)were taken using Pandas</a:t>
-            </a:r>
-          </a:p>
-          <a:p>
-            <a:pPr marL="690879" lvl="1" indent="-345439" algn="just">
-              <a:lnSpc>
-                <a:spcPts val="4479"/>
-              </a:lnSpc>
-              <a:buFont typeface="Arial"/>
-              <a:buChar char="•"/>
-            </a:pPr>
-            <a:r>
-              <a:rPr lang="en-US" sz="2200" dirty="0">
-                <a:solidFill>
-                  <a:srgbClr val="2A2E3A"/>
-                </a:solidFill>
-                <a:latin typeface="Times New Roman" panose="02020603050405020304" pitchFamily="18" charset="0"/>
-                <a:ea typeface="Helios"/>
-                <a:cs typeface="Times New Roman" panose="02020603050405020304" pitchFamily="18" charset="0"/>
-                <a:sym typeface="Helios"/>
-              </a:rPr>
-              <a:t>Data normalization: stripping extra spaces, case normalization (uppercasing IDs)</a:t>
-            </a:r>
-          </a:p>
-          <a:p>
-            <a:endParaRPr lang="en-IN" dirty="0"/>
-          </a:p>
-        </p:txBody>
-      </p:sp>
-    </p:spTree>
-    <p:extLst>
-      <p:ext uri="{BB962C8B-B14F-4D97-AF65-F5344CB8AC3E}">
-        <p14:creationId xmlns:p14="http://schemas.microsoft.com/office/powerpoint/2010/main" val="2145640496"/>
-      </p:ext>
-    </p:extLst>
-  </p:cSld>
-  <p:clrMapOvr>
-    <a:masterClrMapping/>
-  </p:clrMapOvr>
-</p:sld>
-</file>
-
-<file path=ppt/slides/slide12.xml><?xml version="1.0" encoding="utf-8"?>
-<p:sld xmlns:a="http://schemas.openxmlformats.org/drawingml/2006/main" xmlns:r="http://schemas.openxmlformats.org/officeDocument/2006/relationships" xmlns:p="http://schemas.openxmlformats.org/presentationml/2006/main">
-  <p:cSld>
-    <p:spTree>
-      <p:nvGrpSpPr>
-        <p:cNvPr id="1" name=""/>
-        <p:cNvGrpSpPr/>
-        <p:nvPr/>
-      </p:nvGrpSpPr>
-      <p:grpSpPr>
-        <a:xfrm>
-          <a:off x="0" y="0"/>
-          <a:ext cx="0" cy="0"/>
-          <a:chOff x="0" y="0"/>
-          <a:chExt cx="0" cy="0"/>
-        </a:xfrm>
-      </p:grpSpPr>
-      <p:sp>
-        <p:nvSpPr>
-          <p:cNvPr id="2" name="Title 1">
-            <a:extLst>
-              <a:ext uri="{FF2B5EF4-FFF2-40B4-BE49-F238E27FC236}">
-                <a16:creationId xmlns:a16="http://schemas.microsoft.com/office/drawing/2014/main" id="{8451A454-9873-ECD7-3BC6-FF7285F68AE9}"/>
-              </a:ext>
-            </a:extLst>
-          </p:cNvPr>
-          <p:cNvSpPr>
-            <a:spLocks noGrp="1"/>
-          </p:cNvSpPr>
-          <p:nvPr>
-            <p:ph type="title"/>
-          </p:nvPr>
-        </p:nvSpPr>
-        <p:spPr>
-          <a:xfrm>
-            <a:off x="838200" y="365126"/>
-            <a:ext cx="10515600" cy="647597"/>
-          </a:xfrm>
-        </p:spPr>
-        <p:txBody>
-          <a:bodyPr>
-            <a:normAutofit/>
-          </a:bodyPr>
-          <a:lstStyle/>
-          <a:p>
-            <a:r>
-              <a:rPr lang="en-IN" sz="3600" dirty="0">
-                <a:latin typeface="Times New Roman" panose="02020603050405020304" pitchFamily="18" charset="0"/>
-                <a:cs typeface="Times New Roman" panose="02020603050405020304" pitchFamily="18" charset="0"/>
-              </a:rPr>
-              <a:t>Input data (snapshot)</a:t>
-            </a:r>
-          </a:p>
-        </p:txBody>
-      </p:sp>
-      <p:pic>
-        <p:nvPicPr>
-          <p:cNvPr id="5" name="Picture 4">
-            <a:extLst>
-              <a:ext uri="{FF2B5EF4-FFF2-40B4-BE49-F238E27FC236}">
-                <a16:creationId xmlns:a16="http://schemas.microsoft.com/office/drawing/2014/main" id="{3A147BBD-44EA-19CF-9949-A505107D062E}"/>
-              </a:ext>
-            </a:extLst>
-          </p:cNvPr>
-          <p:cNvPicPr>
-            <a:picLocks noChangeAspect="1"/>
-          </p:cNvPicPr>
-          <p:nvPr/>
-        </p:nvPicPr>
-        <p:blipFill>
-          <a:blip r:embed="rId2">
-            <a:extLst>
-              <a:ext uri="{28A0092B-C50C-407E-A947-70E740481C1C}">
-                <a14:useLocalDpi xmlns:a14="http://schemas.microsoft.com/office/drawing/2010/main" val="0"/>
-              </a:ext>
-            </a:extLst>
-          </a:blip>
-          <a:stretch>
-            <a:fillRect/>
-          </a:stretch>
-        </p:blipFill>
-        <p:spPr>
-          <a:xfrm>
-            <a:off x="654484" y="1117805"/>
-            <a:ext cx="10883032" cy="4928272"/>
-          </a:xfrm>
-          <a:prstGeom prst="rect">
-            <a:avLst/>
-          </a:prstGeom>
-        </p:spPr>
-      </p:pic>
-      <p:sp>
-        <p:nvSpPr>
-          <p:cNvPr id="6" name="TextBox 5">
-            <a:extLst>
-              <a:ext uri="{FF2B5EF4-FFF2-40B4-BE49-F238E27FC236}">
-                <a16:creationId xmlns:a16="http://schemas.microsoft.com/office/drawing/2014/main" id="{1CB3EEDC-69C2-D5E6-A430-83A2D17BEC41}"/>
-              </a:ext>
-            </a:extLst>
-          </p:cNvPr>
-          <p:cNvSpPr txBox="1"/>
-          <p:nvPr/>
-        </p:nvSpPr>
-        <p:spPr>
-          <a:xfrm>
-            <a:off x="654484" y="6124903"/>
-            <a:ext cx="10105482" cy="307777"/>
-          </a:xfrm>
-          <a:prstGeom prst="rect">
-            <a:avLst/>
-          </a:prstGeom>
-          <a:noFill/>
-        </p:spPr>
-        <p:txBody>
-          <a:bodyPr wrap="square" rtlCol="0">
-            <a:spAutoFit/>
-          </a:bodyPr>
-          <a:lstStyle/>
-          <a:p>
-            <a:pPr algn="ctr"/>
-            <a:r>
-              <a:rPr lang="en-US" sz="1400" i="1" dirty="0">
-                <a:latin typeface="Times New Roman" panose="02020603050405020304" pitchFamily="18" charset="0"/>
-                <a:cs typeface="Times New Roman" panose="02020603050405020304" pitchFamily="18" charset="0"/>
-              </a:rPr>
-              <a:t>Fig 1: Snapshot of data of patients on a particular day </a:t>
-            </a:r>
-            <a:endParaRPr lang="en-IN" sz="1400" i="1" dirty="0">
-              <a:latin typeface="Times New Roman" panose="02020603050405020304" pitchFamily="18" charset="0"/>
-              <a:cs typeface="Times New Roman" panose="02020603050405020304" pitchFamily="18" charset="0"/>
-            </a:endParaRPr>
-          </a:p>
-        </p:txBody>
-      </p:sp>
-    </p:spTree>
-    <p:extLst>
-      <p:ext uri="{BB962C8B-B14F-4D97-AF65-F5344CB8AC3E}">
-        <p14:creationId xmlns:p14="http://schemas.microsoft.com/office/powerpoint/2010/main" val="1660066482"/>
-      </p:ext>
-    </p:extLst>
-  </p:cSld>
-  <p:clrMapOvr>
-    <a:masterClrMapping/>
-  </p:clrMapOvr>
-</p:sld>
-</file>
-
-<file path=ppt/slides/slide13.xml><?xml version="1.0" encoding="utf-8"?>
-<p:sld xmlns:a="http://schemas.openxmlformats.org/drawingml/2006/main" xmlns:r="http://schemas.openxmlformats.org/officeDocument/2006/relationships" xmlns:p="http://schemas.openxmlformats.org/presentationml/2006/main">
-  <p:cSld>
-    <p:spTree>
-      <p:nvGrpSpPr>
-        <p:cNvPr id="1" name=""/>
-        <p:cNvGrpSpPr/>
-        <p:nvPr/>
-      </p:nvGrpSpPr>
-      <p:grpSpPr>
-        <a:xfrm>
-          <a:off x="0" y="0"/>
-          <a:ext cx="0" cy="0"/>
-          <a:chOff x="0" y="0"/>
-          <a:chExt cx="0" cy="0"/>
-        </a:xfrm>
-      </p:grpSpPr>
-      <p:pic>
-        <p:nvPicPr>
-          <p:cNvPr id="4" name="Picture 3">
-            <a:extLst>
-              <a:ext uri="{FF2B5EF4-FFF2-40B4-BE49-F238E27FC236}">
-                <a16:creationId xmlns:a16="http://schemas.microsoft.com/office/drawing/2014/main" id="{FAE982FF-0E21-5669-9C4F-B5F8B8A6B18C}"/>
-              </a:ext>
-            </a:extLst>
-          </p:cNvPr>
-          <p:cNvPicPr>
-            <a:picLocks noChangeAspect="1"/>
-          </p:cNvPicPr>
-          <p:nvPr/>
-        </p:nvPicPr>
-        <p:blipFill>
-          <a:blip r:embed="rId2">
-            <a:extLst>
-              <a:ext uri="{28A0092B-C50C-407E-A947-70E740481C1C}">
-                <a14:useLocalDpi xmlns:a14="http://schemas.microsoft.com/office/drawing/2010/main" val="0"/>
-              </a:ext>
-            </a:extLst>
-          </a:blip>
-          <a:srcRect/>
-          <a:stretch/>
-        </p:blipFill>
-        <p:spPr>
-          <a:xfrm>
-            <a:off x="1005979" y="1489748"/>
-            <a:ext cx="8664046" cy="4415548"/>
-          </a:xfrm>
-          <a:prstGeom prst="rect">
-            <a:avLst/>
-          </a:prstGeom>
-        </p:spPr>
-      </p:pic>
-      <p:sp>
-        <p:nvSpPr>
-          <p:cNvPr id="2" name="Title 1">
-            <a:extLst>
-              <a:ext uri="{FF2B5EF4-FFF2-40B4-BE49-F238E27FC236}">
-                <a16:creationId xmlns:a16="http://schemas.microsoft.com/office/drawing/2014/main" id="{708A7EEA-8E22-8455-DAA5-C92040341284}"/>
-              </a:ext>
-            </a:extLst>
-          </p:cNvPr>
-          <p:cNvSpPr>
-            <a:spLocks noGrp="1"/>
-          </p:cNvSpPr>
-          <p:nvPr>
-            <p:ph type="title"/>
-          </p:nvPr>
-        </p:nvSpPr>
-        <p:spPr>
-          <a:xfrm>
-            <a:off x="838200" y="365125"/>
-            <a:ext cx="10515600" cy="991727"/>
-          </a:xfrm>
-        </p:spPr>
-        <p:txBody>
-          <a:bodyPr>
-            <a:normAutofit/>
-          </a:bodyPr>
-          <a:lstStyle/>
-          <a:p>
-            <a:r>
-              <a:rPr lang="en-IN" sz="3600" dirty="0">
-                <a:latin typeface="Times New Roman" panose="02020603050405020304" pitchFamily="18" charset="0"/>
-                <a:cs typeface="Times New Roman" panose="02020603050405020304" pitchFamily="18" charset="0"/>
-              </a:rPr>
-              <a:t>Snapshot for dynamic dashboard created till date</a:t>
-            </a:r>
-          </a:p>
-        </p:txBody>
-      </p:sp>
-      <p:cxnSp>
-        <p:nvCxnSpPr>
-          <p:cNvPr id="7" name="Straight Arrow Connector 6">
-            <a:extLst>
-              <a:ext uri="{FF2B5EF4-FFF2-40B4-BE49-F238E27FC236}">
-                <a16:creationId xmlns:a16="http://schemas.microsoft.com/office/drawing/2014/main" id="{CAAD6D10-EADE-0D50-0174-D4B0311750D5}"/>
-              </a:ext>
-            </a:extLst>
-          </p:cNvPr>
-          <p:cNvCxnSpPr>
-            <a:cxnSpLocks/>
-          </p:cNvCxnSpPr>
-          <p:nvPr/>
-        </p:nvCxnSpPr>
-        <p:spPr>
-          <a:xfrm flipV="1">
-            <a:off x="5817476" y="3429000"/>
-            <a:ext cx="4594885" cy="709448"/>
-          </a:xfrm>
-          <a:prstGeom prst="straightConnector1">
-            <a:avLst/>
-          </a:prstGeom>
-          <a:ln>
-            <a:solidFill>
-              <a:schemeClr val="accent1"/>
-            </a:solidFill>
-            <a:tailEnd type="triangle"/>
-          </a:ln>
-        </p:spPr>
-        <p:style>
-          <a:lnRef idx="1">
-            <a:schemeClr val="accent1"/>
-          </a:lnRef>
-          <a:fillRef idx="0">
-            <a:schemeClr val="accent1"/>
-          </a:fillRef>
-          <a:effectRef idx="0">
-            <a:schemeClr val="accent1"/>
-          </a:effectRef>
-          <a:fontRef idx="minor">
-            <a:schemeClr val="tx1"/>
-          </a:fontRef>
-        </p:style>
-      </p:cxnSp>
-      <p:cxnSp>
-        <p:nvCxnSpPr>
-          <p:cNvPr id="8" name="Straight Arrow Connector 7">
-            <a:extLst>
-              <a:ext uri="{FF2B5EF4-FFF2-40B4-BE49-F238E27FC236}">
-                <a16:creationId xmlns:a16="http://schemas.microsoft.com/office/drawing/2014/main" id="{2241F50D-D53E-1AE3-C646-4E558D01F5D1}"/>
-              </a:ext>
-            </a:extLst>
-          </p:cNvPr>
-          <p:cNvCxnSpPr>
-            <a:cxnSpLocks/>
-          </p:cNvCxnSpPr>
-          <p:nvPr/>
-        </p:nvCxnSpPr>
-        <p:spPr>
-          <a:xfrm>
-            <a:off x="9222828" y="2298041"/>
-            <a:ext cx="1189533" cy="1130959"/>
-          </a:xfrm>
-          <a:prstGeom prst="straightConnector1">
-            <a:avLst/>
-          </a:prstGeom>
-          <a:ln>
-            <a:solidFill>
-              <a:schemeClr val="accent1"/>
-            </a:solidFill>
-            <a:tailEnd type="triangle"/>
-          </a:ln>
-        </p:spPr>
-        <p:style>
-          <a:lnRef idx="1">
-            <a:schemeClr val="accent1"/>
-          </a:lnRef>
-          <a:fillRef idx="0">
-            <a:schemeClr val="accent1"/>
-          </a:fillRef>
-          <a:effectRef idx="0">
-            <a:schemeClr val="accent1"/>
-          </a:effectRef>
-          <a:fontRef idx="minor">
-            <a:schemeClr val="tx1"/>
-          </a:fontRef>
-        </p:style>
-      </p:cxnSp>
-      <p:cxnSp>
-        <p:nvCxnSpPr>
-          <p:cNvPr id="11" name="Straight Arrow Connector 10">
-            <a:extLst>
-              <a:ext uri="{FF2B5EF4-FFF2-40B4-BE49-F238E27FC236}">
-                <a16:creationId xmlns:a16="http://schemas.microsoft.com/office/drawing/2014/main" id="{D4423F0D-355A-7A8A-D6AB-8E5DD2A3E812}"/>
-              </a:ext>
-            </a:extLst>
-          </p:cNvPr>
-          <p:cNvCxnSpPr>
-            <a:cxnSpLocks/>
-          </p:cNvCxnSpPr>
-          <p:nvPr/>
-        </p:nvCxnSpPr>
-        <p:spPr>
-          <a:xfrm flipV="1">
-            <a:off x="5817476" y="3429000"/>
-            <a:ext cx="4594885" cy="1600200"/>
-          </a:xfrm>
-          <a:prstGeom prst="straightConnector1">
-            <a:avLst/>
-          </a:prstGeom>
-          <a:ln>
-            <a:solidFill>
-              <a:schemeClr val="accent1"/>
-            </a:solidFill>
-            <a:tailEnd type="triangle"/>
-          </a:ln>
-        </p:spPr>
-        <p:style>
-          <a:lnRef idx="1">
-            <a:schemeClr val="accent1"/>
-          </a:lnRef>
-          <a:fillRef idx="0">
-            <a:schemeClr val="accent1"/>
-          </a:fillRef>
-          <a:effectRef idx="0">
-            <a:schemeClr val="accent1"/>
-          </a:effectRef>
-          <a:fontRef idx="minor">
-            <a:schemeClr val="tx1"/>
-          </a:fontRef>
-        </p:style>
-      </p:cxnSp>
-      <p:cxnSp>
-        <p:nvCxnSpPr>
-          <p:cNvPr id="13" name="Straight Arrow Connector 12">
-            <a:extLst>
-              <a:ext uri="{FF2B5EF4-FFF2-40B4-BE49-F238E27FC236}">
-                <a16:creationId xmlns:a16="http://schemas.microsoft.com/office/drawing/2014/main" id="{790A2A42-31FC-D247-B4E3-A88291F51FA5}"/>
-              </a:ext>
-            </a:extLst>
-          </p:cNvPr>
-          <p:cNvCxnSpPr>
-            <a:cxnSpLocks/>
-          </p:cNvCxnSpPr>
-          <p:nvPr/>
-        </p:nvCxnSpPr>
-        <p:spPr>
-          <a:xfrm>
-            <a:off x="9167648" y="3263462"/>
-            <a:ext cx="1175887" cy="165538"/>
-          </a:xfrm>
-          <a:prstGeom prst="straightConnector1">
-            <a:avLst/>
-          </a:prstGeom>
-          <a:ln>
-            <a:solidFill>
-              <a:schemeClr val="accent1"/>
-            </a:solidFill>
-            <a:tailEnd type="triangle"/>
-          </a:ln>
-        </p:spPr>
-        <p:style>
-          <a:lnRef idx="1">
-            <a:schemeClr val="accent1"/>
-          </a:lnRef>
-          <a:fillRef idx="0">
-            <a:schemeClr val="accent1"/>
-          </a:fillRef>
-          <a:effectRef idx="0">
-            <a:schemeClr val="accent1"/>
-          </a:effectRef>
-          <a:fontRef idx="minor">
-            <a:schemeClr val="tx1"/>
-          </a:fontRef>
-        </p:style>
-      </p:cxnSp>
-      <p:sp>
-        <p:nvSpPr>
-          <p:cNvPr id="17" name="TextBox 16">
-            <a:extLst>
-              <a:ext uri="{FF2B5EF4-FFF2-40B4-BE49-F238E27FC236}">
-                <a16:creationId xmlns:a16="http://schemas.microsoft.com/office/drawing/2014/main" id="{51CBF305-D505-56B2-482A-D34FDC63C764}"/>
-              </a:ext>
-            </a:extLst>
-          </p:cNvPr>
-          <p:cNvSpPr txBox="1"/>
-          <p:nvPr/>
-        </p:nvSpPr>
-        <p:spPr>
-          <a:xfrm>
-            <a:off x="10412361" y="2900516"/>
-            <a:ext cx="1455174" cy="1015663"/>
-          </a:xfrm>
-          <a:prstGeom prst="rect">
-            <a:avLst/>
-          </a:prstGeom>
-          <a:noFill/>
-        </p:spPr>
-        <p:txBody>
-          <a:bodyPr wrap="square" rtlCol="0">
-            <a:spAutoFit/>
-          </a:bodyPr>
-          <a:lstStyle/>
-          <a:p>
-            <a:r>
-              <a:rPr lang="en-IN" sz="2000" dirty="0">
-                <a:solidFill>
-                  <a:srgbClr val="002060"/>
-                </a:solidFill>
-                <a:latin typeface="Times New Roman" panose="02020603050405020304" pitchFamily="18" charset="0"/>
-                <a:cs typeface="Times New Roman" panose="02020603050405020304" pitchFamily="18" charset="0"/>
-              </a:rPr>
-              <a:t>Reflected cases can be downloaded</a:t>
-            </a:r>
-          </a:p>
-        </p:txBody>
-      </p:sp>
-      <p:sp>
-        <p:nvSpPr>
-          <p:cNvPr id="14" name="TextBox 13">
-            <a:extLst>
-              <a:ext uri="{FF2B5EF4-FFF2-40B4-BE49-F238E27FC236}">
-                <a16:creationId xmlns:a16="http://schemas.microsoft.com/office/drawing/2014/main" id="{772ED80A-A192-8BFF-BA85-79FC5DF97029}"/>
-              </a:ext>
-            </a:extLst>
-          </p:cNvPr>
-          <p:cNvSpPr txBox="1"/>
-          <p:nvPr/>
-        </p:nvSpPr>
-        <p:spPr>
-          <a:xfrm>
-            <a:off x="654484" y="6124903"/>
-            <a:ext cx="10105482" cy="307777"/>
-          </a:xfrm>
-          <a:prstGeom prst="rect">
-            <a:avLst/>
-          </a:prstGeom>
-          <a:noFill/>
-        </p:spPr>
-        <p:txBody>
-          <a:bodyPr wrap="square" rtlCol="0">
-            <a:spAutoFit/>
-          </a:bodyPr>
-          <a:lstStyle/>
-          <a:p>
-            <a:pPr algn="ctr"/>
-            <a:r>
-              <a:rPr lang="en-US" sz="1400" i="1" dirty="0">
-                <a:latin typeface="Times New Roman" panose="02020603050405020304" pitchFamily="18" charset="0"/>
-                <a:cs typeface="Times New Roman" panose="02020603050405020304" pitchFamily="18" charset="0"/>
-              </a:rPr>
-              <a:t>Fig2: Snapshot of dashboard displaying the necessary data</a:t>
-            </a:r>
-            <a:endParaRPr lang="en-IN" sz="1400" i="1" dirty="0">
-              <a:latin typeface="Times New Roman" panose="02020603050405020304" pitchFamily="18" charset="0"/>
-              <a:cs typeface="Times New Roman" panose="02020603050405020304" pitchFamily="18" charset="0"/>
-            </a:endParaRPr>
-          </a:p>
-        </p:txBody>
-      </p:sp>
-      <p:cxnSp>
-        <p:nvCxnSpPr>
-          <p:cNvPr id="9" name="Straight Arrow Connector 8">
-            <a:extLst>
-              <a:ext uri="{FF2B5EF4-FFF2-40B4-BE49-F238E27FC236}">
-                <a16:creationId xmlns:a16="http://schemas.microsoft.com/office/drawing/2014/main" id="{30ED7188-8C9F-BBD8-31E1-60602A364FE9}"/>
-              </a:ext>
-            </a:extLst>
-          </p:cNvPr>
-          <p:cNvCxnSpPr>
-            <a:cxnSpLocks/>
-            <a:endCxn id="17" idx="1"/>
-          </p:cNvCxnSpPr>
-          <p:nvPr/>
-        </p:nvCxnSpPr>
-        <p:spPr>
-          <a:xfrm>
-            <a:off x="5802727" y="3197014"/>
-            <a:ext cx="4609634" cy="211334"/>
-          </a:xfrm>
-          <a:prstGeom prst="straightConnector1">
-            <a:avLst/>
-          </a:prstGeom>
-          <a:ln>
-            <a:solidFill>
-              <a:schemeClr val="accent1"/>
-            </a:solidFill>
-            <a:tailEnd type="triangle"/>
-          </a:ln>
-        </p:spPr>
-        <p:style>
-          <a:lnRef idx="1">
-            <a:schemeClr val="accent1"/>
-          </a:lnRef>
-          <a:fillRef idx="0">
-            <a:schemeClr val="accent1"/>
-          </a:fillRef>
-          <a:effectRef idx="0">
-            <a:schemeClr val="accent1"/>
-          </a:effectRef>
-          <a:fontRef idx="minor">
-            <a:schemeClr val="tx1"/>
-          </a:fontRef>
-        </p:style>
-      </p:cxnSp>
-      <p:cxnSp>
-        <p:nvCxnSpPr>
-          <p:cNvPr id="15" name="Straight Arrow Connector 14">
-            <a:extLst>
-              <a:ext uri="{FF2B5EF4-FFF2-40B4-BE49-F238E27FC236}">
-                <a16:creationId xmlns:a16="http://schemas.microsoft.com/office/drawing/2014/main" id="{A38875B4-83B5-4600-797E-C0A93F9AC2C0}"/>
-              </a:ext>
-            </a:extLst>
-          </p:cNvPr>
-          <p:cNvCxnSpPr>
-            <a:cxnSpLocks/>
-            <a:endCxn id="17" idx="1"/>
-          </p:cNvCxnSpPr>
-          <p:nvPr/>
-        </p:nvCxnSpPr>
-        <p:spPr>
-          <a:xfrm>
-            <a:off x="5817476" y="2320918"/>
-            <a:ext cx="4594885" cy="1087430"/>
-          </a:xfrm>
-          <a:prstGeom prst="straightConnector1">
-            <a:avLst/>
-          </a:prstGeom>
-          <a:ln>
-            <a:solidFill>
-              <a:schemeClr val="accent1"/>
-            </a:solidFill>
-            <a:tailEnd type="triangle"/>
-          </a:ln>
-        </p:spPr>
-        <p:style>
-          <a:lnRef idx="1">
-            <a:schemeClr val="accent1"/>
-          </a:lnRef>
-          <a:fillRef idx="0">
-            <a:schemeClr val="accent1"/>
-          </a:fillRef>
-          <a:effectRef idx="0">
-            <a:schemeClr val="accent1"/>
-          </a:effectRef>
-          <a:fontRef idx="minor">
-            <a:schemeClr val="tx1"/>
-          </a:fontRef>
-        </p:style>
-      </p:cxnSp>
-    </p:spTree>
-    <p:extLst>
-      <p:ext uri="{BB962C8B-B14F-4D97-AF65-F5344CB8AC3E}">
-        <p14:creationId xmlns:p14="http://schemas.microsoft.com/office/powerpoint/2010/main" val="2499835404"/>
-      </p:ext>
-    </p:extLst>
-  </p:cSld>
-  <p:clrMapOvr>
-    <a:masterClrMapping/>
-  </p:clrMapOvr>
-</p:sld>
-</file>
-
-<file path=ppt/slides/slide14.xml><?xml version="1.0" encoding="utf-8"?>
-<p:sld xmlns:a="http://schemas.openxmlformats.org/drawingml/2006/main" xmlns:r="http://schemas.openxmlformats.org/officeDocument/2006/relationships" xmlns:p="http://schemas.openxmlformats.org/presentationml/2006/main">
-  <p:cSld>
-    <p:spTree>
-      <p:nvGrpSpPr>
-        <p:cNvPr id="1" name="">
-          <a:extLst>
-            <a:ext uri="{FF2B5EF4-FFF2-40B4-BE49-F238E27FC236}">
-              <a16:creationId xmlns:a16="http://schemas.microsoft.com/office/drawing/2014/main" id="{05C3C3CC-5FC2-EF3D-C0FA-0CF62A911299}"/>
-            </a:ext>
-          </a:extLst>
-        </p:cNvPr>
-        <p:cNvGrpSpPr/>
-        <p:nvPr/>
-      </p:nvGrpSpPr>
-      <p:grpSpPr>
-        <a:xfrm>
-          <a:off x="0" y="0"/>
-          <a:ext cx="0" cy="0"/>
-          <a:chOff x="0" y="0"/>
-          <a:chExt cx="0" cy="0"/>
-        </a:xfrm>
-      </p:grpSpPr>
-      <p:pic>
-        <p:nvPicPr>
-          <p:cNvPr id="4" name="Picture 3">
-            <a:extLst>
-              <a:ext uri="{FF2B5EF4-FFF2-40B4-BE49-F238E27FC236}">
-                <a16:creationId xmlns:a16="http://schemas.microsoft.com/office/drawing/2014/main" id="{0162D120-9DE1-D7D1-5A87-8E7EF8B66A47}"/>
-              </a:ext>
-            </a:extLst>
-          </p:cNvPr>
-          <p:cNvPicPr>
-            <a:picLocks noChangeAspect="1"/>
-          </p:cNvPicPr>
-          <p:nvPr/>
-        </p:nvPicPr>
-        <p:blipFill>
-          <a:blip r:embed="rId2">
-            <a:extLst>
-              <a:ext uri="{28A0092B-C50C-407E-A947-70E740481C1C}">
-                <a14:useLocalDpi xmlns:a14="http://schemas.microsoft.com/office/drawing/2010/main" val="0"/>
-              </a:ext>
-            </a:extLst>
-          </a:blip>
-          <a:srcRect/>
-          <a:stretch/>
-        </p:blipFill>
-        <p:spPr>
-          <a:xfrm>
-            <a:off x="1005979" y="1489748"/>
-            <a:ext cx="8664045" cy="4415548"/>
-          </a:xfrm>
-          <a:prstGeom prst="rect">
-            <a:avLst/>
-          </a:prstGeom>
-        </p:spPr>
-      </p:pic>
-      <p:sp>
-        <p:nvSpPr>
-          <p:cNvPr id="2" name="Title 1">
-            <a:extLst>
-              <a:ext uri="{FF2B5EF4-FFF2-40B4-BE49-F238E27FC236}">
-                <a16:creationId xmlns:a16="http://schemas.microsoft.com/office/drawing/2014/main" id="{1FCCF50B-A0C3-C00D-95D1-B69FEEDD761B}"/>
-              </a:ext>
-            </a:extLst>
-          </p:cNvPr>
-          <p:cNvSpPr>
-            <a:spLocks noGrp="1"/>
-          </p:cNvSpPr>
-          <p:nvPr>
-            <p:ph type="title"/>
-          </p:nvPr>
-        </p:nvSpPr>
-        <p:spPr>
-          <a:xfrm>
-            <a:off x="838200" y="365125"/>
-            <a:ext cx="10515600" cy="991727"/>
-          </a:xfrm>
-        </p:spPr>
-        <p:txBody>
-          <a:bodyPr>
-            <a:normAutofit/>
-          </a:bodyPr>
-          <a:lstStyle/>
-          <a:p>
-            <a:r>
-              <a:rPr lang="en-IN" sz="3600" dirty="0">
-                <a:latin typeface="Times New Roman" panose="02020603050405020304" pitchFamily="18" charset="0"/>
-                <a:cs typeface="Times New Roman" panose="02020603050405020304" pitchFamily="18" charset="0"/>
-              </a:rPr>
-              <a:t>Snapshot for dynamic dashboard created till date</a:t>
-            </a:r>
-          </a:p>
-        </p:txBody>
-      </p:sp>
-      <p:cxnSp>
-        <p:nvCxnSpPr>
-          <p:cNvPr id="8" name="Straight Arrow Connector 7">
-            <a:extLst>
-              <a:ext uri="{FF2B5EF4-FFF2-40B4-BE49-F238E27FC236}">
-                <a16:creationId xmlns:a16="http://schemas.microsoft.com/office/drawing/2014/main" id="{F9B16565-D537-09D8-011D-DEA8555AD687}"/>
-              </a:ext>
-            </a:extLst>
-          </p:cNvPr>
-          <p:cNvCxnSpPr>
-            <a:cxnSpLocks/>
-          </p:cNvCxnSpPr>
-          <p:nvPr/>
-        </p:nvCxnSpPr>
-        <p:spPr>
-          <a:xfrm>
-            <a:off x="8480491" y="2044439"/>
-            <a:ext cx="2184881" cy="856077"/>
-          </a:xfrm>
-          <a:prstGeom prst="straightConnector1">
-            <a:avLst/>
-          </a:prstGeom>
-          <a:ln>
-            <a:solidFill>
-              <a:schemeClr val="accent1"/>
-            </a:solidFill>
-            <a:tailEnd type="triangle"/>
-          </a:ln>
-        </p:spPr>
-        <p:style>
-          <a:lnRef idx="1">
-            <a:schemeClr val="accent1"/>
-          </a:lnRef>
-          <a:fillRef idx="0">
-            <a:schemeClr val="accent1"/>
-          </a:fillRef>
-          <a:effectRef idx="0">
-            <a:schemeClr val="accent1"/>
-          </a:effectRef>
-          <a:fontRef idx="minor">
-            <a:schemeClr val="tx1"/>
-          </a:fontRef>
-        </p:style>
-      </p:cxnSp>
-      <p:sp>
-        <p:nvSpPr>
-          <p:cNvPr id="17" name="TextBox 16">
-            <a:extLst>
-              <a:ext uri="{FF2B5EF4-FFF2-40B4-BE49-F238E27FC236}">
-                <a16:creationId xmlns:a16="http://schemas.microsoft.com/office/drawing/2014/main" id="{D7E9E584-654F-CFFD-3A51-487DAF6C2B51}"/>
-              </a:ext>
-            </a:extLst>
-          </p:cNvPr>
-          <p:cNvSpPr txBox="1"/>
-          <p:nvPr/>
-        </p:nvSpPr>
-        <p:spPr>
-          <a:xfrm>
-            <a:off x="10168759" y="2900516"/>
-            <a:ext cx="1698776" cy="1015663"/>
-          </a:xfrm>
-          <a:prstGeom prst="rect">
-            <a:avLst/>
-          </a:prstGeom>
-          <a:noFill/>
-        </p:spPr>
-        <p:txBody>
-          <a:bodyPr wrap="square" rtlCol="0">
-            <a:spAutoFit/>
-          </a:bodyPr>
-          <a:lstStyle/>
-          <a:p>
-            <a:r>
-              <a:rPr lang="en-IN" sz="2000" dirty="0">
-                <a:solidFill>
-                  <a:srgbClr val="002060"/>
-                </a:solidFill>
-                <a:latin typeface="Times New Roman" panose="02020603050405020304" pitchFamily="18" charset="0"/>
-                <a:cs typeface="Times New Roman" panose="02020603050405020304" pitchFamily="18" charset="0"/>
-              </a:rPr>
-              <a:t>Case Wise Visualization Page</a:t>
-            </a:r>
-          </a:p>
-        </p:txBody>
-      </p:sp>
-      <p:sp>
-        <p:nvSpPr>
-          <p:cNvPr id="14" name="TextBox 13">
-            <a:extLst>
-              <a:ext uri="{FF2B5EF4-FFF2-40B4-BE49-F238E27FC236}">
-                <a16:creationId xmlns:a16="http://schemas.microsoft.com/office/drawing/2014/main" id="{F3B4E163-02B4-D373-5606-D40CCC380C18}"/>
-              </a:ext>
-            </a:extLst>
-          </p:cNvPr>
-          <p:cNvSpPr txBox="1"/>
-          <p:nvPr/>
-        </p:nvSpPr>
-        <p:spPr>
-          <a:xfrm>
-            <a:off x="654484" y="6124903"/>
-            <a:ext cx="10105482" cy="307777"/>
-          </a:xfrm>
-          <a:prstGeom prst="rect">
-            <a:avLst/>
-          </a:prstGeom>
-          <a:noFill/>
-        </p:spPr>
-        <p:txBody>
-          <a:bodyPr wrap="square" rtlCol="0">
-            <a:spAutoFit/>
-          </a:bodyPr>
-          <a:lstStyle/>
-          <a:p>
-            <a:pPr algn="ctr"/>
-            <a:r>
-              <a:rPr lang="en-US" sz="1400" i="1" dirty="0">
-                <a:latin typeface="Times New Roman" panose="02020603050405020304" pitchFamily="18" charset="0"/>
-                <a:cs typeface="Times New Roman" panose="02020603050405020304" pitchFamily="18" charset="0"/>
-              </a:rPr>
-              <a:t>Fig3: Snapshot of case-wise visualizations page </a:t>
-            </a:r>
-            <a:endParaRPr lang="en-IN" sz="1400" i="1" dirty="0">
-              <a:latin typeface="Times New Roman" panose="02020603050405020304" pitchFamily="18" charset="0"/>
-              <a:cs typeface="Times New Roman" panose="02020603050405020304" pitchFamily="18" charset="0"/>
-            </a:endParaRPr>
-          </a:p>
-        </p:txBody>
-      </p:sp>
-    </p:spTree>
-    <p:extLst>
-      <p:ext uri="{BB962C8B-B14F-4D97-AF65-F5344CB8AC3E}">
-        <p14:creationId xmlns:p14="http://schemas.microsoft.com/office/powerpoint/2010/main" val="654535236"/>
-      </p:ext>
-    </p:extLst>
-  </p:cSld>
-  <p:clrMapOvr>
-    <a:masterClrMapping/>
-  </p:clrMapOvr>
-</p:sld>
-</file>
-
-<file path=ppt/slides/slide15.xml><?xml version="1.0" encoding="utf-8"?>
-<p:sld xmlns:a="http://schemas.openxmlformats.org/drawingml/2006/main" xmlns:r="http://schemas.openxmlformats.org/officeDocument/2006/relationships" xmlns:p="http://schemas.openxmlformats.org/presentationml/2006/main">
-  <p:cSld>
-    <p:spTree>
-      <p:nvGrpSpPr>
-        <p:cNvPr id="1" name="">
-          <a:extLst>
-            <a:ext uri="{FF2B5EF4-FFF2-40B4-BE49-F238E27FC236}">
-              <a16:creationId xmlns:a16="http://schemas.microsoft.com/office/drawing/2014/main" id="{5ED56D30-C975-CFA1-7421-2AC819F8BB64}"/>
-            </a:ext>
-          </a:extLst>
-        </p:cNvPr>
-        <p:cNvGrpSpPr/>
-        <p:nvPr/>
-      </p:nvGrpSpPr>
-      <p:grpSpPr>
-        <a:xfrm>
-          <a:off x="0" y="0"/>
-          <a:ext cx="0" cy="0"/>
-          <a:chOff x="0" y="0"/>
-          <a:chExt cx="0" cy="0"/>
-        </a:xfrm>
-      </p:grpSpPr>
-      <p:pic>
-        <p:nvPicPr>
-          <p:cNvPr id="4" name="Picture 3">
-            <a:extLst>
-              <a:ext uri="{FF2B5EF4-FFF2-40B4-BE49-F238E27FC236}">
-                <a16:creationId xmlns:a16="http://schemas.microsoft.com/office/drawing/2014/main" id="{44831BC7-FBBE-FAED-C8F0-8D23D53350DC}"/>
-              </a:ext>
-            </a:extLst>
-          </p:cNvPr>
-          <p:cNvPicPr>
-            <a:picLocks noChangeAspect="1"/>
-          </p:cNvPicPr>
-          <p:nvPr/>
-        </p:nvPicPr>
-        <p:blipFill>
-          <a:blip r:embed="rId2">
-            <a:extLst>
-              <a:ext uri="{28A0092B-C50C-407E-A947-70E740481C1C}">
-                <a14:useLocalDpi xmlns:a14="http://schemas.microsoft.com/office/drawing/2010/main" val="0"/>
-              </a:ext>
-            </a:extLst>
-          </a:blip>
-          <a:srcRect/>
-          <a:stretch/>
-        </p:blipFill>
-        <p:spPr>
-          <a:xfrm>
-            <a:off x="1375202" y="2175795"/>
-            <a:ext cx="8664045" cy="3012273"/>
-          </a:xfrm>
-          <a:prstGeom prst="rect">
-            <a:avLst/>
-          </a:prstGeom>
-        </p:spPr>
-      </p:pic>
-      <p:sp>
-        <p:nvSpPr>
-          <p:cNvPr id="2" name="Title 1">
-            <a:extLst>
-              <a:ext uri="{FF2B5EF4-FFF2-40B4-BE49-F238E27FC236}">
-                <a16:creationId xmlns:a16="http://schemas.microsoft.com/office/drawing/2014/main" id="{51913DF8-69EF-4BDB-8FD1-05FCFDF8D5B2}"/>
-              </a:ext>
-            </a:extLst>
-          </p:cNvPr>
-          <p:cNvSpPr>
-            <a:spLocks noGrp="1"/>
-          </p:cNvSpPr>
-          <p:nvPr>
-            <p:ph type="title"/>
-          </p:nvPr>
-        </p:nvSpPr>
-        <p:spPr>
-          <a:xfrm>
-            <a:off x="838200" y="365125"/>
-            <a:ext cx="10515600" cy="991727"/>
-          </a:xfrm>
-        </p:spPr>
-        <p:txBody>
-          <a:bodyPr>
-            <a:normAutofit/>
-          </a:bodyPr>
-          <a:lstStyle/>
-          <a:p>
-            <a:r>
-              <a:rPr lang="en-IN" sz="3600" dirty="0">
-                <a:latin typeface="Times New Roman" panose="02020603050405020304" pitchFamily="18" charset="0"/>
-                <a:cs typeface="Times New Roman" panose="02020603050405020304" pitchFamily="18" charset="0"/>
-              </a:rPr>
-              <a:t>Snapshot for dynamic dashboard created till date</a:t>
-            </a:r>
-          </a:p>
-        </p:txBody>
-      </p:sp>
-      <p:cxnSp>
-        <p:nvCxnSpPr>
-          <p:cNvPr id="8" name="Straight Arrow Connector 7">
-            <a:extLst>
-              <a:ext uri="{FF2B5EF4-FFF2-40B4-BE49-F238E27FC236}">
-                <a16:creationId xmlns:a16="http://schemas.microsoft.com/office/drawing/2014/main" id="{BA21D630-0086-82DF-8A3F-AB3015801264}"/>
-              </a:ext>
-            </a:extLst>
-          </p:cNvPr>
-          <p:cNvCxnSpPr>
-            <a:cxnSpLocks/>
-          </p:cNvCxnSpPr>
-          <p:nvPr/>
-        </p:nvCxnSpPr>
-        <p:spPr>
-          <a:xfrm>
-            <a:off x="8718331" y="3681931"/>
-            <a:ext cx="1615966" cy="432869"/>
-          </a:xfrm>
-          <a:prstGeom prst="straightConnector1">
-            <a:avLst/>
-          </a:prstGeom>
-          <a:ln>
-            <a:solidFill>
-              <a:schemeClr val="accent1"/>
-            </a:solidFill>
-            <a:tailEnd type="triangle"/>
-          </a:ln>
-        </p:spPr>
-        <p:style>
-          <a:lnRef idx="1">
-            <a:schemeClr val="accent1"/>
-          </a:lnRef>
-          <a:fillRef idx="0">
-            <a:schemeClr val="accent1"/>
-          </a:fillRef>
-          <a:effectRef idx="0">
-            <a:schemeClr val="accent1"/>
-          </a:effectRef>
-          <a:fontRef idx="minor">
-            <a:schemeClr val="tx1"/>
-          </a:fontRef>
-        </p:style>
-      </p:cxnSp>
-      <p:sp>
-        <p:nvSpPr>
-          <p:cNvPr id="17" name="TextBox 16">
-            <a:extLst>
-              <a:ext uri="{FF2B5EF4-FFF2-40B4-BE49-F238E27FC236}">
-                <a16:creationId xmlns:a16="http://schemas.microsoft.com/office/drawing/2014/main" id="{7281829C-C238-5D81-AD88-BB7CF145E30D}"/>
-              </a:ext>
-            </a:extLst>
-          </p:cNvPr>
-          <p:cNvSpPr txBox="1"/>
-          <p:nvPr/>
-        </p:nvSpPr>
-        <p:spPr>
-          <a:xfrm>
-            <a:off x="10334297" y="4092698"/>
-            <a:ext cx="1698776" cy="707886"/>
-          </a:xfrm>
-          <a:prstGeom prst="rect">
-            <a:avLst/>
-          </a:prstGeom>
-          <a:noFill/>
-        </p:spPr>
-        <p:txBody>
-          <a:bodyPr wrap="square" rtlCol="0">
-            <a:spAutoFit/>
-          </a:bodyPr>
-          <a:lstStyle/>
-          <a:p>
-            <a:r>
-              <a:rPr lang="en-IN" sz="2000" dirty="0">
-                <a:solidFill>
-                  <a:srgbClr val="002060"/>
-                </a:solidFill>
-                <a:latin typeface="Times New Roman" panose="02020603050405020304" pitchFamily="18" charset="0"/>
-                <a:cs typeface="Times New Roman" panose="02020603050405020304" pitchFamily="18" charset="0"/>
-              </a:rPr>
-              <a:t>All flagged patient details </a:t>
-            </a:r>
-          </a:p>
-        </p:txBody>
-      </p:sp>
-      <p:sp>
-        <p:nvSpPr>
-          <p:cNvPr id="14" name="TextBox 13">
-            <a:extLst>
-              <a:ext uri="{FF2B5EF4-FFF2-40B4-BE49-F238E27FC236}">
-                <a16:creationId xmlns:a16="http://schemas.microsoft.com/office/drawing/2014/main" id="{85CC3265-2B7A-99FF-FA6E-38A13C80174F}"/>
-              </a:ext>
-            </a:extLst>
-          </p:cNvPr>
-          <p:cNvSpPr txBox="1"/>
-          <p:nvPr/>
-        </p:nvSpPr>
-        <p:spPr>
-          <a:xfrm>
-            <a:off x="654484" y="6124903"/>
-            <a:ext cx="10105482" cy="307777"/>
-          </a:xfrm>
-          <a:prstGeom prst="rect">
-            <a:avLst/>
-          </a:prstGeom>
-          <a:noFill/>
-        </p:spPr>
-        <p:txBody>
-          <a:bodyPr wrap="square" rtlCol="0">
-            <a:spAutoFit/>
-          </a:bodyPr>
-          <a:lstStyle/>
-          <a:p>
-            <a:pPr algn="ctr"/>
-            <a:r>
-              <a:rPr lang="en-US" sz="1400" i="1" dirty="0">
-                <a:latin typeface="Times New Roman" panose="02020603050405020304" pitchFamily="18" charset="0"/>
-                <a:cs typeface="Times New Roman" panose="02020603050405020304" pitchFamily="18" charset="0"/>
-              </a:rPr>
-              <a:t>Fig4: Snapshot of table visualization</a:t>
-            </a:r>
-            <a:endParaRPr lang="en-IN" sz="1400" i="1" dirty="0">
-              <a:latin typeface="Times New Roman" panose="02020603050405020304" pitchFamily="18" charset="0"/>
-              <a:cs typeface="Times New Roman" panose="02020603050405020304" pitchFamily="18" charset="0"/>
-            </a:endParaRPr>
-          </a:p>
-        </p:txBody>
-      </p:sp>
-    </p:spTree>
-    <p:extLst>
-      <p:ext uri="{BB962C8B-B14F-4D97-AF65-F5344CB8AC3E}">
-        <p14:creationId xmlns:p14="http://schemas.microsoft.com/office/powerpoint/2010/main" val="4085919568"/>
-      </p:ext>
-    </p:extLst>
-  </p:cSld>
-  <p:clrMapOvr>
-    <a:masterClrMapping/>
-  </p:clrMapOvr>
-</p:sld>
-</file>
-
-<file path=ppt/slides/slide16.xml><?xml version="1.0" encoding="utf-8"?>
 <p:sld xmlns:a="http://schemas.openxmlformats.org/drawingml/2006/main" xmlns:r="http://schemas.openxmlformats.org/officeDocument/2006/relationships" xmlns:p="http://schemas.openxmlformats.org/presentationml/2006/main">
   <p:cSld>
     <p:spTree>
@@ -5322,6 +3717,54 @@
           </a:p>
         </p:txBody>
       </p:sp>
+      <p:sp>
+        <p:nvSpPr>
+          <p:cNvPr id="3" name="Rectangle: Rounded Corners 2">
+            <a:extLst>
+              <a:ext uri="{FF2B5EF4-FFF2-40B4-BE49-F238E27FC236}">
+                <a16:creationId xmlns:a16="http://schemas.microsoft.com/office/drawing/2014/main" id="{7B223D0C-9D4E-1C98-1E55-F6ABE3FCDED0}"/>
+              </a:ext>
+            </a:extLst>
+          </p:cNvPr>
+          <p:cNvSpPr/>
+          <p:nvPr/>
+        </p:nvSpPr>
+        <p:spPr>
+          <a:xfrm>
+            <a:off x="10136136" y="2727434"/>
+            <a:ext cx="1751064" cy="1379108"/>
+          </a:xfrm>
+          <a:prstGeom prst="roundRect">
+            <a:avLst/>
+          </a:prstGeom>
+          <a:noFill/>
+          <a:ln w="25400"/>
+        </p:spPr>
+        <p:style>
+          <a:lnRef idx="2">
+            <a:schemeClr val="accent1">
+              <a:shade val="15000"/>
+            </a:schemeClr>
+          </a:lnRef>
+          <a:fillRef idx="1">
+            <a:schemeClr val="accent1"/>
+          </a:fillRef>
+          <a:effectRef idx="0">
+            <a:schemeClr val="accent1"/>
+          </a:effectRef>
+          <a:fontRef idx="minor">
+            <a:schemeClr val="lt1"/>
+          </a:fontRef>
+        </p:style>
+        <p:txBody>
+          <a:bodyPr rtlCol="0" anchor="ctr"/>
+          <a:lstStyle/>
+          <a:p>
+            <a:pPr algn="ctr"/>
+            <a:endParaRPr lang="en-IN"/>
+          </a:p>
+        </p:txBody>
+      </p:sp>
     </p:spTree>
     <p:extLst>
       <p:ext uri="{BB962C8B-B14F-4D97-AF65-F5344CB8AC3E}">
@@ -5335,7 +3778,7 @@
 </p:sld>
 </file>
 
-<file path=ppt/slides/slide17.xml><?xml version="1.0" encoding="utf-8"?>
+<file path=ppt/slides/slide11.xml><?xml version="1.0" encoding="utf-8"?>
 <p:sld xmlns:a="http://schemas.openxmlformats.org/drawingml/2006/main" xmlns:r="http://schemas.openxmlformats.org/officeDocument/2006/relationships" xmlns:p="http://schemas.openxmlformats.org/presentationml/2006/main">
   <p:cSld>
     <p:spTree>
@@ -5559,6 +4002,54 @@
           </a:p>
         </p:txBody>
       </p:sp>
+      <p:sp>
+        <p:nvSpPr>
+          <p:cNvPr id="3" name="Rectangle: Rounded Corners 2">
+            <a:extLst>
+              <a:ext uri="{FF2B5EF4-FFF2-40B4-BE49-F238E27FC236}">
+                <a16:creationId xmlns:a16="http://schemas.microsoft.com/office/drawing/2014/main" id="{7BF025C2-8BDC-2E84-2D7A-E710E933A47F}"/>
+              </a:ext>
+            </a:extLst>
+          </p:cNvPr>
+          <p:cNvSpPr/>
+          <p:nvPr/>
+        </p:nvSpPr>
+        <p:spPr>
+          <a:xfrm>
+            <a:off x="10020883" y="2868064"/>
+            <a:ext cx="1866317" cy="2011364"/>
+          </a:xfrm>
+          <a:prstGeom prst="roundRect">
+            <a:avLst/>
+          </a:prstGeom>
+          <a:noFill/>
+          <a:ln w="25400"/>
+        </p:spPr>
+        <p:style>
+          <a:lnRef idx="2">
+            <a:schemeClr val="accent1">
+              <a:shade val="15000"/>
+            </a:schemeClr>
+          </a:lnRef>
+          <a:fillRef idx="1">
+            <a:schemeClr val="accent1"/>
+          </a:fillRef>
+          <a:effectRef idx="0">
+            <a:schemeClr val="accent1"/>
+          </a:effectRef>
+          <a:fontRef idx="minor">
+            <a:schemeClr val="lt1"/>
+          </a:fontRef>
+        </p:style>
+        <p:txBody>
+          <a:bodyPr rtlCol="0" anchor="ctr"/>
+          <a:lstStyle/>
+          <a:p>
+            <a:pPr algn="ctr"/>
+            <a:endParaRPr lang="en-IN"/>
+          </a:p>
+        </p:txBody>
+      </p:sp>
     </p:spTree>
     <p:extLst>
       <p:ext uri="{BB962C8B-B14F-4D97-AF65-F5344CB8AC3E}">
@@ -5572,7 +4063,7 @@
 </p:sld>
 </file>
 
-<file path=ppt/slides/slide18.xml><?xml version="1.0" encoding="utf-8"?>
+<file path=ppt/slides/slide12.xml><?xml version="1.0" encoding="utf-8"?>
 <p:sld xmlns:a="http://schemas.openxmlformats.org/drawingml/2006/main" xmlns:r="http://schemas.openxmlformats.org/officeDocument/2006/relationships" xmlns:p="http://schemas.openxmlformats.org/presentationml/2006/main">
   <p:cSld>
     <p:spTree>
@@ -5800,6 +4291,54 @@
           </a:p>
         </p:txBody>
       </p:sp>
+      <p:sp>
+        <p:nvSpPr>
+          <p:cNvPr id="3" name="Rectangle: Rounded Corners 2">
+            <a:extLst>
+              <a:ext uri="{FF2B5EF4-FFF2-40B4-BE49-F238E27FC236}">
+                <a16:creationId xmlns:a16="http://schemas.microsoft.com/office/drawing/2014/main" id="{1BC3ED69-95EA-7228-A101-5867674E0236}"/>
+              </a:ext>
+            </a:extLst>
+          </p:cNvPr>
+          <p:cNvSpPr/>
+          <p:nvPr/>
+        </p:nvSpPr>
+        <p:spPr>
+          <a:xfrm>
+            <a:off x="10104024" y="4305487"/>
+            <a:ext cx="1751064" cy="991727"/>
+          </a:xfrm>
+          <a:prstGeom prst="roundRect">
+            <a:avLst/>
+          </a:prstGeom>
+          <a:noFill/>
+          <a:ln w="25400"/>
+        </p:spPr>
+        <p:style>
+          <a:lnRef idx="2">
+            <a:schemeClr val="accent1">
+              <a:shade val="15000"/>
+            </a:schemeClr>
+          </a:lnRef>
+          <a:fillRef idx="1">
+            <a:schemeClr val="accent1"/>
+          </a:fillRef>
+          <a:effectRef idx="0">
+            <a:schemeClr val="accent1"/>
+          </a:effectRef>
+          <a:fontRef idx="minor">
+            <a:schemeClr val="lt1"/>
+          </a:fontRef>
+        </p:style>
+        <p:txBody>
+          <a:bodyPr rtlCol="0" anchor="ctr"/>
+          <a:lstStyle/>
+          <a:p>
+            <a:pPr algn="ctr"/>
+            <a:endParaRPr lang="en-IN"/>
+          </a:p>
+        </p:txBody>
+      </p:sp>
     </p:spTree>
     <p:extLst>
       <p:ext uri="{BB962C8B-B14F-4D97-AF65-F5344CB8AC3E}">
@@ -5813,7 +4352,7 @@
 </p:sld>
 </file>
 
-<file path=ppt/slides/slide19.xml><?xml version="1.0" encoding="utf-8"?>
+<file path=ppt/slides/slide13.xml><?xml version="1.0" encoding="utf-8"?>
 <p:sld xmlns:a="http://schemas.openxmlformats.org/drawingml/2006/main" xmlns:r="http://schemas.openxmlformats.org/officeDocument/2006/relationships" xmlns:p="http://schemas.openxmlformats.org/presentationml/2006/main">
   <p:cSld>
     <p:spTree>
@@ -5944,8 +4483,44 @@
         </p:blipFill>
         <p:spPr>
           <a:xfrm>
-            <a:off x="2577584" y="1231788"/>
-            <a:ext cx="7036832" cy="4734244"/>
+            <a:off x="838200" y="1561825"/>
+            <a:ext cx="5550621" cy="3734350"/>
+          </a:xfrm>
+          <a:prstGeom prst="rect">
+            <a:avLst/>
+          </a:prstGeom>
+        </p:spPr>
+      </p:pic>
+      <p:pic>
+        <p:nvPicPr>
+          <p:cNvPr id="5" name="Picture 4">
+            <a:extLst>
+              <a:ext uri="{FF2B5EF4-FFF2-40B4-BE49-F238E27FC236}">
+                <a16:creationId xmlns:a16="http://schemas.microsoft.com/office/drawing/2014/main" id="{A6B36AF9-8B50-CF72-1E60-FFAC1C75571F}"/>
+              </a:ext>
+            </a:extLst>
+          </p:cNvPr>
+          <p:cNvPicPr>
+            <a:picLocks noChangeAspect="1"/>
+          </p:cNvPicPr>
+          <p:nvPr/>
+        </p:nvPicPr>
+        <p:blipFill>
+          <a:blip r:embed="rId3">
+            <a:extLst>
+              <a:ext uri="{28A0092B-C50C-407E-A947-70E740481C1C}">
+                <a14:useLocalDpi xmlns:a14="http://schemas.microsoft.com/office/drawing/2010/main" val="0"/>
+              </a:ext>
+            </a:extLst>
+          </a:blip>
+          <a:stretch>
+            <a:fillRect/>
+          </a:stretch>
+        </p:blipFill>
+        <p:spPr>
+          <a:xfrm>
+            <a:off x="6676697" y="1561825"/>
+            <a:ext cx="4943042" cy="4169226"/>
           </a:xfrm>
           <a:prstGeom prst="rect">
             <a:avLst/>
@@ -5965,323 +4540,7 @@
 </p:sld>
 </file>
 
-<file path=ppt/slides/slide2.xml><?xml version="1.0" encoding="utf-8"?>
-<p:sld xmlns:a="http://schemas.openxmlformats.org/drawingml/2006/main" xmlns:r="http://schemas.openxmlformats.org/officeDocument/2006/relationships" xmlns:p="http://schemas.openxmlformats.org/presentationml/2006/main">
-  <p:cSld>
-    <p:spTree>
-      <p:nvGrpSpPr>
-        <p:cNvPr id="1" name=""/>
-        <p:cNvGrpSpPr/>
-        <p:nvPr/>
-      </p:nvGrpSpPr>
-      <p:grpSpPr>
-        <a:xfrm>
-          <a:off x="0" y="0"/>
-          <a:ext cx="0" cy="0"/>
-          <a:chOff x="0" y="0"/>
-          <a:chExt cx="0" cy="0"/>
-        </a:xfrm>
-      </p:grpSpPr>
-      <p:sp>
-        <p:nvSpPr>
-          <p:cNvPr id="5" name="Rectangle 4">
-            <a:extLst>
-              <a:ext uri="{FF2B5EF4-FFF2-40B4-BE49-F238E27FC236}">
-                <a16:creationId xmlns:a16="http://schemas.microsoft.com/office/drawing/2014/main" id="{62E80477-5091-B7F7-D136-8A2FE5F21D37}"/>
-              </a:ext>
-            </a:extLst>
-          </p:cNvPr>
-          <p:cNvSpPr/>
-          <p:nvPr/>
-        </p:nvSpPr>
-        <p:spPr>
-          <a:xfrm>
-            <a:off x="870155" y="1170040"/>
-            <a:ext cx="10451690" cy="1288026"/>
-          </a:xfrm>
-          <a:prstGeom prst="rect">
-            <a:avLst/>
-          </a:prstGeom>
-        </p:spPr>
-        <p:style>
-          <a:lnRef idx="2">
-            <a:schemeClr val="accent6"/>
-          </a:lnRef>
-          <a:fillRef idx="1">
-            <a:schemeClr val="lt1"/>
-          </a:fillRef>
-          <a:effectRef idx="0">
-            <a:schemeClr val="accent6"/>
-          </a:effectRef>
-          <a:fontRef idx="minor">
-            <a:schemeClr val="dk1"/>
-          </a:fontRef>
-        </p:style>
-        <p:txBody>
-          <a:bodyPr rtlCol="0" anchor="ctr"/>
-          <a:lstStyle/>
-          <a:p>
-            <a:pPr algn="ctr"/>
-            <a:endParaRPr lang="en-IN"/>
-          </a:p>
-        </p:txBody>
-      </p:sp>
-      <p:sp>
-        <p:nvSpPr>
-          <p:cNvPr id="4" name="Rectangle 3">
-            <a:extLst>
-              <a:ext uri="{FF2B5EF4-FFF2-40B4-BE49-F238E27FC236}">
-                <a16:creationId xmlns:a16="http://schemas.microsoft.com/office/drawing/2014/main" id="{B2DB639A-F65B-0497-EE6D-275F4F1450CE}"/>
-              </a:ext>
-            </a:extLst>
-          </p:cNvPr>
-          <p:cNvSpPr/>
-          <p:nvPr/>
-        </p:nvSpPr>
-        <p:spPr>
-          <a:xfrm>
-            <a:off x="727587" y="2831690"/>
-            <a:ext cx="10626213" cy="3274142"/>
-          </a:xfrm>
-          <a:prstGeom prst="rect">
-            <a:avLst/>
-          </a:prstGeom>
-        </p:spPr>
-        <p:style>
-          <a:lnRef idx="2">
-            <a:schemeClr val="accent6"/>
-          </a:lnRef>
-          <a:fillRef idx="1">
-            <a:schemeClr val="lt1"/>
-          </a:fillRef>
-          <a:effectRef idx="0">
-            <a:schemeClr val="accent6"/>
-          </a:effectRef>
-          <a:fontRef idx="minor">
-            <a:schemeClr val="dk1"/>
-          </a:fontRef>
-        </p:style>
-        <p:txBody>
-          <a:bodyPr rtlCol="0" anchor="ctr"/>
-          <a:lstStyle/>
-          <a:p>
-            <a:pPr algn="ctr"/>
-            <a:endParaRPr lang="en-IN"/>
-          </a:p>
-        </p:txBody>
-      </p:sp>
-      <p:sp>
-        <p:nvSpPr>
-          <p:cNvPr id="2" name="Title 1">
-            <a:extLst>
-              <a:ext uri="{FF2B5EF4-FFF2-40B4-BE49-F238E27FC236}">
-                <a16:creationId xmlns:a16="http://schemas.microsoft.com/office/drawing/2014/main" id="{A6D7C386-0BC0-F76E-0588-49A8B526BDF8}"/>
-              </a:ext>
-            </a:extLst>
-          </p:cNvPr>
-          <p:cNvSpPr>
-            <a:spLocks noGrp="1"/>
-          </p:cNvSpPr>
-          <p:nvPr>
-            <p:ph type="title"/>
-          </p:nvPr>
-        </p:nvSpPr>
-        <p:spPr>
-          <a:xfrm>
-            <a:off x="838200" y="365126"/>
-            <a:ext cx="10515600" cy="873740"/>
-          </a:xfrm>
-        </p:spPr>
-        <p:txBody>
-          <a:bodyPr>
-            <a:normAutofit/>
-          </a:bodyPr>
-          <a:lstStyle/>
-          <a:p>
-            <a:r>
-              <a:rPr lang="en-IN" sz="3600" dirty="0">
-                <a:latin typeface="Times New Roman" panose="02020603050405020304" pitchFamily="18" charset="0"/>
-                <a:cs typeface="Times New Roman" panose="02020603050405020304" pitchFamily="18" charset="0"/>
-              </a:rPr>
-              <a:t>Fraud type</a:t>
-            </a:r>
-          </a:p>
-        </p:txBody>
-      </p:sp>
-      <p:sp>
-        <p:nvSpPr>
-          <p:cNvPr id="3" name="Content Placeholder 2">
-            <a:extLst>
-              <a:ext uri="{FF2B5EF4-FFF2-40B4-BE49-F238E27FC236}">
-                <a16:creationId xmlns:a16="http://schemas.microsoft.com/office/drawing/2014/main" id="{E27ED2E3-41BE-CC6E-5A89-84299EFE280F}"/>
-              </a:ext>
-            </a:extLst>
-          </p:cNvPr>
-          <p:cNvSpPr>
-            <a:spLocks noGrp="1"/>
-          </p:cNvSpPr>
-          <p:nvPr>
-            <p:ph idx="1"/>
-          </p:nvPr>
-        </p:nvSpPr>
-        <p:spPr>
-          <a:xfrm>
-            <a:off x="870155" y="1396181"/>
-            <a:ext cx="10515600" cy="4997091"/>
-          </a:xfrm>
-        </p:spPr>
-        <p:txBody>
-          <a:bodyPr>
-            <a:normAutofit/>
-          </a:bodyPr>
-          <a:lstStyle/>
-          <a:p>
-            <a:pPr marL="0" indent="0">
-              <a:buNone/>
-            </a:pPr>
-            <a:r>
-              <a:rPr lang="en-US" dirty="0">
-                <a:latin typeface="Times New Roman" panose="02020603050405020304" pitchFamily="18" charset="0"/>
-                <a:cs typeface="Times New Roman" panose="02020603050405020304" pitchFamily="18" charset="0"/>
-              </a:rPr>
-              <a:t>Beneficiary fraud </a:t>
-            </a:r>
-            <a:r>
-              <a:rPr lang="en-US" dirty="0">
-                <a:highlight>
-                  <a:srgbClr val="008080"/>
-                </a:highlight>
-                <a:latin typeface="Times New Roman" panose="02020603050405020304" pitchFamily="18" charset="0"/>
-                <a:cs typeface="Times New Roman" panose="02020603050405020304" pitchFamily="18" charset="0"/>
-              </a:rPr>
-              <a:t>(Main focus):</a:t>
-            </a:r>
-          </a:p>
-          <a:p>
-            <a:pPr lvl="1"/>
-            <a:r>
-              <a:rPr lang="en-US" sz="2800" dirty="0">
-                <a:latin typeface="Times New Roman" panose="02020603050405020304" pitchFamily="18" charset="0"/>
-                <a:cs typeface="Times New Roman" panose="02020603050405020304" pitchFamily="18" charset="0"/>
-              </a:rPr>
-              <a:t>Fraud conducted by an eligible beneficiary of PMJAY  </a:t>
-            </a:r>
-          </a:p>
-          <a:p>
-            <a:pPr lvl="1"/>
-            <a:endParaRPr lang="en-US" sz="2000" dirty="0">
-              <a:latin typeface="Times New Roman" panose="02020603050405020304" pitchFamily="18" charset="0"/>
-              <a:cs typeface="Times New Roman" panose="02020603050405020304" pitchFamily="18" charset="0"/>
-            </a:endParaRPr>
-          </a:p>
-          <a:p>
-            <a:endParaRPr lang="en-US" sz="2000" dirty="0">
-              <a:latin typeface="Times New Roman" panose="02020603050405020304" pitchFamily="18" charset="0"/>
-              <a:cs typeface="Times New Roman" panose="02020603050405020304" pitchFamily="18" charset="0"/>
-            </a:endParaRPr>
-          </a:p>
-          <a:p>
-            <a:r>
-              <a:rPr lang="en-US" sz="2000" dirty="0">
-                <a:latin typeface="Times New Roman" panose="02020603050405020304" pitchFamily="18" charset="0"/>
-                <a:cs typeface="Times New Roman" panose="02020603050405020304" pitchFamily="18" charset="0"/>
-              </a:rPr>
-              <a:t>Payer fraud:</a:t>
-            </a:r>
-          </a:p>
-          <a:p>
-            <a:pPr lvl="1"/>
-            <a:r>
-              <a:rPr lang="en-US" sz="2000" dirty="0">
-                <a:latin typeface="Times New Roman" panose="02020603050405020304" pitchFamily="18" charset="0"/>
-                <a:cs typeface="Times New Roman" panose="02020603050405020304" pitchFamily="18" charset="0"/>
-              </a:rPr>
-              <a:t>Fraud conducted by a staff or consultant of NHA or SHA or personnel employed by any of the agencies contracted by the NHA or the SHA directly or indirectly</a:t>
-            </a:r>
-          </a:p>
-          <a:p>
-            <a:pPr lvl="1"/>
-            <a:endParaRPr lang="en-US" sz="2000" dirty="0">
-              <a:latin typeface="Times New Roman" panose="02020603050405020304" pitchFamily="18" charset="0"/>
-              <a:cs typeface="Times New Roman" panose="02020603050405020304" pitchFamily="18" charset="0"/>
-            </a:endParaRPr>
-          </a:p>
-          <a:p>
-            <a:r>
-              <a:rPr lang="en-US" sz="2000" dirty="0">
-                <a:latin typeface="Times New Roman" panose="02020603050405020304" pitchFamily="18" charset="0"/>
-                <a:cs typeface="Times New Roman" panose="02020603050405020304" pitchFamily="18" charset="0"/>
-              </a:rPr>
-              <a:t>Provider fraud</a:t>
-            </a:r>
-          </a:p>
-          <a:p>
-            <a:pPr lvl="1"/>
-            <a:r>
-              <a:rPr lang="en-US" sz="2000" dirty="0">
-                <a:latin typeface="Times New Roman" panose="02020603050405020304" pitchFamily="18" charset="0"/>
-                <a:cs typeface="Times New Roman" panose="02020603050405020304" pitchFamily="18" charset="0"/>
-              </a:rPr>
-              <a:t>Fraud conducted by any private or public health service provider empaneled for providing services under PMJAY</a:t>
-            </a:r>
-            <a:endParaRPr lang="en-IN" sz="2000" dirty="0">
-              <a:latin typeface="Times New Roman" panose="02020603050405020304" pitchFamily="18" charset="0"/>
-              <a:cs typeface="Times New Roman" panose="02020603050405020304" pitchFamily="18" charset="0"/>
-            </a:endParaRPr>
-          </a:p>
-          <a:p>
-            <a:pPr lvl="1"/>
-            <a:endParaRPr lang="en-US" sz="2000" dirty="0">
-              <a:latin typeface="Times New Roman" panose="02020603050405020304" pitchFamily="18" charset="0"/>
-              <a:cs typeface="Times New Roman" panose="02020603050405020304" pitchFamily="18" charset="0"/>
-            </a:endParaRPr>
-          </a:p>
-          <a:p>
-            <a:pPr marL="914400" lvl="2" indent="0">
-              <a:buNone/>
-            </a:pPr>
-            <a:r>
-              <a:rPr lang="en-US" dirty="0">
-                <a:latin typeface="Times New Roman" panose="02020603050405020304" pitchFamily="18" charset="0"/>
-                <a:cs typeface="Times New Roman" panose="02020603050405020304" pitchFamily="18" charset="0"/>
-              </a:rPr>
-              <a:t> [For further reading (</a:t>
-            </a:r>
-            <a:r>
-              <a:rPr lang="en-IN" dirty="0">
-                <a:latin typeface="Times New Roman" panose="02020603050405020304" pitchFamily="18" charset="0"/>
-                <a:cs typeface="Times New Roman" panose="02020603050405020304" pitchFamily="18" charset="0"/>
-              </a:rPr>
-              <a:t>Annex 1: Page 21)]      </a:t>
-            </a:r>
-            <a:r>
-              <a:rPr lang="en-IN" b="1" dirty="0">
-                <a:latin typeface="Times New Roman" panose="02020603050405020304" pitchFamily="18" charset="0"/>
-                <a:cs typeface="Times New Roman" panose="02020603050405020304" pitchFamily="18" charset="0"/>
-              </a:rPr>
-              <a:t>(We are not concentrating on)</a:t>
-            </a:r>
-            <a:endParaRPr lang="en-US" b="1" dirty="0">
-              <a:latin typeface="Times New Roman" panose="02020603050405020304" pitchFamily="18" charset="0"/>
-              <a:cs typeface="Times New Roman" panose="02020603050405020304" pitchFamily="18" charset="0"/>
-            </a:endParaRPr>
-          </a:p>
-        </p:txBody>
-      </p:sp>
-    </p:spTree>
-    <p:extLst>
-      <p:ext uri="{BB962C8B-B14F-4D97-AF65-F5344CB8AC3E}">
-        <p14:creationId xmlns:p14="http://schemas.microsoft.com/office/powerpoint/2010/main" val="1179205665"/>
-      </p:ext>
-    </p:extLst>
-  </p:cSld>
-  <p:clrMapOvr>
-    <a:masterClrMapping/>
-  </p:clrMapOvr>
-</p:sld>
-</file>
-
-<file path=ppt/slides/slide20.xml><?xml version="1.0" encoding="utf-8"?>
+<file path=ppt/slides/slide14.xml><?xml version="1.0" encoding="utf-8"?>
 <p:sld xmlns:a="http://schemas.openxmlformats.org/drawingml/2006/main" xmlns:r="http://schemas.openxmlformats.org/officeDocument/2006/relationships" xmlns:p="http://schemas.openxmlformats.org/presentationml/2006/main">
   <p:cSld>
     <p:spTree>
@@ -6433,7 +4692,7 @@
 </p:sld>
 </file>
 
-<file path=ppt/slides/slide21.xml><?xml version="1.0" encoding="utf-8"?>
+<file path=ppt/slides/slide15.xml><?xml version="1.0" encoding="utf-8"?>
 <p:sld xmlns:a="http://schemas.openxmlformats.org/drawingml/2006/main" xmlns:r="http://schemas.openxmlformats.org/officeDocument/2006/relationships" xmlns:p="http://schemas.openxmlformats.org/presentationml/2006/main">
   <p:cSld>
     <p:spTree>
@@ -6452,31 +4711,6 @@
       </p:grpSpPr>
       <p:sp>
         <p:nvSpPr>
-          <p:cNvPr id="2" name="Title 1">
-            <a:extLst>
-              <a:ext uri="{FF2B5EF4-FFF2-40B4-BE49-F238E27FC236}">
-                <a16:creationId xmlns:a16="http://schemas.microsoft.com/office/drawing/2014/main" id="{8986E375-BFEC-D456-9AD4-261CCC99D0C2}"/>
-              </a:ext>
-            </a:extLst>
-          </p:cNvPr>
-          <p:cNvSpPr>
-            <a:spLocks noGrp="1"/>
-          </p:cNvSpPr>
-          <p:nvPr>
-            <p:ph type="title"/>
-          </p:nvPr>
-        </p:nvSpPr>
-        <p:spPr/>
-        <p:txBody>
-          <a:bodyPr/>
-          <a:lstStyle/>
-          <a:p>
-            <a:endParaRPr lang="en-IN"/>
-          </a:p>
-        </p:txBody>
-      </p:sp>
-      <p:sp>
-        <p:nvSpPr>
           <p:cNvPr id="3" name="Content Placeholder 2">
             <a:extLst>
               <a:ext uri="{FF2B5EF4-FFF2-40B4-BE49-F238E27FC236}">
@@ -6516,7 +4750,7 @@
 </p:sld>
 </file>
 
-<file path=ppt/slides/slide22.xml><?xml version="1.0" encoding="utf-8"?>
+<file path=ppt/slides/slide16.xml><?xml version="1.0" encoding="utf-8"?>
 <p:sld xmlns:a="http://schemas.openxmlformats.org/drawingml/2006/main" xmlns:r="http://schemas.openxmlformats.org/officeDocument/2006/relationships" xmlns:p="http://schemas.openxmlformats.org/presentationml/2006/main">
   <p:cSld>
     <p:spTree>
@@ -7084,7 +5318,7 @@
 </p:sld>
 </file>
 
-<file path=ppt/slides/slide23.xml><?xml version="1.0" encoding="utf-8"?>
+<file path=ppt/slides/slide17.xml><?xml version="1.0" encoding="utf-8"?>
 <p:sld xmlns:a="http://schemas.openxmlformats.org/drawingml/2006/main" xmlns:r="http://schemas.openxmlformats.org/officeDocument/2006/relationships" xmlns:p="http://schemas.openxmlformats.org/presentationml/2006/main">
   <p:cSld>
     <p:spTree>
@@ -7338,6 +5572,992 @@
     <p:extLst>
       <p:ext uri="{BB962C8B-B14F-4D97-AF65-F5344CB8AC3E}">
         <p14:creationId xmlns:p14="http://schemas.microsoft.com/office/powerpoint/2010/main" val="2119794613"/>
+      </p:ext>
+    </p:extLst>
+  </p:cSld>
+  <p:clrMapOvr>
+    <a:masterClrMapping/>
+  </p:clrMapOvr>
+</p:sld>
+</file>
+
+<file path=ppt/slides/slide2.xml><?xml version="1.0" encoding="utf-8"?>
+<p:sld xmlns:a="http://schemas.openxmlformats.org/drawingml/2006/main" xmlns:r="http://schemas.openxmlformats.org/officeDocument/2006/relationships" xmlns:p="http://schemas.openxmlformats.org/presentationml/2006/main">
+  <p:cSld>
+    <p:spTree>
+      <p:nvGrpSpPr>
+        <p:cNvPr id="1" name="">
+          <a:extLst>
+            <a:ext uri="{FF2B5EF4-FFF2-40B4-BE49-F238E27FC236}">
+              <a16:creationId xmlns:a16="http://schemas.microsoft.com/office/drawing/2014/main" id="{D6BC6501-A989-0013-69D8-354989D123EA}"/>
+            </a:ext>
+          </a:extLst>
+        </p:cNvPr>
+        <p:cNvGrpSpPr/>
+        <p:nvPr/>
+      </p:nvGrpSpPr>
+      <p:grpSpPr>
+        <a:xfrm>
+          <a:off x="0" y="0"/>
+          <a:ext cx="0" cy="0"/>
+          <a:chOff x="0" y="0"/>
+          <a:chExt cx="0" cy="0"/>
+        </a:xfrm>
+      </p:grpSpPr>
+      <p:sp>
+        <p:nvSpPr>
+          <p:cNvPr id="3" name="Rectangle 2">
+            <a:extLst>
+              <a:ext uri="{FF2B5EF4-FFF2-40B4-BE49-F238E27FC236}">
+                <a16:creationId xmlns:a16="http://schemas.microsoft.com/office/drawing/2014/main" id="{3D858802-9022-6A3E-0D38-59FE866E1D10}"/>
+              </a:ext>
+            </a:extLst>
+          </p:cNvPr>
+          <p:cNvSpPr/>
+          <p:nvPr/>
+        </p:nvSpPr>
+        <p:spPr>
+          <a:xfrm>
+            <a:off x="5385922" y="2905246"/>
+            <a:ext cx="4725299" cy="3236167"/>
+          </a:xfrm>
+          <a:prstGeom prst="rect">
+            <a:avLst/>
+          </a:prstGeom>
+          <a:ln w="38100">
+            <a:prstDash val="dash"/>
+          </a:ln>
+        </p:spPr>
+        <p:style>
+          <a:lnRef idx="2">
+            <a:schemeClr val="accent6"/>
+          </a:lnRef>
+          <a:fillRef idx="1">
+            <a:schemeClr val="lt1"/>
+          </a:fillRef>
+          <a:effectRef idx="0">
+            <a:schemeClr val="accent6"/>
+          </a:effectRef>
+          <a:fontRef idx="minor">
+            <a:schemeClr val="dk1"/>
+          </a:fontRef>
+        </p:style>
+        <p:txBody>
+          <a:bodyPr rtlCol="0" anchor="ctr"/>
+          <a:lstStyle/>
+          <a:p>
+            <a:pPr algn="ctr"/>
+            <a:endParaRPr lang="en-IN">
+              <a:solidFill>
+                <a:schemeClr val="tx1"/>
+              </a:solidFill>
+            </a:endParaRPr>
+          </a:p>
+        </p:txBody>
+      </p:sp>
+      <p:sp>
+        <p:nvSpPr>
+          <p:cNvPr id="2" name="Title 1">
+            <a:extLst>
+              <a:ext uri="{FF2B5EF4-FFF2-40B4-BE49-F238E27FC236}">
+                <a16:creationId xmlns:a16="http://schemas.microsoft.com/office/drawing/2014/main" id="{C15C7F07-3EC4-6A1D-F17D-974F94C9FD53}"/>
+              </a:ext>
+            </a:extLst>
+          </p:cNvPr>
+          <p:cNvSpPr>
+            <a:spLocks noGrp="1"/>
+          </p:cNvSpPr>
+          <p:nvPr>
+            <p:ph type="title"/>
+          </p:nvPr>
+        </p:nvSpPr>
+        <p:spPr>
+          <a:xfrm>
+            <a:off x="838200" y="365126"/>
+            <a:ext cx="10515600" cy="788266"/>
+          </a:xfrm>
+        </p:spPr>
+        <p:txBody>
+          <a:bodyPr>
+            <a:normAutofit/>
+          </a:bodyPr>
+          <a:lstStyle/>
+          <a:p>
+            <a:r>
+              <a:rPr lang="en-IN" sz="4000" dirty="0">
+                <a:latin typeface="Times New Roman" panose="02020603050405020304" pitchFamily="18" charset="0"/>
+                <a:cs typeface="Times New Roman" panose="02020603050405020304" pitchFamily="18" charset="0"/>
+              </a:rPr>
+              <a:t>SHA responsibilities on fraud detection</a:t>
+            </a:r>
+          </a:p>
+        </p:txBody>
+      </p:sp>
+      <p:sp>
+        <p:nvSpPr>
+          <p:cNvPr id="4" name="TextBox 3">
+            <a:extLst>
+              <a:ext uri="{FF2B5EF4-FFF2-40B4-BE49-F238E27FC236}">
+                <a16:creationId xmlns:a16="http://schemas.microsoft.com/office/drawing/2014/main" id="{8A91BBAF-20A8-26E2-5A36-74EEB0E5E20A}"/>
+              </a:ext>
+            </a:extLst>
+          </p:cNvPr>
+          <p:cNvSpPr txBox="1"/>
+          <p:nvPr/>
+        </p:nvSpPr>
+        <p:spPr>
+          <a:xfrm>
+            <a:off x="5275118" y="1465118"/>
+            <a:ext cx="820882" cy="369332"/>
+          </a:xfrm>
+          <a:prstGeom prst="rect">
+            <a:avLst/>
+          </a:prstGeom>
+          <a:solidFill>
+            <a:schemeClr val="accent1">
+              <a:lumMod val="40000"/>
+              <a:lumOff val="60000"/>
+            </a:schemeClr>
+          </a:solidFill>
+          <a:ln cap="rnd">
+            <a:solidFill>
+              <a:srgbClr val="002060">
+                <a:alpha val="99000"/>
+              </a:srgbClr>
+            </a:solidFill>
+          </a:ln>
+        </p:spPr>
+        <p:txBody>
+          <a:bodyPr wrap="square" rtlCol="0">
+            <a:spAutoFit/>
+          </a:bodyPr>
+          <a:lstStyle/>
+          <a:p>
+            <a:r>
+              <a:rPr lang="en-IN" dirty="0"/>
+              <a:t>SHA</a:t>
+            </a:r>
+          </a:p>
+        </p:txBody>
+      </p:sp>
+      <p:sp>
+        <p:nvSpPr>
+          <p:cNvPr id="5" name="TextBox 4">
+            <a:extLst>
+              <a:ext uri="{FF2B5EF4-FFF2-40B4-BE49-F238E27FC236}">
+                <a16:creationId xmlns:a16="http://schemas.microsoft.com/office/drawing/2014/main" id="{DE0975C4-F82C-4122-D9EA-A0CA87D10B65}"/>
+              </a:ext>
+            </a:extLst>
+          </p:cNvPr>
+          <p:cNvSpPr txBox="1"/>
+          <p:nvPr/>
+        </p:nvSpPr>
+        <p:spPr>
+          <a:xfrm>
+            <a:off x="838200" y="3093026"/>
+            <a:ext cx="1312718" cy="923330"/>
+          </a:xfrm>
+          <a:prstGeom prst="rect">
+            <a:avLst/>
+          </a:prstGeom>
+          <a:solidFill>
+            <a:schemeClr val="accent1">
+              <a:lumMod val="40000"/>
+              <a:lumOff val="60000"/>
+            </a:schemeClr>
+          </a:solidFill>
+          <a:ln cap="rnd">
+            <a:solidFill>
+              <a:srgbClr val="002060">
+                <a:alpha val="99000"/>
+              </a:srgbClr>
+            </a:solidFill>
+          </a:ln>
+        </p:spPr>
+        <p:txBody>
+          <a:bodyPr wrap="square" rtlCol="0">
+            <a:spAutoFit/>
+          </a:bodyPr>
+          <a:lstStyle/>
+          <a:p>
+            <a:r>
+              <a:rPr lang="en-IN" dirty="0"/>
+              <a:t>Develop institutional structures</a:t>
+            </a:r>
+          </a:p>
+        </p:txBody>
+      </p:sp>
+      <p:sp>
+        <p:nvSpPr>
+          <p:cNvPr id="6" name="TextBox 5">
+            <a:extLst>
+              <a:ext uri="{FF2B5EF4-FFF2-40B4-BE49-F238E27FC236}">
+                <a16:creationId xmlns:a16="http://schemas.microsoft.com/office/drawing/2014/main" id="{86FFE253-3654-F53A-27EF-DD3E0F56ECF9}"/>
+              </a:ext>
+            </a:extLst>
+          </p:cNvPr>
+          <p:cNvSpPr txBox="1"/>
+          <p:nvPr/>
+        </p:nvSpPr>
+        <p:spPr>
+          <a:xfrm>
+            <a:off x="2354816" y="3064037"/>
+            <a:ext cx="1476380" cy="1477328"/>
+          </a:xfrm>
+          <a:prstGeom prst="rect">
+            <a:avLst/>
+          </a:prstGeom>
+          <a:solidFill>
+            <a:schemeClr val="accent1">
+              <a:lumMod val="40000"/>
+              <a:lumOff val="60000"/>
+            </a:schemeClr>
+          </a:solidFill>
+          <a:ln cap="rnd">
+            <a:solidFill>
+              <a:srgbClr val="002060">
+                <a:alpha val="99000"/>
+              </a:srgbClr>
+            </a:solidFill>
+          </a:ln>
+        </p:spPr>
+        <p:txBody>
+          <a:bodyPr wrap="square" rtlCol="0">
+            <a:spAutoFit/>
+          </a:bodyPr>
+          <a:lstStyle/>
+          <a:p>
+            <a:r>
+              <a:rPr lang="en-US" dirty="0"/>
+              <a:t>Adapt and approve state anti-fraud policies and guidelines</a:t>
+            </a:r>
+            <a:endParaRPr lang="en-IN" dirty="0"/>
+          </a:p>
+        </p:txBody>
+      </p:sp>
+      <p:sp>
+        <p:nvSpPr>
+          <p:cNvPr id="7" name="TextBox 6">
+            <a:extLst>
+              <a:ext uri="{FF2B5EF4-FFF2-40B4-BE49-F238E27FC236}">
+                <a16:creationId xmlns:a16="http://schemas.microsoft.com/office/drawing/2014/main" id="{DEAE4FE6-C0D7-BA8B-4441-C7E2FC22E771}"/>
+              </a:ext>
+            </a:extLst>
+          </p:cNvPr>
+          <p:cNvSpPr txBox="1"/>
+          <p:nvPr/>
+        </p:nvSpPr>
+        <p:spPr>
+          <a:xfrm>
+            <a:off x="4064144" y="3067502"/>
+            <a:ext cx="1215307" cy="646331"/>
+          </a:xfrm>
+          <a:prstGeom prst="rect">
+            <a:avLst/>
+          </a:prstGeom>
+          <a:solidFill>
+            <a:schemeClr val="accent1">
+              <a:lumMod val="40000"/>
+              <a:lumOff val="60000"/>
+            </a:schemeClr>
+          </a:solidFill>
+          <a:ln cap="rnd">
+            <a:solidFill>
+              <a:srgbClr val="002060">
+                <a:alpha val="99000"/>
+              </a:srgbClr>
+            </a:solidFill>
+          </a:ln>
+        </p:spPr>
+        <p:txBody>
+          <a:bodyPr wrap="square" rtlCol="0">
+            <a:spAutoFit/>
+          </a:bodyPr>
+          <a:lstStyle/>
+          <a:p>
+            <a:r>
+              <a:rPr lang="en-IN" dirty="0"/>
+              <a:t>Develop IT system</a:t>
+            </a:r>
+          </a:p>
+        </p:txBody>
+      </p:sp>
+      <p:sp>
+        <p:nvSpPr>
+          <p:cNvPr id="8" name="TextBox 7">
+            <a:extLst>
+              <a:ext uri="{FF2B5EF4-FFF2-40B4-BE49-F238E27FC236}">
+                <a16:creationId xmlns:a16="http://schemas.microsoft.com/office/drawing/2014/main" id="{6578D591-7FB4-2816-F2F0-3315C811FC9F}"/>
+              </a:ext>
+            </a:extLst>
+          </p:cNvPr>
+          <p:cNvSpPr txBox="1"/>
+          <p:nvPr/>
+        </p:nvSpPr>
+        <p:spPr>
+          <a:xfrm>
+            <a:off x="5475448" y="3093026"/>
+            <a:ext cx="1133729" cy="1200329"/>
+          </a:xfrm>
+          <a:prstGeom prst="rect">
+            <a:avLst/>
+          </a:prstGeom>
+          <a:solidFill>
+            <a:schemeClr val="accent1">
+              <a:lumMod val="40000"/>
+              <a:lumOff val="60000"/>
+            </a:schemeClr>
+          </a:solidFill>
+          <a:ln cap="rnd">
+            <a:solidFill>
+              <a:srgbClr val="002060">
+                <a:alpha val="99000"/>
+              </a:srgbClr>
+            </a:solidFill>
+          </a:ln>
+        </p:spPr>
+        <p:txBody>
+          <a:bodyPr wrap="square" rtlCol="0">
+            <a:spAutoFit/>
+          </a:bodyPr>
+          <a:lstStyle/>
+          <a:p>
+            <a:r>
+              <a:rPr lang="en-IN" dirty="0"/>
+              <a:t>Conduct anti-fraud awareness</a:t>
+            </a:r>
+          </a:p>
+        </p:txBody>
+      </p:sp>
+      <p:cxnSp>
+        <p:nvCxnSpPr>
+          <p:cNvPr id="10" name="Straight Arrow Connector 9">
+            <a:extLst>
+              <a:ext uri="{FF2B5EF4-FFF2-40B4-BE49-F238E27FC236}">
+                <a16:creationId xmlns:a16="http://schemas.microsoft.com/office/drawing/2014/main" id="{F45B679D-B700-61A4-F02E-B376C239092B}"/>
+              </a:ext>
+            </a:extLst>
+          </p:cNvPr>
+          <p:cNvCxnSpPr>
+            <a:stCxn id="4" idx="2"/>
+          </p:cNvCxnSpPr>
+          <p:nvPr/>
+        </p:nvCxnSpPr>
+        <p:spPr>
+          <a:xfrm>
+            <a:off x="5685559" y="1834450"/>
+            <a:ext cx="0" cy="545068"/>
+          </a:xfrm>
+          <a:prstGeom prst="straightConnector1">
+            <a:avLst/>
+          </a:prstGeom>
+          <a:ln w="38100">
+            <a:solidFill>
+              <a:srgbClr val="002060"/>
+            </a:solidFill>
+            <a:tailEnd type="triangle"/>
+          </a:ln>
+        </p:spPr>
+        <p:style>
+          <a:lnRef idx="1">
+            <a:schemeClr val="accent1"/>
+          </a:lnRef>
+          <a:fillRef idx="0">
+            <a:schemeClr val="accent1"/>
+          </a:fillRef>
+          <a:effectRef idx="0">
+            <a:schemeClr val="accent1"/>
+          </a:effectRef>
+          <a:fontRef idx="minor">
+            <a:schemeClr val="tx1"/>
+          </a:fontRef>
+        </p:style>
+      </p:cxnSp>
+      <p:cxnSp>
+        <p:nvCxnSpPr>
+          <p:cNvPr id="12" name="Straight Connector 11">
+            <a:extLst>
+              <a:ext uri="{FF2B5EF4-FFF2-40B4-BE49-F238E27FC236}">
+                <a16:creationId xmlns:a16="http://schemas.microsoft.com/office/drawing/2014/main" id="{7A6F32FC-96A4-C30F-B0FE-FEF22E5B9A9C}"/>
+              </a:ext>
+            </a:extLst>
+          </p:cNvPr>
+          <p:cNvCxnSpPr>
+            <a:cxnSpLocks/>
+          </p:cNvCxnSpPr>
+          <p:nvPr/>
+        </p:nvCxnSpPr>
+        <p:spPr>
+          <a:xfrm>
+            <a:off x="1620982" y="2379518"/>
+            <a:ext cx="9211538" cy="9867"/>
+          </a:xfrm>
+          <a:prstGeom prst="line">
+            <a:avLst/>
+          </a:prstGeom>
+          <a:ln w="28575">
+            <a:solidFill>
+              <a:srgbClr val="002060"/>
+            </a:solidFill>
+          </a:ln>
+        </p:spPr>
+        <p:style>
+          <a:lnRef idx="1">
+            <a:schemeClr val="accent1"/>
+          </a:lnRef>
+          <a:fillRef idx="0">
+            <a:schemeClr val="accent1"/>
+          </a:fillRef>
+          <a:effectRef idx="0">
+            <a:schemeClr val="accent1"/>
+          </a:effectRef>
+          <a:fontRef idx="minor">
+            <a:schemeClr val="tx1"/>
+          </a:fontRef>
+        </p:style>
+      </p:cxnSp>
+      <p:cxnSp>
+        <p:nvCxnSpPr>
+          <p:cNvPr id="13" name="Straight Arrow Connector 12">
+            <a:extLst>
+              <a:ext uri="{FF2B5EF4-FFF2-40B4-BE49-F238E27FC236}">
+                <a16:creationId xmlns:a16="http://schemas.microsoft.com/office/drawing/2014/main" id="{CC16821A-58EA-B001-CEBF-4DFAFB6C470F}"/>
+              </a:ext>
+            </a:extLst>
+          </p:cNvPr>
+          <p:cNvCxnSpPr>
+            <a:cxnSpLocks/>
+          </p:cNvCxnSpPr>
+          <p:nvPr/>
+        </p:nvCxnSpPr>
+        <p:spPr>
+          <a:xfrm>
+            <a:off x="1620982" y="2379518"/>
+            <a:ext cx="0" cy="726316"/>
+          </a:xfrm>
+          <a:prstGeom prst="straightConnector1">
+            <a:avLst/>
+          </a:prstGeom>
+          <a:ln w="38100">
+            <a:solidFill>
+              <a:srgbClr val="002060"/>
+            </a:solidFill>
+            <a:tailEnd type="triangle"/>
+          </a:ln>
+        </p:spPr>
+        <p:style>
+          <a:lnRef idx="1">
+            <a:schemeClr val="accent1"/>
+          </a:lnRef>
+          <a:fillRef idx="0">
+            <a:schemeClr val="accent1"/>
+          </a:fillRef>
+          <a:effectRef idx="0">
+            <a:schemeClr val="accent1"/>
+          </a:effectRef>
+          <a:fontRef idx="minor">
+            <a:schemeClr val="tx1"/>
+          </a:fontRef>
+        </p:style>
+      </p:cxnSp>
+      <p:cxnSp>
+        <p:nvCxnSpPr>
+          <p:cNvPr id="14" name="Straight Arrow Connector 13">
+            <a:extLst>
+              <a:ext uri="{FF2B5EF4-FFF2-40B4-BE49-F238E27FC236}">
+                <a16:creationId xmlns:a16="http://schemas.microsoft.com/office/drawing/2014/main" id="{4B57A7BF-5CFF-14BB-F990-09125B8E81A1}"/>
+              </a:ext>
+            </a:extLst>
+          </p:cNvPr>
+          <p:cNvCxnSpPr>
+            <a:cxnSpLocks/>
+          </p:cNvCxnSpPr>
+          <p:nvPr/>
+        </p:nvCxnSpPr>
+        <p:spPr>
+          <a:xfrm>
+            <a:off x="2990848" y="2379518"/>
+            <a:ext cx="0" cy="726316"/>
+          </a:xfrm>
+          <a:prstGeom prst="straightConnector1">
+            <a:avLst/>
+          </a:prstGeom>
+          <a:ln w="38100">
+            <a:solidFill>
+              <a:srgbClr val="002060"/>
+            </a:solidFill>
+            <a:tailEnd type="triangle"/>
+          </a:ln>
+        </p:spPr>
+        <p:style>
+          <a:lnRef idx="1">
+            <a:schemeClr val="accent1"/>
+          </a:lnRef>
+          <a:fillRef idx="0">
+            <a:schemeClr val="accent1"/>
+          </a:fillRef>
+          <a:effectRef idx="0">
+            <a:schemeClr val="accent1"/>
+          </a:effectRef>
+          <a:fontRef idx="minor">
+            <a:schemeClr val="tx1"/>
+          </a:fontRef>
+        </p:style>
+      </p:cxnSp>
+      <p:cxnSp>
+        <p:nvCxnSpPr>
+          <p:cNvPr id="15" name="Straight Arrow Connector 14">
+            <a:extLst>
+              <a:ext uri="{FF2B5EF4-FFF2-40B4-BE49-F238E27FC236}">
+                <a16:creationId xmlns:a16="http://schemas.microsoft.com/office/drawing/2014/main" id="{2A35BC89-B98B-054C-333A-62AFC9340D16}"/>
+              </a:ext>
+            </a:extLst>
+          </p:cNvPr>
+          <p:cNvCxnSpPr>
+            <a:cxnSpLocks/>
+          </p:cNvCxnSpPr>
+          <p:nvPr/>
+        </p:nvCxnSpPr>
+        <p:spPr>
+          <a:xfrm>
+            <a:off x="4545575" y="2389385"/>
+            <a:ext cx="0" cy="716449"/>
+          </a:xfrm>
+          <a:prstGeom prst="straightConnector1">
+            <a:avLst/>
+          </a:prstGeom>
+          <a:ln w="38100">
+            <a:solidFill>
+              <a:srgbClr val="002060"/>
+            </a:solidFill>
+            <a:tailEnd type="triangle"/>
+          </a:ln>
+        </p:spPr>
+        <p:style>
+          <a:lnRef idx="1">
+            <a:schemeClr val="accent1"/>
+          </a:lnRef>
+          <a:fillRef idx="0">
+            <a:schemeClr val="accent1"/>
+          </a:fillRef>
+          <a:effectRef idx="0">
+            <a:schemeClr val="accent1"/>
+          </a:effectRef>
+          <a:fontRef idx="minor">
+            <a:schemeClr val="tx1"/>
+          </a:fontRef>
+        </p:style>
+      </p:cxnSp>
+      <p:cxnSp>
+        <p:nvCxnSpPr>
+          <p:cNvPr id="16" name="Straight Arrow Connector 15">
+            <a:extLst>
+              <a:ext uri="{FF2B5EF4-FFF2-40B4-BE49-F238E27FC236}">
+                <a16:creationId xmlns:a16="http://schemas.microsoft.com/office/drawing/2014/main" id="{975360D5-BB7A-20DF-BC29-F01EDB7A4EA0}"/>
+              </a:ext>
+            </a:extLst>
+          </p:cNvPr>
+          <p:cNvCxnSpPr>
+            <a:cxnSpLocks/>
+          </p:cNvCxnSpPr>
+          <p:nvPr/>
+        </p:nvCxnSpPr>
+        <p:spPr>
+          <a:xfrm>
+            <a:off x="6000747" y="2379518"/>
+            <a:ext cx="0" cy="726316"/>
+          </a:xfrm>
+          <a:prstGeom prst="straightConnector1">
+            <a:avLst/>
+          </a:prstGeom>
+          <a:ln w="38100">
+            <a:solidFill>
+              <a:srgbClr val="002060"/>
+            </a:solidFill>
+            <a:tailEnd type="triangle"/>
+          </a:ln>
+        </p:spPr>
+        <p:style>
+          <a:lnRef idx="1">
+            <a:schemeClr val="accent1"/>
+          </a:lnRef>
+          <a:fillRef idx="0">
+            <a:schemeClr val="accent1"/>
+          </a:fillRef>
+          <a:effectRef idx="0">
+            <a:schemeClr val="accent1"/>
+          </a:effectRef>
+          <a:fontRef idx="minor">
+            <a:schemeClr val="tx1"/>
+          </a:fontRef>
+        </p:style>
+      </p:cxnSp>
+      <p:sp>
+        <p:nvSpPr>
+          <p:cNvPr id="11" name="TextBox 10">
+            <a:extLst>
+              <a:ext uri="{FF2B5EF4-FFF2-40B4-BE49-F238E27FC236}">
+                <a16:creationId xmlns:a16="http://schemas.microsoft.com/office/drawing/2014/main" id="{EAA2A755-8573-1CAA-B212-68A8132983F5}"/>
+              </a:ext>
+            </a:extLst>
+          </p:cNvPr>
+          <p:cNvSpPr txBox="1"/>
+          <p:nvPr/>
+        </p:nvSpPr>
+        <p:spPr>
+          <a:xfrm>
+            <a:off x="6868379" y="3110204"/>
+            <a:ext cx="1422253" cy="2862322"/>
+          </a:xfrm>
+          <a:prstGeom prst="rect">
+            <a:avLst/>
+          </a:prstGeom>
+          <a:solidFill>
+            <a:schemeClr val="accent1">
+              <a:lumMod val="40000"/>
+              <a:lumOff val="60000"/>
+            </a:schemeClr>
+          </a:solidFill>
+          <a:ln cap="rnd">
+            <a:solidFill>
+              <a:srgbClr val="002060">
+                <a:alpha val="99000"/>
+              </a:srgbClr>
+            </a:solidFill>
+          </a:ln>
+        </p:spPr>
+        <p:txBody>
+          <a:bodyPr wrap="square" rtlCol="0">
+            <a:spAutoFit/>
+          </a:bodyPr>
+          <a:lstStyle/>
+          <a:p>
+            <a:r>
+              <a:rPr lang="en-US" dirty="0"/>
+              <a:t>Develop and implement mechanisms for preventing and detecting all kinds of fraud under PMJAY</a:t>
+            </a:r>
+            <a:endParaRPr lang="en-IN" dirty="0"/>
+          </a:p>
+        </p:txBody>
+      </p:sp>
+      <p:sp>
+        <p:nvSpPr>
+          <p:cNvPr id="17" name="TextBox 16">
+            <a:extLst>
+              <a:ext uri="{FF2B5EF4-FFF2-40B4-BE49-F238E27FC236}">
+                <a16:creationId xmlns:a16="http://schemas.microsoft.com/office/drawing/2014/main" id="{EC1D9E1D-5B10-6D7D-F03A-ACB8E5FDA03F}"/>
+              </a:ext>
+            </a:extLst>
+          </p:cNvPr>
+          <p:cNvSpPr txBox="1"/>
+          <p:nvPr/>
+        </p:nvSpPr>
+        <p:spPr>
+          <a:xfrm>
+            <a:off x="8549834" y="3105834"/>
+            <a:ext cx="1422253" cy="646331"/>
+          </a:xfrm>
+          <a:prstGeom prst="rect">
+            <a:avLst/>
+          </a:prstGeom>
+          <a:solidFill>
+            <a:schemeClr val="accent1">
+              <a:lumMod val="40000"/>
+              <a:lumOff val="60000"/>
+            </a:schemeClr>
+          </a:solidFill>
+          <a:ln cap="rnd">
+            <a:solidFill>
+              <a:srgbClr val="002060">
+                <a:alpha val="99000"/>
+              </a:srgbClr>
+            </a:solidFill>
+          </a:ln>
+        </p:spPr>
+        <p:txBody>
+          <a:bodyPr wrap="square" rtlCol="0">
+            <a:spAutoFit/>
+          </a:bodyPr>
+          <a:lstStyle/>
+          <a:p>
+            <a:r>
+              <a:rPr lang="en-IN" dirty="0"/>
+              <a:t>Data analytics </a:t>
+            </a:r>
+          </a:p>
+        </p:txBody>
+      </p:sp>
+      <p:sp>
+        <p:nvSpPr>
+          <p:cNvPr id="18" name="TextBox 17">
+            <a:extLst>
+              <a:ext uri="{FF2B5EF4-FFF2-40B4-BE49-F238E27FC236}">
+                <a16:creationId xmlns:a16="http://schemas.microsoft.com/office/drawing/2014/main" id="{56AA5EB3-BEE8-83DA-4633-40B9F3CC58EE}"/>
+              </a:ext>
+            </a:extLst>
+          </p:cNvPr>
+          <p:cNvSpPr txBox="1"/>
+          <p:nvPr/>
+        </p:nvSpPr>
+        <p:spPr>
+          <a:xfrm>
+            <a:off x="10231289" y="3105834"/>
+            <a:ext cx="1422253" cy="1477328"/>
+          </a:xfrm>
+          <a:prstGeom prst="rect">
+            <a:avLst/>
+          </a:prstGeom>
+          <a:solidFill>
+            <a:schemeClr val="accent1">
+              <a:lumMod val="40000"/>
+              <a:lumOff val="60000"/>
+            </a:schemeClr>
+          </a:solidFill>
+          <a:ln cap="rnd">
+            <a:solidFill>
+              <a:srgbClr val="002060">
+                <a:alpha val="99000"/>
+              </a:srgbClr>
+            </a:solidFill>
+          </a:ln>
+        </p:spPr>
+        <p:txBody>
+          <a:bodyPr wrap="square" rtlCol="0">
+            <a:spAutoFit/>
+          </a:bodyPr>
+          <a:lstStyle/>
+          <a:p>
+            <a:r>
+              <a:rPr lang="en-IN" dirty="0"/>
+              <a:t>Contract design, management and enforcement</a:t>
+            </a:r>
+          </a:p>
+        </p:txBody>
+      </p:sp>
+      <p:cxnSp>
+        <p:nvCxnSpPr>
+          <p:cNvPr id="19" name="Straight Arrow Connector 18">
+            <a:extLst>
+              <a:ext uri="{FF2B5EF4-FFF2-40B4-BE49-F238E27FC236}">
+                <a16:creationId xmlns:a16="http://schemas.microsoft.com/office/drawing/2014/main" id="{AB251347-D387-851D-072D-872F18E0955E}"/>
+              </a:ext>
+            </a:extLst>
+          </p:cNvPr>
+          <p:cNvCxnSpPr>
+            <a:cxnSpLocks/>
+          </p:cNvCxnSpPr>
+          <p:nvPr/>
+        </p:nvCxnSpPr>
+        <p:spPr>
+          <a:xfrm>
+            <a:off x="7670220" y="2389385"/>
+            <a:ext cx="0" cy="726316"/>
+          </a:xfrm>
+          <a:prstGeom prst="straightConnector1">
+            <a:avLst/>
+          </a:prstGeom>
+          <a:ln w="38100">
+            <a:solidFill>
+              <a:srgbClr val="002060"/>
+            </a:solidFill>
+            <a:tailEnd type="triangle"/>
+          </a:ln>
+        </p:spPr>
+        <p:style>
+          <a:lnRef idx="1">
+            <a:schemeClr val="accent1"/>
+          </a:lnRef>
+          <a:fillRef idx="0">
+            <a:schemeClr val="accent1"/>
+          </a:fillRef>
+          <a:effectRef idx="0">
+            <a:schemeClr val="accent1"/>
+          </a:effectRef>
+          <a:fontRef idx="minor">
+            <a:schemeClr val="tx1"/>
+          </a:fontRef>
+        </p:style>
+      </p:cxnSp>
+      <p:cxnSp>
+        <p:nvCxnSpPr>
+          <p:cNvPr id="20" name="Straight Arrow Connector 19">
+            <a:extLst>
+              <a:ext uri="{FF2B5EF4-FFF2-40B4-BE49-F238E27FC236}">
+                <a16:creationId xmlns:a16="http://schemas.microsoft.com/office/drawing/2014/main" id="{E5067929-2F4C-1DA4-6148-ED5CEE08E949}"/>
+              </a:ext>
+            </a:extLst>
+          </p:cNvPr>
+          <p:cNvCxnSpPr>
+            <a:cxnSpLocks/>
+          </p:cNvCxnSpPr>
+          <p:nvPr/>
+        </p:nvCxnSpPr>
+        <p:spPr>
+          <a:xfrm>
+            <a:off x="9059138" y="2389385"/>
+            <a:ext cx="0" cy="726316"/>
+          </a:xfrm>
+          <a:prstGeom prst="straightConnector1">
+            <a:avLst/>
+          </a:prstGeom>
+          <a:ln w="38100">
+            <a:solidFill>
+              <a:srgbClr val="002060"/>
+            </a:solidFill>
+            <a:tailEnd type="triangle"/>
+          </a:ln>
+        </p:spPr>
+        <p:style>
+          <a:lnRef idx="1">
+            <a:schemeClr val="accent1"/>
+          </a:lnRef>
+          <a:fillRef idx="0">
+            <a:schemeClr val="accent1"/>
+          </a:fillRef>
+          <a:effectRef idx="0">
+            <a:schemeClr val="accent1"/>
+          </a:effectRef>
+          <a:fontRef idx="minor">
+            <a:schemeClr val="tx1"/>
+          </a:fontRef>
+        </p:style>
+      </p:cxnSp>
+      <p:cxnSp>
+        <p:nvCxnSpPr>
+          <p:cNvPr id="21" name="Straight Arrow Connector 20">
+            <a:extLst>
+              <a:ext uri="{FF2B5EF4-FFF2-40B4-BE49-F238E27FC236}">
+                <a16:creationId xmlns:a16="http://schemas.microsoft.com/office/drawing/2014/main" id="{0DB00381-8CCB-0489-F3AE-87EF3E63AA29}"/>
+              </a:ext>
+            </a:extLst>
+          </p:cNvPr>
+          <p:cNvCxnSpPr>
+            <a:cxnSpLocks/>
+          </p:cNvCxnSpPr>
+          <p:nvPr/>
+        </p:nvCxnSpPr>
+        <p:spPr>
+          <a:xfrm>
+            <a:off x="10832520" y="2366710"/>
+            <a:ext cx="0" cy="726316"/>
+          </a:xfrm>
+          <a:prstGeom prst="straightConnector1">
+            <a:avLst/>
+          </a:prstGeom>
+          <a:ln w="38100">
+            <a:solidFill>
+              <a:srgbClr val="002060"/>
+            </a:solidFill>
+            <a:tailEnd type="triangle"/>
+          </a:ln>
+        </p:spPr>
+        <p:style>
+          <a:lnRef idx="1">
+            <a:schemeClr val="accent1"/>
+          </a:lnRef>
+          <a:fillRef idx="0">
+            <a:schemeClr val="accent1"/>
+          </a:fillRef>
+          <a:effectRef idx="0">
+            <a:schemeClr val="accent1"/>
+          </a:effectRef>
+          <a:fontRef idx="minor">
+            <a:schemeClr val="tx1"/>
+          </a:fontRef>
+        </p:style>
+      </p:cxnSp>
+      <p:sp>
+        <p:nvSpPr>
+          <p:cNvPr id="9" name="TextBox 8">
+            <a:extLst>
+              <a:ext uri="{FF2B5EF4-FFF2-40B4-BE49-F238E27FC236}">
+                <a16:creationId xmlns:a16="http://schemas.microsoft.com/office/drawing/2014/main" id="{26E66713-B46F-82F9-663C-48C1C0D57FF6}"/>
+              </a:ext>
+            </a:extLst>
+          </p:cNvPr>
+          <p:cNvSpPr txBox="1"/>
+          <p:nvPr/>
+        </p:nvSpPr>
+        <p:spPr>
+          <a:xfrm>
+            <a:off x="8551630" y="4780344"/>
+            <a:ext cx="2883286" cy="1015663"/>
+          </a:xfrm>
+          <a:prstGeom prst="rect">
+            <a:avLst/>
+          </a:prstGeom>
+          <a:noFill/>
+        </p:spPr>
+        <p:txBody>
+          <a:bodyPr wrap="square" rtlCol="0">
+            <a:spAutoFit/>
+          </a:bodyPr>
+          <a:lstStyle/>
+          <a:p>
+            <a:r>
+              <a:rPr lang="en-US" sz="2000" dirty="0"/>
+              <a:t>Data architect by ADRI</a:t>
+            </a:r>
+          </a:p>
+          <a:p>
+            <a:r>
+              <a:rPr lang="en-US" sz="2000" dirty="0"/>
+              <a:t>(Data mining and Data analytics)</a:t>
+            </a:r>
+            <a:endParaRPr lang="en-IN" sz="2000" dirty="0"/>
+          </a:p>
+        </p:txBody>
+      </p:sp>
+      <p:sp>
+        <p:nvSpPr>
+          <p:cNvPr id="23" name="TextBox 22">
+            <a:extLst>
+              <a:ext uri="{FF2B5EF4-FFF2-40B4-BE49-F238E27FC236}">
+                <a16:creationId xmlns:a16="http://schemas.microsoft.com/office/drawing/2014/main" id="{E5DC3EFF-4D74-9540-F525-B4E7CB961ADD}"/>
+              </a:ext>
+            </a:extLst>
+          </p:cNvPr>
+          <p:cNvSpPr txBox="1"/>
+          <p:nvPr/>
+        </p:nvSpPr>
+        <p:spPr>
+          <a:xfrm>
+            <a:off x="612650" y="6296333"/>
+            <a:ext cx="10859324" cy="369332"/>
+          </a:xfrm>
+          <a:prstGeom prst="rect">
+            <a:avLst/>
+          </a:prstGeom>
+          <a:noFill/>
+        </p:spPr>
+        <p:txBody>
+          <a:bodyPr wrap="square">
+            <a:spAutoFit/>
+          </a:bodyPr>
+          <a:lstStyle/>
+          <a:p>
+            <a:pPr algn="just"/>
+            <a:r>
+              <a:rPr lang="en-IN" sz="1800" dirty="0"/>
+              <a:t>[Materials taken from </a:t>
+            </a:r>
+            <a:r>
+              <a:rPr lang="en-IN" sz="1800" dirty="0">
+                <a:hlinkClick r:id="rId2"/>
+              </a:rPr>
+              <a:t>Microsoft Word - Anti-fraud PMJAY Guidelines- Released-Aug 27 .docx (ayushmanup.in)</a:t>
+            </a:r>
+            <a:r>
+              <a:rPr lang="en-IN" sz="1800" dirty="0"/>
+              <a:t>]</a:t>
+            </a:r>
+          </a:p>
+        </p:txBody>
+      </p:sp>
+    </p:spTree>
+    <p:extLst>
+      <p:ext uri="{BB962C8B-B14F-4D97-AF65-F5344CB8AC3E}">
+        <p14:creationId xmlns:p14="http://schemas.microsoft.com/office/powerpoint/2010/main" val="3648190911"/>
       </p:ext>
     </p:extLst>
   </p:cSld>
@@ -7369,7 +6589,7 @@
           <p:cNvPr id="2" name="Title 1">
             <a:extLst>
               <a:ext uri="{FF2B5EF4-FFF2-40B4-BE49-F238E27FC236}">
-                <a16:creationId xmlns:a16="http://schemas.microsoft.com/office/drawing/2014/main" id="{AFA81358-1EE0-ECBE-6C05-1040CCB49558}"/>
+                <a16:creationId xmlns:a16="http://schemas.microsoft.com/office/drawing/2014/main" id="{CC5EA458-3D6E-B491-EAFD-0D07AC7C9D20}"/>
               </a:ext>
             </a:extLst>
           </p:cNvPr>
@@ -7380,12 +6600,7 @@
             <p:ph type="title"/>
           </p:nvPr>
         </p:nvSpPr>
-        <p:spPr>
-          <a:xfrm>
-            <a:off x="838200" y="365126"/>
-            <a:ext cx="10515600" cy="788266"/>
-          </a:xfrm>
-        </p:spPr>
+        <p:spPr/>
         <p:txBody>
           <a:bodyPr>
             <a:normAutofit/>
@@ -7393,573 +6608,171 @@
           <a:lstStyle/>
           <a:p>
             <a:r>
-              <a:rPr lang="en-IN" sz="4000" dirty="0">
+              <a:rPr lang="en-IN" sz="3200" dirty="0">
                 <a:latin typeface="Times New Roman" panose="02020603050405020304" pitchFamily="18" charset="0"/>
                 <a:cs typeface="Times New Roman" panose="02020603050405020304" pitchFamily="18" charset="0"/>
               </a:rPr>
-              <a:t>NHA responsibilities</a:t>
-            </a:r>
-          </a:p>
-        </p:txBody>
-      </p:sp>
-      <p:sp>
-        <p:nvSpPr>
-          <p:cNvPr id="4" name="TextBox 3">
-            <a:extLst>
-              <a:ext uri="{FF2B5EF4-FFF2-40B4-BE49-F238E27FC236}">
-                <a16:creationId xmlns:a16="http://schemas.microsoft.com/office/drawing/2014/main" id="{14501B16-831A-8FCE-13F7-031C08170F92}"/>
-              </a:ext>
-            </a:extLst>
-          </p:cNvPr>
-          <p:cNvSpPr txBox="1"/>
-          <p:nvPr/>
-        </p:nvSpPr>
-        <p:spPr>
-          <a:xfrm>
-            <a:off x="5275118" y="1465118"/>
-            <a:ext cx="820882" cy="369332"/>
-          </a:xfrm>
-          <a:prstGeom prst="rect">
-            <a:avLst/>
-          </a:prstGeom>
-          <a:solidFill>
-            <a:schemeClr val="accent1">
-              <a:lumMod val="40000"/>
-              <a:lumOff val="60000"/>
-            </a:schemeClr>
-          </a:solidFill>
-          <a:ln cap="rnd">
-            <a:solidFill>
-              <a:srgbClr val="002060">
-                <a:alpha val="99000"/>
-              </a:srgbClr>
-            </a:solidFill>
-          </a:ln>
-        </p:spPr>
-        <p:txBody>
-          <a:bodyPr wrap="square" rtlCol="0">
-            <a:spAutoFit/>
+              <a:t>Initial plan for designing dashboard on AB-PMJAY Bihar fraud detection (From ADRI) based on four options</a:t>
+            </a:r>
+          </a:p>
+        </p:txBody>
+      </p:sp>
+      <p:sp>
+        <p:nvSpPr>
+          <p:cNvPr id="3" name="Content Placeholder 2">
+            <a:extLst>
+              <a:ext uri="{FF2B5EF4-FFF2-40B4-BE49-F238E27FC236}">
+                <a16:creationId xmlns:a16="http://schemas.microsoft.com/office/drawing/2014/main" id="{EF69E86D-5ACF-8796-3489-96C57A3646F7}"/>
+              </a:ext>
+            </a:extLst>
+          </p:cNvPr>
+          <p:cNvSpPr>
+            <a:spLocks noGrp="1"/>
+          </p:cNvSpPr>
+          <p:nvPr>
+            <p:ph idx="1"/>
+          </p:nvPr>
+        </p:nvSpPr>
+        <p:spPr>
+          <a:xfrm>
+            <a:off x="838200" y="1956121"/>
+            <a:ext cx="10515600" cy="4039565"/>
+          </a:xfrm>
+        </p:spPr>
+        <p:txBody>
+          <a:bodyPr>
+            <a:normAutofit/>
           </a:bodyPr>
           <a:lstStyle/>
           <a:p>
             <a:r>
-              <a:rPr lang="en-IN" dirty="0"/>
-              <a:t>NHA</a:t>
-            </a:r>
-          </a:p>
-        </p:txBody>
-      </p:sp>
-      <p:sp>
-        <p:nvSpPr>
-          <p:cNvPr id="5" name="TextBox 4">
-            <a:extLst>
-              <a:ext uri="{FF2B5EF4-FFF2-40B4-BE49-F238E27FC236}">
-                <a16:creationId xmlns:a16="http://schemas.microsoft.com/office/drawing/2014/main" id="{D10C75AF-DF4F-85BE-E73D-C297F020DC30}"/>
-              </a:ext>
-            </a:extLst>
-          </p:cNvPr>
-          <p:cNvSpPr txBox="1"/>
-          <p:nvPr/>
-        </p:nvSpPr>
-        <p:spPr>
-          <a:xfrm>
-            <a:off x="838200" y="3093027"/>
-            <a:ext cx="2386446" cy="923330"/>
-          </a:xfrm>
-          <a:prstGeom prst="rect">
-            <a:avLst/>
-          </a:prstGeom>
-          <a:solidFill>
-            <a:schemeClr val="accent1">
-              <a:lumMod val="40000"/>
-              <a:lumOff val="60000"/>
-            </a:schemeClr>
-          </a:solidFill>
-          <a:ln cap="rnd">
-            <a:solidFill>
-              <a:srgbClr val="002060">
-                <a:alpha val="99000"/>
-              </a:srgbClr>
-            </a:solidFill>
-          </a:ln>
-        </p:spPr>
-        <p:txBody>
-          <a:bodyPr wrap="square" rtlCol="0">
-            <a:spAutoFit/>
-          </a:bodyPr>
-          <a:lstStyle/>
-          <a:p>
-            <a:r>
-              <a:rPr lang="en-US"/>
-              <a:t>Develop anti-fraud framework, guidelines and policies</a:t>
-            </a:r>
+              <a:rPr lang="en-US" sz="3200" kern="100" dirty="0">
+                <a:effectLst/>
+                <a:latin typeface="Times New Roman" panose="02020603050405020304" pitchFamily="18" charset="0"/>
+                <a:ea typeface="Calibri" panose="020F0502020204030204" pitchFamily="34" charset="0"/>
+                <a:cs typeface="Times New Roman" panose="02020603050405020304" pitchFamily="18" charset="0"/>
+              </a:rPr>
+              <a:t>Patient Admitted in Watchlist Hospitals</a:t>
+            </a:r>
+          </a:p>
+          <a:p>
+            <a:r>
+              <a:rPr lang="en-US" sz="3200" kern="100" dirty="0">
+                <a:effectLst/>
+                <a:latin typeface="Times New Roman" panose="02020603050405020304" pitchFamily="18" charset="0"/>
+                <a:ea typeface="Calibri" panose="020F0502020204030204" pitchFamily="34" charset="0"/>
+                <a:cs typeface="Times New Roman" panose="02020603050405020304" pitchFamily="18" charset="0"/>
+              </a:rPr>
+              <a:t>High value claims</a:t>
+            </a:r>
+          </a:p>
+          <a:p>
+            <a:r>
+              <a:rPr lang="en-US" sz="3200" kern="100" dirty="0">
+                <a:effectLst/>
+                <a:latin typeface="Times New Roman" panose="02020603050405020304" pitchFamily="18" charset="0"/>
+                <a:ea typeface="Calibri" panose="020F0502020204030204" pitchFamily="34" charset="0"/>
+                <a:cs typeface="Times New Roman" panose="02020603050405020304" pitchFamily="18" charset="0"/>
+              </a:rPr>
+              <a:t>Hospital Bed Cases</a:t>
+            </a:r>
+          </a:p>
+          <a:p>
+            <a:r>
+              <a:rPr lang="en-US" sz="3200" kern="100" dirty="0">
+                <a:effectLst/>
+                <a:latin typeface="Times New Roman" panose="02020603050405020304" pitchFamily="18" charset="0"/>
+                <a:ea typeface="Calibri" panose="020F0502020204030204" pitchFamily="34" charset="0"/>
+                <a:cs typeface="Times New Roman" panose="02020603050405020304" pitchFamily="18" charset="0"/>
+              </a:rPr>
+              <a:t>Family ID Cases</a:t>
+            </a:r>
+          </a:p>
+          <a:p>
+            <a:r>
+              <a:rPr lang="en-US" sz="3200" kern="100" dirty="0">
+                <a:latin typeface="Times New Roman" panose="02020603050405020304" pitchFamily="18" charset="0"/>
+                <a:ea typeface="Calibri" panose="020F0502020204030204" pitchFamily="34" charset="0"/>
+                <a:cs typeface="Times New Roman" panose="02020603050405020304" pitchFamily="18" charset="0"/>
+              </a:rPr>
+              <a:t>Geographic Anomalies</a:t>
+            </a:r>
+          </a:p>
+          <a:p>
+            <a:r>
+              <a:rPr lang="en-US" sz="3200" kern="100" dirty="0">
+                <a:effectLst/>
+                <a:latin typeface="Times New Roman" panose="02020603050405020304" pitchFamily="18" charset="0"/>
+                <a:ea typeface="Calibri" panose="020F0502020204030204" pitchFamily="34" charset="0"/>
+                <a:cs typeface="Times New Roman" panose="02020603050405020304" pitchFamily="18" charset="0"/>
+              </a:rPr>
+              <a:t>Ophthalmolog</a:t>
+            </a:r>
+            <a:r>
+              <a:rPr lang="en-US" sz="3200" kern="100" dirty="0">
+                <a:latin typeface="Times New Roman" panose="02020603050405020304" pitchFamily="18" charset="0"/>
+                <a:ea typeface="Calibri" panose="020F0502020204030204" pitchFamily="34" charset="0"/>
+                <a:cs typeface="Times New Roman" panose="02020603050405020304" pitchFamily="18" charset="0"/>
+              </a:rPr>
+              <a:t>y (Cataract)</a:t>
+            </a:r>
+            <a:endParaRPr lang="en-US" sz="3200" kern="100" dirty="0">
+              <a:effectLst/>
+              <a:latin typeface="Times New Roman" panose="02020603050405020304" pitchFamily="18" charset="0"/>
+              <a:ea typeface="Calibri" panose="020F0502020204030204" pitchFamily="34" charset="0"/>
+              <a:cs typeface="Times New Roman" panose="02020603050405020304" pitchFamily="18" charset="0"/>
+            </a:endParaRPr>
+          </a:p>
+          <a:p>
+            <a:pPr marL="0" indent="0">
+              <a:buNone/>
+            </a:pPr>
+            <a:endParaRPr lang="en-US" sz="3200" kern="100" dirty="0">
+              <a:effectLst/>
+              <a:latin typeface="Times New Roman" panose="02020603050405020304" pitchFamily="18" charset="0"/>
+              <a:ea typeface="Calibri" panose="020F0502020204030204" pitchFamily="34" charset="0"/>
+              <a:cs typeface="Times New Roman" panose="02020603050405020304" pitchFamily="18" charset="0"/>
+            </a:endParaRPr>
+          </a:p>
+          <a:p>
+            <a:endParaRPr lang="en-US" sz="3200" kern="100" dirty="0">
+              <a:effectLst/>
+              <a:latin typeface="Times New Roman" panose="02020603050405020304" pitchFamily="18" charset="0"/>
+              <a:ea typeface="Calibri" panose="020F0502020204030204" pitchFamily="34" charset="0"/>
+              <a:cs typeface="Times New Roman" panose="02020603050405020304" pitchFamily="18" charset="0"/>
+            </a:endParaRPr>
+          </a:p>
+          <a:p>
+            <a:endParaRPr lang="en-US" sz="3200" kern="100" dirty="0">
+              <a:effectLst/>
+              <a:latin typeface="Times New Roman" panose="02020603050405020304" pitchFamily="18" charset="0"/>
+              <a:ea typeface="Calibri" panose="020F0502020204030204" pitchFamily="34" charset="0"/>
+              <a:cs typeface="Times New Roman" panose="02020603050405020304" pitchFamily="18" charset="0"/>
+            </a:endParaRPr>
+          </a:p>
+          <a:p>
+            <a:pPr marL="457200" lvl="1" indent="0">
+              <a:buNone/>
+            </a:pPr>
+            <a:endParaRPr lang="en-IN" sz="2800" kern="100" dirty="0">
+              <a:effectLst/>
+              <a:latin typeface="Times New Roman" panose="02020603050405020304" pitchFamily="18" charset="0"/>
+              <a:ea typeface="Calibri" panose="020F0502020204030204" pitchFamily="34" charset="0"/>
+              <a:cs typeface="Times New Roman" panose="02020603050405020304" pitchFamily="18" charset="0"/>
+            </a:endParaRPr>
+          </a:p>
+          <a:p>
+            <a:pPr marL="0" indent="0">
+              <a:buNone/>
+            </a:pPr>
             <a:endParaRPr lang="en-IN" dirty="0"/>
-          </a:p>
-        </p:txBody>
-      </p:sp>
-      <p:sp>
-        <p:nvSpPr>
-          <p:cNvPr id="6" name="TextBox 5">
-            <a:extLst>
-              <a:ext uri="{FF2B5EF4-FFF2-40B4-BE49-F238E27FC236}">
-                <a16:creationId xmlns:a16="http://schemas.microsoft.com/office/drawing/2014/main" id="{03803B88-D2A6-3F4A-B6B4-E556937A6175}"/>
-              </a:ext>
-            </a:extLst>
-          </p:cNvPr>
-          <p:cNvSpPr txBox="1"/>
-          <p:nvPr/>
-        </p:nvSpPr>
-        <p:spPr>
-          <a:xfrm>
-            <a:off x="3792681" y="3105834"/>
-            <a:ext cx="2386446" cy="646331"/>
-          </a:xfrm>
-          <a:prstGeom prst="rect">
-            <a:avLst/>
-          </a:prstGeom>
-          <a:solidFill>
-            <a:schemeClr val="accent1">
-              <a:lumMod val="40000"/>
-              <a:lumOff val="60000"/>
-            </a:schemeClr>
-          </a:solidFill>
-          <a:ln cap="rnd">
-            <a:solidFill>
-              <a:srgbClr val="002060">
-                <a:alpha val="99000"/>
-              </a:srgbClr>
-            </a:solidFill>
-          </a:ln>
-        </p:spPr>
-        <p:txBody>
-          <a:bodyPr wrap="square" rtlCol="0">
-            <a:spAutoFit/>
-          </a:bodyPr>
-          <a:lstStyle/>
-          <a:p>
-            <a:r>
-              <a:rPr lang="en-IN" dirty="0"/>
-              <a:t>Provide broad oversight</a:t>
-            </a:r>
-          </a:p>
-        </p:txBody>
-      </p:sp>
-      <p:sp>
-        <p:nvSpPr>
-          <p:cNvPr id="7" name="TextBox 6">
-            <a:extLst>
-              <a:ext uri="{FF2B5EF4-FFF2-40B4-BE49-F238E27FC236}">
-                <a16:creationId xmlns:a16="http://schemas.microsoft.com/office/drawing/2014/main" id="{28C76D91-9FBA-E07D-C03F-66BEF7CD6BDD}"/>
-              </a:ext>
-            </a:extLst>
-          </p:cNvPr>
-          <p:cNvSpPr txBox="1"/>
-          <p:nvPr/>
-        </p:nvSpPr>
-        <p:spPr>
-          <a:xfrm>
-            <a:off x="6580910" y="3123151"/>
-            <a:ext cx="2386446" cy="1477328"/>
-          </a:xfrm>
-          <a:prstGeom prst="rect">
-            <a:avLst/>
-          </a:prstGeom>
-          <a:solidFill>
-            <a:schemeClr val="accent1">
-              <a:lumMod val="40000"/>
-              <a:lumOff val="60000"/>
-            </a:schemeClr>
-          </a:solidFill>
-          <a:ln cap="rnd">
-            <a:solidFill>
-              <a:srgbClr val="002060">
-                <a:alpha val="99000"/>
-              </a:srgbClr>
-            </a:solidFill>
-          </a:ln>
-        </p:spPr>
-        <p:txBody>
-          <a:bodyPr wrap="square" rtlCol="0">
-            <a:spAutoFit/>
-          </a:bodyPr>
-          <a:lstStyle/>
-          <a:p>
-            <a:r>
-              <a:rPr lang="en-US" dirty="0"/>
-              <a:t>Design IT infrastructure and protocols for advanced data analytics for fraud detection</a:t>
-            </a:r>
-            <a:endParaRPr lang="en-IN" dirty="0"/>
-          </a:p>
-        </p:txBody>
-      </p:sp>
-      <p:sp>
-        <p:nvSpPr>
-          <p:cNvPr id="8" name="TextBox 7">
-            <a:extLst>
-              <a:ext uri="{FF2B5EF4-FFF2-40B4-BE49-F238E27FC236}">
-                <a16:creationId xmlns:a16="http://schemas.microsoft.com/office/drawing/2014/main" id="{1AF32323-7B63-FC18-4C6A-251238455C21}"/>
-              </a:ext>
-            </a:extLst>
-          </p:cNvPr>
-          <p:cNvSpPr txBox="1"/>
-          <p:nvPr/>
-        </p:nvSpPr>
-        <p:spPr>
-          <a:xfrm>
-            <a:off x="9369139" y="3093027"/>
-            <a:ext cx="2386446" cy="646331"/>
-          </a:xfrm>
-          <a:prstGeom prst="rect">
-            <a:avLst/>
-          </a:prstGeom>
-          <a:solidFill>
-            <a:schemeClr val="accent1">
-              <a:lumMod val="40000"/>
-              <a:lumOff val="60000"/>
-            </a:schemeClr>
-          </a:solidFill>
-          <a:ln cap="rnd">
-            <a:solidFill>
-              <a:srgbClr val="002060">
-                <a:alpha val="99000"/>
-              </a:srgbClr>
-            </a:solidFill>
-          </a:ln>
-        </p:spPr>
-        <p:txBody>
-          <a:bodyPr wrap="square" rtlCol="0">
-            <a:spAutoFit/>
-          </a:bodyPr>
-          <a:lstStyle/>
-          <a:p>
-            <a:r>
-              <a:rPr lang="en-US" dirty="0"/>
-              <a:t>Provide technical assistance to states</a:t>
-            </a:r>
-            <a:endParaRPr lang="en-IN" dirty="0"/>
-          </a:p>
-        </p:txBody>
-      </p:sp>
-      <p:cxnSp>
-        <p:nvCxnSpPr>
-          <p:cNvPr id="10" name="Straight Arrow Connector 9">
-            <a:extLst>
-              <a:ext uri="{FF2B5EF4-FFF2-40B4-BE49-F238E27FC236}">
-                <a16:creationId xmlns:a16="http://schemas.microsoft.com/office/drawing/2014/main" id="{3CEFA139-3DDF-F283-095D-DBD7D69967DB}"/>
-              </a:ext>
-            </a:extLst>
-          </p:cNvPr>
-          <p:cNvCxnSpPr>
-            <a:stCxn id="4" idx="2"/>
-          </p:cNvCxnSpPr>
-          <p:nvPr/>
-        </p:nvCxnSpPr>
-        <p:spPr>
-          <a:xfrm>
-            <a:off x="5685559" y="1834450"/>
-            <a:ext cx="0" cy="545068"/>
-          </a:xfrm>
-          <a:prstGeom prst="straightConnector1">
-            <a:avLst/>
-          </a:prstGeom>
-          <a:ln w="38100">
-            <a:solidFill>
-              <a:srgbClr val="002060"/>
-            </a:solidFill>
-            <a:tailEnd type="triangle"/>
-          </a:ln>
-        </p:spPr>
-        <p:style>
-          <a:lnRef idx="1">
-            <a:schemeClr val="accent1"/>
-          </a:lnRef>
-          <a:fillRef idx="0">
-            <a:schemeClr val="accent1"/>
-          </a:fillRef>
-          <a:effectRef idx="0">
-            <a:schemeClr val="accent1"/>
-          </a:effectRef>
-          <a:fontRef idx="minor">
-            <a:schemeClr val="tx1"/>
-          </a:fontRef>
-        </p:style>
-      </p:cxnSp>
-      <p:cxnSp>
-        <p:nvCxnSpPr>
-          <p:cNvPr id="12" name="Straight Connector 11">
-            <a:extLst>
-              <a:ext uri="{FF2B5EF4-FFF2-40B4-BE49-F238E27FC236}">
-                <a16:creationId xmlns:a16="http://schemas.microsoft.com/office/drawing/2014/main" id="{69B6ABC4-1F36-C7C2-8691-FB5E8E34F662}"/>
-              </a:ext>
-            </a:extLst>
-          </p:cNvPr>
-          <p:cNvCxnSpPr/>
-          <p:nvPr/>
-        </p:nvCxnSpPr>
-        <p:spPr>
-          <a:xfrm>
-            <a:off x="1620982" y="2379518"/>
-            <a:ext cx="8842663" cy="0"/>
-          </a:xfrm>
-          <a:prstGeom prst="line">
-            <a:avLst/>
-          </a:prstGeom>
-          <a:ln w="28575">
-            <a:solidFill>
-              <a:srgbClr val="002060"/>
-            </a:solidFill>
-          </a:ln>
-        </p:spPr>
-        <p:style>
-          <a:lnRef idx="1">
-            <a:schemeClr val="accent1"/>
-          </a:lnRef>
-          <a:fillRef idx="0">
-            <a:schemeClr val="accent1"/>
-          </a:fillRef>
-          <a:effectRef idx="0">
-            <a:schemeClr val="accent1"/>
-          </a:effectRef>
-          <a:fontRef idx="minor">
-            <a:schemeClr val="tx1"/>
-          </a:fontRef>
-        </p:style>
-      </p:cxnSp>
-      <p:cxnSp>
-        <p:nvCxnSpPr>
-          <p:cNvPr id="13" name="Straight Arrow Connector 12">
-            <a:extLst>
-              <a:ext uri="{FF2B5EF4-FFF2-40B4-BE49-F238E27FC236}">
-                <a16:creationId xmlns:a16="http://schemas.microsoft.com/office/drawing/2014/main" id="{4DCD9307-9868-16CF-763B-4518BB519BA9}"/>
-              </a:ext>
-            </a:extLst>
-          </p:cNvPr>
-          <p:cNvCxnSpPr>
-            <a:cxnSpLocks/>
-          </p:cNvCxnSpPr>
-          <p:nvPr/>
-        </p:nvCxnSpPr>
-        <p:spPr>
-          <a:xfrm>
-            <a:off x="1620982" y="2379518"/>
-            <a:ext cx="0" cy="726316"/>
-          </a:xfrm>
-          <a:prstGeom prst="straightConnector1">
-            <a:avLst/>
-          </a:prstGeom>
-          <a:ln w="38100">
-            <a:solidFill>
-              <a:srgbClr val="002060"/>
-            </a:solidFill>
-            <a:tailEnd type="triangle"/>
-          </a:ln>
-        </p:spPr>
-        <p:style>
-          <a:lnRef idx="1">
-            <a:schemeClr val="accent1"/>
-          </a:lnRef>
-          <a:fillRef idx="0">
-            <a:schemeClr val="accent1"/>
-          </a:fillRef>
-          <a:effectRef idx="0">
-            <a:schemeClr val="accent1"/>
-          </a:effectRef>
-          <a:fontRef idx="minor">
-            <a:schemeClr val="tx1"/>
-          </a:fontRef>
-        </p:style>
-      </p:cxnSp>
-      <p:cxnSp>
-        <p:nvCxnSpPr>
-          <p:cNvPr id="14" name="Straight Arrow Connector 13">
-            <a:extLst>
-              <a:ext uri="{FF2B5EF4-FFF2-40B4-BE49-F238E27FC236}">
-                <a16:creationId xmlns:a16="http://schemas.microsoft.com/office/drawing/2014/main" id="{CF7074AC-0DCC-3F5E-2493-5A25BF219532}"/>
-              </a:ext>
-            </a:extLst>
-          </p:cNvPr>
-          <p:cNvCxnSpPr>
-            <a:cxnSpLocks/>
-          </p:cNvCxnSpPr>
-          <p:nvPr/>
-        </p:nvCxnSpPr>
-        <p:spPr>
-          <a:xfrm>
-            <a:off x="4985904" y="2379518"/>
-            <a:ext cx="0" cy="697468"/>
-          </a:xfrm>
-          <a:prstGeom prst="straightConnector1">
-            <a:avLst/>
-          </a:prstGeom>
-          <a:ln w="38100">
-            <a:solidFill>
-              <a:srgbClr val="002060"/>
-            </a:solidFill>
-            <a:tailEnd type="triangle"/>
-          </a:ln>
-        </p:spPr>
-        <p:style>
-          <a:lnRef idx="1">
-            <a:schemeClr val="accent1"/>
-          </a:lnRef>
-          <a:fillRef idx="0">
-            <a:schemeClr val="accent1"/>
-          </a:fillRef>
-          <a:effectRef idx="0">
-            <a:schemeClr val="accent1"/>
-          </a:effectRef>
-          <a:fontRef idx="minor">
-            <a:schemeClr val="tx1"/>
-          </a:fontRef>
-        </p:style>
-      </p:cxnSp>
-      <p:cxnSp>
-        <p:nvCxnSpPr>
-          <p:cNvPr id="15" name="Straight Arrow Connector 14">
-            <a:extLst>
-              <a:ext uri="{FF2B5EF4-FFF2-40B4-BE49-F238E27FC236}">
-                <a16:creationId xmlns:a16="http://schemas.microsoft.com/office/drawing/2014/main" id="{4F2E01A8-5E9C-7B3A-FE18-B91B231D2070}"/>
-              </a:ext>
-            </a:extLst>
-          </p:cNvPr>
-          <p:cNvCxnSpPr>
-            <a:cxnSpLocks/>
-          </p:cNvCxnSpPr>
-          <p:nvPr/>
-        </p:nvCxnSpPr>
-        <p:spPr>
-          <a:xfrm>
-            <a:off x="7597486" y="2379518"/>
-            <a:ext cx="0" cy="743633"/>
-          </a:xfrm>
-          <a:prstGeom prst="straightConnector1">
-            <a:avLst/>
-          </a:prstGeom>
-          <a:ln w="38100">
-            <a:solidFill>
-              <a:srgbClr val="002060"/>
-            </a:solidFill>
-            <a:tailEnd type="triangle"/>
-          </a:ln>
-        </p:spPr>
-        <p:style>
-          <a:lnRef idx="1">
-            <a:schemeClr val="accent1"/>
-          </a:lnRef>
-          <a:fillRef idx="0">
-            <a:schemeClr val="accent1"/>
-          </a:fillRef>
-          <a:effectRef idx="0">
-            <a:schemeClr val="accent1"/>
-          </a:effectRef>
-          <a:fontRef idx="minor">
-            <a:schemeClr val="tx1"/>
-          </a:fontRef>
-        </p:style>
-      </p:cxnSp>
-      <p:cxnSp>
-        <p:nvCxnSpPr>
-          <p:cNvPr id="16" name="Straight Arrow Connector 15">
-            <a:extLst>
-              <a:ext uri="{FF2B5EF4-FFF2-40B4-BE49-F238E27FC236}">
-                <a16:creationId xmlns:a16="http://schemas.microsoft.com/office/drawing/2014/main" id="{2E11904B-5D1B-0C1C-23A0-EE39F4D8D357}"/>
-              </a:ext>
-            </a:extLst>
-          </p:cNvPr>
-          <p:cNvCxnSpPr>
-            <a:cxnSpLocks/>
-          </p:cNvCxnSpPr>
-          <p:nvPr/>
-        </p:nvCxnSpPr>
-        <p:spPr>
-          <a:xfrm>
-            <a:off x="10486925" y="2350670"/>
-            <a:ext cx="0" cy="726316"/>
-          </a:xfrm>
-          <a:prstGeom prst="straightConnector1">
-            <a:avLst/>
-          </a:prstGeom>
-          <a:ln w="38100">
-            <a:solidFill>
-              <a:srgbClr val="002060"/>
-            </a:solidFill>
-            <a:tailEnd type="triangle"/>
-          </a:ln>
-        </p:spPr>
-        <p:style>
-          <a:lnRef idx="1">
-            <a:schemeClr val="accent1"/>
-          </a:lnRef>
-          <a:fillRef idx="0">
-            <a:schemeClr val="accent1"/>
-          </a:fillRef>
-          <a:effectRef idx="0">
-            <a:schemeClr val="accent1"/>
-          </a:effectRef>
-          <a:fontRef idx="minor">
-            <a:schemeClr val="tx1"/>
-          </a:fontRef>
-        </p:style>
-      </p:cxnSp>
-      <p:sp>
-        <p:nvSpPr>
-          <p:cNvPr id="21" name="TextBox 20">
-            <a:extLst>
-              <a:ext uri="{FF2B5EF4-FFF2-40B4-BE49-F238E27FC236}">
-                <a16:creationId xmlns:a16="http://schemas.microsoft.com/office/drawing/2014/main" id="{8394FDE1-45B8-1487-BEB8-5DEF961D4679}"/>
-              </a:ext>
-            </a:extLst>
-          </p:cNvPr>
-          <p:cNvSpPr txBox="1"/>
-          <p:nvPr/>
-        </p:nvSpPr>
-        <p:spPr>
-          <a:xfrm>
-            <a:off x="987136" y="5663045"/>
-            <a:ext cx="10983191" cy="646331"/>
-          </a:xfrm>
-          <a:prstGeom prst="rect">
-            <a:avLst/>
-          </a:prstGeom>
-          <a:noFill/>
-        </p:spPr>
-        <p:txBody>
-          <a:bodyPr wrap="square" rtlCol="0">
-            <a:spAutoFit/>
-          </a:bodyPr>
-          <a:lstStyle/>
-          <a:p>
-            <a:r>
-              <a:rPr lang="en-IN" dirty="0"/>
-              <a:t>There are dedicated </a:t>
-            </a:r>
-            <a:r>
-              <a:rPr lang="en-IN" b="1" dirty="0"/>
-              <a:t>anti-fraud cell </a:t>
-            </a:r>
-            <a:r>
-              <a:rPr lang="en-IN" dirty="0"/>
-              <a:t>for each state (NE (1 officer) , </a:t>
-            </a:r>
-            <a:r>
-              <a:rPr lang="en-IN" dirty="0">
-                <a:highlight>
-                  <a:srgbClr val="008080"/>
-                </a:highlight>
-              </a:rPr>
-              <a:t>Non-NE/HFS </a:t>
-            </a:r>
-            <a:r>
-              <a:rPr lang="en-IN" dirty="0"/>
-              <a:t>(2 officer) , Non-HFS (2 officer), Non-HFS (1 officer) by NHA .   [More read: Page 10]</a:t>
-            </a:r>
           </a:p>
         </p:txBody>
       </p:sp>
     </p:spTree>
     <p:extLst>
       <p:ext uri="{BB962C8B-B14F-4D97-AF65-F5344CB8AC3E}">
-        <p14:creationId xmlns:p14="http://schemas.microsoft.com/office/powerpoint/2010/main" val="4186652760"/>
+        <p14:creationId xmlns:p14="http://schemas.microsoft.com/office/powerpoint/2010/main" val="4133484266"/>
       </p:ext>
     </p:extLst>
   </p:cSld>
@@ -7970,940 +6783,6 @@
 </file>
 
 <file path=ppt/slides/slide4.xml><?xml version="1.0" encoding="utf-8"?>
-<p:sld xmlns:a="http://schemas.openxmlformats.org/drawingml/2006/main" xmlns:r="http://schemas.openxmlformats.org/officeDocument/2006/relationships" xmlns:p="http://schemas.openxmlformats.org/presentationml/2006/main">
-  <p:cSld>
-    <p:spTree>
-      <p:nvGrpSpPr>
-        <p:cNvPr id="1" name="">
-          <a:extLst>
-            <a:ext uri="{FF2B5EF4-FFF2-40B4-BE49-F238E27FC236}">
-              <a16:creationId xmlns:a16="http://schemas.microsoft.com/office/drawing/2014/main" id="{D6BC6501-A989-0013-69D8-354989D123EA}"/>
-            </a:ext>
-          </a:extLst>
-        </p:cNvPr>
-        <p:cNvGrpSpPr/>
-        <p:nvPr/>
-      </p:nvGrpSpPr>
-      <p:grpSpPr>
-        <a:xfrm>
-          <a:off x="0" y="0"/>
-          <a:ext cx="0" cy="0"/>
-          <a:chOff x="0" y="0"/>
-          <a:chExt cx="0" cy="0"/>
-        </a:xfrm>
-      </p:grpSpPr>
-      <p:sp>
-        <p:nvSpPr>
-          <p:cNvPr id="3" name="Rectangle 2">
-            <a:extLst>
-              <a:ext uri="{FF2B5EF4-FFF2-40B4-BE49-F238E27FC236}">
-                <a16:creationId xmlns:a16="http://schemas.microsoft.com/office/drawing/2014/main" id="{3D858802-9022-6A3E-0D38-59FE866E1D10}"/>
-              </a:ext>
-            </a:extLst>
-          </p:cNvPr>
-          <p:cNvSpPr/>
-          <p:nvPr/>
-        </p:nvSpPr>
-        <p:spPr>
-          <a:xfrm>
-            <a:off x="5385922" y="2905246"/>
-            <a:ext cx="4725299" cy="3236167"/>
-          </a:xfrm>
-          <a:prstGeom prst="rect">
-            <a:avLst/>
-          </a:prstGeom>
-          <a:ln w="38100">
-            <a:prstDash val="dash"/>
-          </a:ln>
-        </p:spPr>
-        <p:style>
-          <a:lnRef idx="2">
-            <a:schemeClr val="accent6"/>
-          </a:lnRef>
-          <a:fillRef idx="1">
-            <a:schemeClr val="lt1"/>
-          </a:fillRef>
-          <a:effectRef idx="0">
-            <a:schemeClr val="accent6"/>
-          </a:effectRef>
-          <a:fontRef idx="minor">
-            <a:schemeClr val="dk1"/>
-          </a:fontRef>
-        </p:style>
-        <p:txBody>
-          <a:bodyPr rtlCol="0" anchor="ctr"/>
-          <a:lstStyle/>
-          <a:p>
-            <a:pPr algn="ctr"/>
-            <a:endParaRPr lang="en-IN">
-              <a:solidFill>
-                <a:schemeClr val="tx1"/>
-              </a:solidFill>
-            </a:endParaRPr>
-          </a:p>
-        </p:txBody>
-      </p:sp>
-      <p:sp>
-        <p:nvSpPr>
-          <p:cNvPr id="2" name="Title 1">
-            <a:extLst>
-              <a:ext uri="{FF2B5EF4-FFF2-40B4-BE49-F238E27FC236}">
-                <a16:creationId xmlns:a16="http://schemas.microsoft.com/office/drawing/2014/main" id="{C15C7F07-3EC4-6A1D-F17D-974F94C9FD53}"/>
-              </a:ext>
-            </a:extLst>
-          </p:cNvPr>
-          <p:cNvSpPr>
-            <a:spLocks noGrp="1"/>
-          </p:cNvSpPr>
-          <p:nvPr>
-            <p:ph type="title"/>
-          </p:nvPr>
-        </p:nvSpPr>
-        <p:spPr>
-          <a:xfrm>
-            <a:off x="838200" y="365126"/>
-            <a:ext cx="10515600" cy="788266"/>
-          </a:xfrm>
-        </p:spPr>
-        <p:txBody>
-          <a:bodyPr>
-            <a:normAutofit/>
-          </a:bodyPr>
-          <a:lstStyle/>
-          <a:p>
-            <a:r>
-              <a:rPr lang="en-IN" sz="4000" dirty="0">
-                <a:latin typeface="Times New Roman" panose="02020603050405020304" pitchFamily="18" charset="0"/>
-                <a:cs typeface="Times New Roman" panose="02020603050405020304" pitchFamily="18" charset="0"/>
-              </a:rPr>
-              <a:t>SHA responsibilities</a:t>
-            </a:r>
-          </a:p>
-        </p:txBody>
-      </p:sp>
-      <p:sp>
-        <p:nvSpPr>
-          <p:cNvPr id="4" name="TextBox 3">
-            <a:extLst>
-              <a:ext uri="{FF2B5EF4-FFF2-40B4-BE49-F238E27FC236}">
-                <a16:creationId xmlns:a16="http://schemas.microsoft.com/office/drawing/2014/main" id="{8A91BBAF-20A8-26E2-5A36-74EEB0E5E20A}"/>
-              </a:ext>
-            </a:extLst>
-          </p:cNvPr>
-          <p:cNvSpPr txBox="1"/>
-          <p:nvPr/>
-        </p:nvSpPr>
-        <p:spPr>
-          <a:xfrm>
-            <a:off x="5275118" y="1465118"/>
-            <a:ext cx="820882" cy="369332"/>
-          </a:xfrm>
-          <a:prstGeom prst="rect">
-            <a:avLst/>
-          </a:prstGeom>
-          <a:solidFill>
-            <a:schemeClr val="accent1">
-              <a:lumMod val="40000"/>
-              <a:lumOff val="60000"/>
-            </a:schemeClr>
-          </a:solidFill>
-          <a:ln cap="rnd">
-            <a:solidFill>
-              <a:srgbClr val="002060">
-                <a:alpha val="99000"/>
-              </a:srgbClr>
-            </a:solidFill>
-          </a:ln>
-        </p:spPr>
-        <p:txBody>
-          <a:bodyPr wrap="square" rtlCol="0">
-            <a:spAutoFit/>
-          </a:bodyPr>
-          <a:lstStyle/>
-          <a:p>
-            <a:r>
-              <a:rPr lang="en-IN" dirty="0"/>
-              <a:t>SHA</a:t>
-            </a:r>
-          </a:p>
-        </p:txBody>
-      </p:sp>
-      <p:sp>
-        <p:nvSpPr>
-          <p:cNvPr id="5" name="TextBox 4">
-            <a:extLst>
-              <a:ext uri="{FF2B5EF4-FFF2-40B4-BE49-F238E27FC236}">
-                <a16:creationId xmlns:a16="http://schemas.microsoft.com/office/drawing/2014/main" id="{DE0975C4-F82C-4122-D9EA-A0CA87D10B65}"/>
-              </a:ext>
-            </a:extLst>
-          </p:cNvPr>
-          <p:cNvSpPr txBox="1"/>
-          <p:nvPr/>
-        </p:nvSpPr>
-        <p:spPr>
-          <a:xfrm>
-            <a:off x="838200" y="3093026"/>
-            <a:ext cx="1312718" cy="923330"/>
-          </a:xfrm>
-          <a:prstGeom prst="rect">
-            <a:avLst/>
-          </a:prstGeom>
-          <a:solidFill>
-            <a:schemeClr val="accent1">
-              <a:lumMod val="40000"/>
-              <a:lumOff val="60000"/>
-            </a:schemeClr>
-          </a:solidFill>
-          <a:ln cap="rnd">
-            <a:solidFill>
-              <a:srgbClr val="002060">
-                <a:alpha val="99000"/>
-              </a:srgbClr>
-            </a:solidFill>
-          </a:ln>
-        </p:spPr>
-        <p:txBody>
-          <a:bodyPr wrap="square" rtlCol="0">
-            <a:spAutoFit/>
-          </a:bodyPr>
-          <a:lstStyle/>
-          <a:p>
-            <a:r>
-              <a:rPr lang="en-IN" dirty="0"/>
-              <a:t>Develop institutional structures</a:t>
-            </a:r>
-          </a:p>
-        </p:txBody>
-      </p:sp>
-      <p:sp>
-        <p:nvSpPr>
-          <p:cNvPr id="6" name="TextBox 5">
-            <a:extLst>
-              <a:ext uri="{FF2B5EF4-FFF2-40B4-BE49-F238E27FC236}">
-                <a16:creationId xmlns:a16="http://schemas.microsoft.com/office/drawing/2014/main" id="{86FFE253-3654-F53A-27EF-DD3E0F56ECF9}"/>
-              </a:ext>
-            </a:extLst>
-          </p:cNvPr>
-          <p:cNvSpPr txBox="1"/>
-          <p:nvPr/>
-        </p:nvSpPr>
-        <p:spPr>
-          <a:xfrm>
-            <a:off x="2354816" y="3064037"/>
-            <a:ext cx="1476380" cy="1477328"/>
-          </a:xfrm>
-          <a:prstGeom prst="rect">
-            <a:avLst/>
-          </a:prstGeom>
-          <a:solidFill>
-            <a:schemeClr val="accent1">
-              <a:lumMod val="40000"/>
-              <a:lumOff val="60000"/>
-            </a:schemeClr>
-          </a:solidFill>
-          <a:ln cap="rnd">
-            <a:solidFill>
-              <a:srgbClr val="002060">
-                <a:alpha val="99000"/>
-              </a:srgbClr>
-            </a:solidFill>
-          </a:ln>
-        </p:spPr>
-        <p:txBody>
-          <a:bodyPr wrap="square" rtlCol="0">
-            <a:spAutoFit/>
-          </a:bodyPr>
-          <a:lstStyle/>
-          <a:p>
-            <a:r>
-              <a:rPr lang="en-US" dirty="0"/>
-              <a:t>Adapt and approve state anti-fraud policies and guidelines</a:t>
-            </a:r>
-            <a:endParaRPr lang="en-IN" dirty="0"/>
-          </a:p>
-        </p:txBody>
-      </p:sp>
-      <p:sp>
-        <p:nvSpPr>
-          <p:cNvPr id="7" name="TextBox 6">
-            <a:extLst>
-              <a:ext uri="{FF2B5EF4-FFF2-40B4-BE49-F238E27FC236}">
-                <a16:creationId xmlns:a16="http://schemas.microsoft.com/office/drawing/2014/main" id="{DEAE4FE6-C0D7-BA8B-4441-C7E2FC22E771}"/>
-              </a:ext>
-            </a:extLst>
-          </p:cNvPr>
-          <p:cNvSpPr txBox="1"/>
-          <p:nvPr/>
-        </p:nvSpPr>
-        <p:spPr>
-          <a:xfrm>
-            <a:off x="4064144" y="3067502"/>
-            <a:ext cx="1215307" cy="646331"/>
-          </a:xfrm>
-          <a:prstGeom prst="rect">
-            <a:avLst/>
-          </a:prstGeom>
-          <a:solidFill>
-            <a:schemeClr val="accent1">
-              <a:lumMod val="40000"/>
-              <a:lumOff val="60000"/>
-            </a:schemeClr>
-          </a:solidFill>
-          <a:ln cap="rnd">
-            <a:solidFill>
-              <a:srgbClr val="002060">
-                <a:alpha val="99000"/>
-              </a:srgbClr>
-            </a:solidFill>
-          </a:ln>
-        </p:spPr>
-        <p:txBody>
-          <a:bodyPr wrap="square" rtlCol="0">
-            <a:spAutoFit/>
-          </a:bodyPr>
-          <a:lstStyle/>
-          <a:p>
-            <a:r>
-              <a:rPr lang="en-IN" dirty="0"/>
-              <a:t>Develop IT system</a:t>
-            </a:r>
-          </a:p>
-        </p:txBody>
-      </p:sp>
-      <p:sp>
-        <p:nvSpPr>
-          <p:cNvPr id="8" name="TextBox 7">
-            <a:extLst>
-              <a:ext uri="{FF2B5EF4-FFF2-40B4-BE49-F238E27FC236}">
-                <a16:creationId xmlns:a16="http://schemas.microsoft.com/office/drawing/2014/main" id="{6578D591-7FB4-2816-F2F0-3315C811FC9F}"/>
-              </a:ext>
-            </a:extLst>
-          </p:cNvPr>
-          <p:cNvSpPr txBox="1"/>
-          <p:nvPr/>
-        </p:nvSpPr>
-        <p:spPr>
-          <a:xfrm>
-            <a:off x="5475448" y="3093026"/>
-            <a:ext cx="1133729" cy="1200329"/>
-          </a:xfrm>
-          <a:prstGeom prst="rect">
-            <a:avLst/>
-          </a:prstGeom>
-          <a:solidFill>
-            <a:schemeClr val="accent1">
-              <a:lumMod val="40000"/>
-              <a:lumOff val="60000"/>
-            </a:schemeClr>
-          </a:solidFill>
-          <a:ln cap="rnd">
-            <a:solidFill>
-              <a:srgbClr val="002060">
-                <a:alpha val="99000"/>
-              </a:srgbClr>
-            </a:solidFill>
-          </a:ln>
-        </p:spPr>
-        <p:txBody>
-          <a:bodyPr wrap="square" rtlCol="0">
-            <a:spAutoFit/>
-          </a:bodyPr>
-          <a:lstStyle/>
-          <a:p>
-            <a:r>
-              <a:rPr lang="en-IN" dirty="0"/>
-              <a:t>Conduct anti-fraud awareness</a:t>
-            </a:r>
-          </a:p>
-        </p:txBody>
-      </p:sp>
-      <p:cxnSp>
-        <p:nvCxnSpPr>
-          <p:cNvPr id="10" name="Straight Arrow Connector 9">
-            <a:extLst>
-              <a:ext uri="{FF2B5EF4-FFF2-40B4-BE49-F238E27FC236}">
-                <a16:creationId xmlns:a16="http://schemas.microsoft.com/office/drawing/2014/main" id="{F45B679D-B700-61A4-F02E-B376C239092B}"/>
-              </a:ext>
-            </a:extLst>
-          </p:cNvPr>
-          <p:cNvCxnSpPr>
-            <a:stCxn id="4" idx="2"/>
-          </p:cNvCxnSpPr>
-          <p:nvPr/>
-        </p:nvCxnSpPr>
-        <p:spPr>
-          <a:xfrm>
-            <a:off x="5685559" y="1834450"/>
-            <a:ext cx="0" cy="545068"/>
-          </a:xfrm>
-          <a:prstGeom prst="straightConnector1">
-            <a:avLst/>
-          </a:prstGeom>
-          <a:ln w="38100">
-            <a:solidFill>
-              <a:srgbClr val="002060"/>
-            </a:solidFill>
-            <a:tailEnd type="triangle"/>
-          </a:ln>
-        </p:spPr>
-        <p:style>
-          <a:lnRef idx="1">
-            <a:schemeClr val="accent1"/>
-          </a:lnRef>
-          <a:fillRef idx="0">
-            <a:schemeClr val="accent1"/>
-          </a:fillRef>
-          <a:effectRef idx="0">
-            <a:schemeClr val="accent1"/>
-          </a:effectRef>
-          <a:fontRef idx="minor">
-            <a:schemeClr val="tx1"/>
-          </a:fontRef>
-        </p:style>
-      </p:cxnSp>
-      <p:cxnSp>
-        <p:nvCxnSpPr>
-          <p:cNvPr id="12" name="Straight Connector 11">
-            <a:extLst>
-              <a:ext uri="{FF2B5EF4-FFF2-40B4-BE49-F238E27FC236}">
-                <a16:creationId xmlns:a16="http://schemas.microsoft.com/office/drawing/2014/main" id="{7A6F32FC-96A4-C30F-B0FE-FEF22E5B9A9C}"/>
-              </a:ext>
-            </a:extLst>
-          </p:cNvPr>
-          <p:cNvCxnSpPr>
-            <a:cxnSpLocks/>
-          </p:cNvCxnSpPr>
-          <p:nvPr/>
-        </p:nvCxnSpPr>
-        <p:spPr>
-          <a:xfrm>
-            <a:off x="1620982" y="2379518"/>
-            <a:ext cx="9211538" cy="9867"/>
-          </a:xfrm>
-          <a:prstGeom prst="line">
-            <a:avLst/>
-          </a:prstGeom>
-          <a:ln w="28575">
-            <a:solidFill>
-              <a:srgbClr val="002060"/>
-            </a:solidFill>
-          </a:ln>
-        </p:spPr>
-        <p:style>
-          <a:lnRef idx="1">
-            <a:schemeClr val="accent1"/>
-          </a:lnRef>
-          <a:fillRef idx="0">
-            <a:schemeClr val="accent1"/>
-          </a:fillRef>
-          <a:effectRef idx="0">
-            <a:schemeClr val="accent1"/>
-          </a:effectRef>
-          <a:fontRef idx="minor">
-            <a:schemeClr val="tx1"/>
-          </a:fontRef>
-        </p:style>
-      </p:cxnSp>
-      <p:cxnSp>
-        <p:nvCxnSpPr>
-          <p:cNvPr id="13" name="Straight Arrow Connector 12">
-            <a:extLst>
-              <a:ext uri="{FF2B5EF4-FFF2-40B4-BE49-F238E27FC236}">
-                <a16:creationId xmlns:a16="http://schemas.microsoft.com/office/drawing/2014/main" id="{CC16821A-58EA-B001-CEBF-4DFAFB6C470F}"/>
-              </a:ext>
-            </a:extLst>
-          </p:cNvPr>
-          <p:cNvCxnSpPr>
-            <a:cxnSpLocks/>
-          </p:cNvCxnSpPr>
-          <p:nvPr/>
-        </p:nvCxnSpPr>
-        <p:spPr>
-          <a:xfrm>
-            <a:off x="1620982" y="2379518"/>
-            <a:ext cx="0" cy="726316"/>
-          </a:xfrm>
-          <a:prstGeom prst="straightConnector1">
-            <a:avLst/>
-          </a:prstGeom>
-          <a:ln w="38100">
-            <a:solidFill>
-              <a:srgbClr val="002060"/>
-            </a:solidFill>
-            <a:tailEnd type="triangle"/>
-          </a:ln>
-        </p:spPr>
-        <p:style>
-          <a:lnRef idx="1">
-            <a:schemeClr val="accent1"/>
-          </a:lnRef>
-          <a:fillRef idx="0">
-            <a:schemeClr val="accent1"/>
-          </a:fillRef>
-          <a:effectRef idx="0">
-            <a:schemeClr val="accent1"/>
-          </a:effectRef>
-          <a:fontRef idx="minor">
-            <a:schemeClr val="tx1"/>
-          </a:fontRef>
-        </p:style>
-      </p:cxnSp>
-      <p:cxnSp>
-        <p:nvCxnSpPr>
-          <p:cNvPr id="14" name="Straight Arrow Connector 13">
-            <a:extLst>
-              <a:ext uri="{FF2B5EF4-FFF2-40B4-BE49-F238E27FC236}">
-                <a16:creationId xmlns:a16="http://schemas.microsoft.com/office/drawing/2014/main" id="{4B57A7BF-5CFF-14BB-F990-09125B8E81A1}"/>
-              </a:ext>
-            </a:extLst>
-          </p:cNvPr>
-          <p:cNvCxnSpPr>
-            <a:cxnSpLocks/>
-          </p:cNvCxnSpPr>
-          <p:nvPr/>
-        </p:nvCxnSpPr>
-        <p:spPr>
-          <a:xfrm>
-            <a:off x="2990848" y="2379518"/>
-            <a:ext cx="0" cy="726316"/>
-          </a:xfrm>
-          <a:prstGeom prst="straightConnector1">
-            <a:avLst/>
-          </a:prstGeom>
-          <a:ln w="38100">
-            <a:solidFill>
-              <a:srgbClr val="002060"/>
-            </a:solidFill>
-            <a:tailEnd type="triangle"/>
-          </a:ln>
-        </p:spPr>
-        <p:style>
-          <a:lnRef idx="1">
-            <a:schemeClr val="accent1"/>
-          </a:lnRef>
-          <a:fillRef idx="0">
-            <a:schemeClr val="accent1"/>
-          </a:fillRef>
-          <a:effectRef idx="0">
-            <a:schemeClr val="accent1"/>
-          </a:effectRef>
-          <a:fontRef idx="minor">
-            <a:schemeClr val="tx1"/>
-          </a:fontRef>
-        </p:style>
-      </p:cxnSp>
-      <p:cxnSp>
-        <p:nvCxnSpPr>
-          <p:cNvPr id="15" name="Straight Arrow Connector 14">
-            <a:extLst>
-              <a:ext uri="{FF2B5EF4-FFF2-40B4-BE49-F238E27FC236}">
-                <a16:creationId xmlns:a16="http://schemas.microsoft.com/office/drawing/2014/main" id="{2A35BC89-B98B-054C-333A-62AFC9340D16}"/>
-              </a:ext>
-            </a:extLst>
-          </p:cNvPr>
-          <p:cNvCxnSpPr>
-            <a:cxnSpLocks/>
-          </p:cNvCxnSpPr>
-          <p:nvPr/>
-        </p:nvCxnSpPr>
-        <p:spPr>
-          <a:xfrm>
-            <a:off x="4545575" y="2389385"/>
-            <a:ext cx="0" cy="716449"/>
-          </a:xfrm>
-          <a:prstGeom prst="straightConnector1">
-            <a:avLst/>
-          </a:prstGeom>
-          <a:ln w="38100">
-            <a:solidFill>
-              <a:srgbClr val="002060"/>
-            </a:solidFill>
-            <a:tailEnd type="triangle"/>
-          </a:ln>
-        </p:spPr>
-        <p:style>
-          <a:lnRef idx="1">
-            <a:schemeClr val="accent1"/>
-          </a:lnRef>
-          <a:fillRef idx="0">
-            <a:schemeClr val="accent1"/>
-          </a:fillRef>
-          <a:effectRef idx="0">
-            <a:schemeClr val="accent1"/>
-          </a:effectRef>
-          <a:fontRef idx="minor">
-            <a:schemeClr val="tx1"/>
-          </a:fontRef>
-        </p:style>
-      </p:cxnSp>
-      <p:cxnSp>
-        <p:nvCxnSpPr>
-          <p:cNvPr id="16" name="Straight Arrow Connector 15">
-            <a:extLst>
-              <a:ext uri="{FF2B5EF4-FFF2-40B4-BE49-F238E27FC236}">
-                <a16:creationId xmlns:a16="http://schemas.microsoft.com/office/drawing/2014/main" id="{975360D5-BB7A-20DF-BC29-F01EDB7A4EA0}"/>
-              </a:ext>
-            </a:extLst>
-          </p:cNvPr>
-          <p:cNvCxnSpPr>
-            <a:cxnSpLocks/>
-          </p:cNvCxnSpPr>
-          <p:nvPr/>
-        </p:nvCxnSpPr>
-        <p:spPr>
-          <a:xfrm>
-            <a:off x="6000747" y="2379518"/>
-            <a:ext cx="0" cy="726316"/>
-          </a:xfrm>
-          <a:prstGeom prst="straightConnector1">
-            <a:avLst/>
-          </a:prstGeom>
-          <a:ln w="38100">
-            <a:solidFill>
-              <a:srgbClr val="002060"/>
-            </a:solidFill>
-            <a:tailEnd type="triangle"/>
-          </a:ln>
-        </p:spPr>
-        <p:style>
-          <a:lnRef idx="1">
-            <a:schemeClr val="accent1"/>
-          </a:lnRef>
-          <a:fillRef idx="0">
-            <a:schemeClr val="accent1"/>
-          </a:fillRef>
-          <a:effectRef idx="0">
-            <a:schemeClr val="accent1"/>
-          </a:effectRef>
-          <a:fontRef idx="minor">
-            <a:schemeClr val="tx1"/>
-          </a:fontRef>
-        </p:style>
-      </p:cxnSp>
-      <p:sp>
-        <p:nvSpPr>
-          <p:cNvPr id="11" name="TextBox 10">
-            <a:extLst>
-              <a:ext uri="{FF2B5EF4-FFF2-40B4-BE49-F238E27FC236}">
-                <a16:creationId xmlns:a16="http://schemas.microsoft.com/office/drawing/2014/main" id="{EAA2A755-8573-1CAA-B212-68A8132983F5}"/>
-              </a:ext>
-            </a:extLst>
-          </p:cNvPr>
-          <p:cNvSpPr txBox="1"/>
-          <p:nvPr/>
-        </p:nvSpPr>
-        <p:spPr>
-          <a:xfrm>
-            <a:off x="6868379" y="3110204"/>
-            <a:ext cx="1422253" cy="2862322"/>
-          </a:xfrm>
-          <a:prstGeom prst="rect">
-            <a:avLst/>
-          </a:prstGeom>
-          <a:solidFill>
-            <a:schemeClr val="accent1">
-              <a:lumMod val="40000"/>
-              <a:lumOff val="60000"/>
-            </a:schemeClr>
-          </a:solidFill>
-          <a:ln cap="rnd">
-            <a:solidFill>
-              <a:srgbClr val="002060">
-                <a:alpha val="99000"/>
-              </a:srgbClr>
-            </a:solidFill>
-          </a:ln>
-        </p:spPr>
-        <p:txBody>
-          <a:bodyPr wrap="square" rtlCol="0">
-            <a:spAutoFit/>
-          </a:bodyPr>
-          <a:lstStyle/>
-          <a:p>
-            <a:r>
-              <a:rPr lang="en-US" dirty="0"/>
-              <a:t>Develop and implement mechanisms for preventing and detecting all kinds of fraud under PMJAY</a:t>
-            </a:r>
-            <a:endParaRPr lang="en-IN" dirty="0"/>
-          </a:p>
-        </p:txBody>
-      </p:sp>
-      <p:sp>
-        <p:nvSpPr>
-          <p:cNvPr id="17" name="TextBox 16">
-            <a:extLst>
-              <a:ext uri="{FF2B5EF4-FFF2-40B4-BE49-F238E27FC236}">
-                <a16:creationId xmlns:a16="http://schemas.microsoft.com/office/drawing/2014/main" id="{EC1D9E1D-5B10-6D7D-F03A-ACB8E5FDA03F}"/>
-              </a:ext>
-            </a:extLst>
-          </p:cNvPr>
-          <p:cNvSpPr txBox="1"/>
-          <p:nvPr/>
-        </p:nvSpPr>
-        <p:spPr>
-          <a:xfrm>
-            <a:off x="8549834" y="3105834"/>
-            <a:ext cx="1422253" cy="646331"/>
-          </a:xfrm>
-          <a:prstGeom prst="rect">
-            <a:avLst/>
-          </a:prstGeom>
-          <a:solidFill>
-            <a:schemeClr val="accent1">
-              <a:lumMod val="40000"/>
-              <a:lumOff val="60000"/>
-            </a:schemeClr>
-          </a:solidFill>
-          <a:ln cap="rnd">
-            <a:solidFill>
-              <a:srgbClr val="002060">
-                <a:alpha val="99000"/>
-              </a:srgbClr>
-            </a:solidFill>
-          </a:ln>
-        </p:spPr>
-        <p:txBody>
-          <a:bodyPr wrap="square" rtlCol="0">
-            <a:spAutoFit/>
-          </a:bodyPr>
-          <a:lstStyle/>
-          <a:p>
-            <a:r>
-              <a:rPr lang="en-IN" dirty="0"/>
-              <a:t>Data analytics </a:t>
-            </a:r>
-          </a:p>
-        </p:txBody>
-      </p:sp>
-      <p:sp>
-        <p:nvSpPr>
-          <p:cNvPr id="18" name="TextBox 17">
-            <a:extLst>
-              <a:ext uri="{FF2B5EF4-FFF2-40B4-BE49-F238E27FC236}">
-                <a16:creationId xmlns:a16="http://schemas.microsoft.com/office/drawing/2014/main" id="{56AA5EB3-BEE8-83DA-4633-40B9F3CC58EE}"/>
-              </a:ext>
-            </a:extLst>
-          </p:cNvPr>
-          <p:cNvSpPr txBox="1"/>
-          <p:nvPr/>
-        </p:nvSpPr>
-        <p:spPr>
-          <a:xfrm>
-            <a:off x="10231289" y="3105834"/>
-            <a:ext cx="1422253" cy="1477328"/>
-          </a:xfrm>
-          <a:prstGeom prst="rect">
-            <a:avLst/>
-          </a:prstGeom>
-          <a:solidFill>
-            <a:schemeClr val="accent1">
-              <a:lumMod val="40000"/>
-              <a:lumOff val="60000"/>
-            </a:schemeClr>
-          </a:solidFill>
-          <a:ln cap="rnd">
-            <a:solidFill>
-              <a:srgbClr val="002060">
-                <a:alpha val="99000"/>
-              </a:srgbClr>
-            </a:solidFill>
-          </a:ln>
-        </p:spPr>
-        <p:txBody>
-          <a:bodyPr wrap="square" rtlCol="0">
-            <a:spAutoFit/>
-          </a:bodyPr>
-          <a:lstStyle/>
-          <a:p>
-            <a:r>
-              <a:rPr lang="en-IN" dirty="0"/>
-              <a:t>Contract design, management and enforcement</a:t>
-            </a:r>
-          </a:p>
-        </p:txBody>
-      </p:sp>
-      <p:cxnSp>
-        <p:nvCxnSpPr>
-          <p:cNvPr id="19" name="Straight Arrow Connector 18">
-            <a:extLst>
-              <a:ext uri="{FF2B5EF4-FFF2-40B4-BE49-F238E27FC236}">
-                <a16:creationId xmlns:a16="http://schemas.microsoft.com/office/drawing/2014/main" id="{AB251347-D387-851D-072D-872F18E0955E}"/>
-              </a:ext>
-            </a:extLst>
-          </p:cNvPr>
-          <p:cNvCxnSpPr>
-            <a:cxnSpLocks/>
-          </p:cNvCxnSpPr>
-          <p:nvPr/>
-        </p:nvCxnSpPr>
-        <p:spPr>
-          <a:xfrm>
-            <a:off x="7670220" y="2389385"/>
-            <a:ext cx="0" cy="726316"/>
-          </a:xfrm>
-          <a:prstGeom prst="straightConnector1">
-            <a:avLst/>
-          </a:prstGeom>
-          <a:ln w="38100">
-            <a:solidFill>
-              <a:srgbClr val="002060"/>
-            </a:solidFill>
-            <a:tailEnd type="triangle"/>
-          </a:ln>
-        </p:spPr>
-        <p:style>
-          <a:lnRef idx="1">
-            <a:schemeClr val="accent1"/>
-          </a:lnRef>
-          <a:fillRef idx="0">
-            <a:schemeClr val="accent1"/>
-          </a:fillRef>
-          <a:effectRef idx="0">
-            <a:schemeClr val="accent1"/>
-          </a:effectRef>
-          <a:fontRef idx="minor">
-            <a:schemeClr val="tx1"/>
-          </a:fontRef>
-        </p:style>
-      </p:cxnSp>
-      <p:cxnSp>
-        <p:nvCxnSpPr>
-          <p:cNvPr id="20" name="Straight Arrow Connector 19">
-            <a:extLst>
-              <a:ext uri="{FF2B5EF4-FFF2-40B4-BE49-F238E27FC236}">
-                <a16:creationId xmlns:a16="http://schemas.microsoft.com/office/drawing/2014/main" id="{E5067929-2F4C-1DA4-6148-ED5CEE08E949}"/>
-              </a:ext>
-            </a:extLst>
-          </p:cNvPr>
-          <p:cNvCxnSpPr>
-            <a:cxnSpLocks/>
-          </p:cNvCxnSpPr>
-          <p:nvPr/>
-        </p:nvCxnSpPr>
-        <p:spPr>
-          <a:xfrm>
-            <a:off x="9059138" y="2389385"/>
-            <a:ext cx="0" cy="726316"/>
-          </a:xfrm>
-          <a:prstGeom prst="straightConnector1">
-            <a:avLst/>
-          </a:prstGeom>
-          <a:ln w="38100">
-            <a:solidFill>
-              <a:srgbClr val="002060"/>
-            </a:solidFill>
-            <a:tailEnd type="triangle"/>
-          </a:ln>
-        </p:spPr>
-        <p:style>
-          <a:lnRef idx="1">
-            <a:schemeClr val="accent1"/>
-          </a:lnRef>
-          <a:fillRef idx="0">
-            <a:schemeClr val="accent1"/>
-          </a:fillRef>
-          <a:effectRef idx="0">
-            <a:schemeClr val="accent1"/>
-          </a:effectRef>
-          <a:fontRef idx="minor">
-            <a:schemeClr val="tx1"/>
-          </a:fontRef>
-        </p:style>
-      </p:cxnSp>
-      <p:cxnSp>
-        <p:nvCxnSpPr>
-          <p:cNvPr id="21" name="Straight Arrow Connector 20">
-            <a:extLst>
-              <a:ext uri="{FF2B5EF4-FFF2-40B4-BE49-F238E27FC236}">
-                <a16:creationId xmlns:a16="http://schemas.microsoft.com/office/drawing/2014/main" id="{0DB00381-8CCB-0489-F3AE-87EF3E63AA29}"/>
-              </a:ext>
-            </a:extLst>
-          </p:cNvPr>
-          <p:cNvCxnSpPr>
-            <a:cxnSpLocks/>
-          </p:cNvCxnSpPr>
-          <p:nvPr/>
-        </p:nvCxnSpPr>
-        <p:spPr>
-          <a:xfrm>
-            <a:off x="10832520" y="2366710"/>
-            <a:ext cx="0" cy="726316"/>
-          </a:xfrm>
-          <a:prstGeom prst="straightConnector1">
-            <a:avLst/>
-          </a:prstGeom>
-          <a:ln w="38100">
-            <a:solidFill>
-              <a:srgbClr val="002060"/>
-            </a:solidFill>
-            <a:tailEnd type="triangle"/>
-          </a:ln>
-        </p:spPr>
-        <p:style>
-          <a:lnRef idx="1">
-            <a:schemeClr val="accent1"/>
-          </a:lnRef>
-          <a:fillRef idx="0">
-            <a:schemeClr val="accent1"/>
-          </a:fillRef>
-          <a:effectRef idx="0">
-            <a:schemeClr val="accent1"/>
-          </a:effectRef>
-          <a:fontRef idx="minor">
-            <a:schemeClr val="tx1"/>
-          </a:fontRef>
-        </p:style>
-      </p:cxnSp>
-      <p:sp>
-        <p:nvSpPr>
-          <p:cNvPr id="9" name="TextBox 8">
-            <a:extLst>
-              <a:ext uri="{FF2B5EF4-FFF2-40B4-BE49-F238E27FC236}">
-                <a16:creationId xmlns:a16="http://schemas.microsoft.com/office/drawing/2014/main" id="{26E66713-B46F-82F9-663C-48C1C0D57FF6}"/>
-              </a:ext>
-            </a:extLst>
-          </p:cNvPr>
-          <p:cNvSpPr txBox="1"/>
-          <p:nvPr/>
-        </p:nvSpPr>
-        <p:spPr>
-          <a:xfrm>
-            <a:off x="8551630" y="4780344"/>
-            <a:ext cx="1221459" cy="1015663"/>
-          </a:xfrm>
-          <a:prstGeom prst="rect">
-            <a:avLst/>
-          </a:prstGeom>
-          <a:noFill/>
-        </p:spPr>
-        <p:txBody>
-          <a:bodyPr wrap="square" rtlCol="0">
-            <a:spAutoFit/>
-          </a:bodyPr>
-          <a:lstStyle/>
-          <a:p>
-            <a:r>
-              <a:rPr lang="en-US" sz="2000" dirty="0"/>
-              <a:t>Data architect by ADRI</a:t>
-            </a:r>
-            <a:endParaRPr lang="en-IN" sz="2000" dirty="0"/>
-          </a:p>
-        </p:txBody>
-      </p:sp>
-    </p:spTree>
-    <p:extLst>
-      <p:ext uri="{BB962C8B-B14F-4D97-AF65-F5344CB8AC3E}">
-        <p14:creationId xmlns:p14="http://schemas.microsoft.com/office/powerpoint/2010/main" val="3648190911"/>
-      </p:ext>
-    </p:extLst>
-  </p:cSld>
-  <p:clrMapOvr>
-    <a:masterClrMapping/>
-  </p:clrMapOvr>
-</p:sld>
-</file>
-
-<file path=ppt/slides/slide5.xml><?xml version="1.0" encoding="utf-8"?>
 <p:sld xmlns:a="http://schemas.openxmlformats.org/drawingml/2006/main" xmlns:r="http://schemas.openxmlformats.org/officeDocument/2006/relationships" xmlns:p="http://schemas.openxmlformats.org/presentationml/2006/main">
   <p:cSld>
     <p:spTree>
@@ -8922,540 +6801,6 @@
       </p:grpSpPr>
       <p:sp>
         <p:nvSpPr>
-          <p:cNvPr id="2" name="Title 1">
-            <a:extLst>
-              <a:ext uri="{FF2B5EF4-FFF2-40B4-BE49-F238E27FC236}">
-                <a16:creationId xmlns:a16="http://schemas.microsoft.com/office/drawing/2014/main" id="{E5271B3E-960C-27FD-6609-EB7A763DF819}"/>
-              </a:ext>
-            </a:extLst>
-          </p:cNvPr>
-          <p:cNvSpPr>
-            <a:spLocks noGrp="1"/>
-          </p:cNvSpPr>
-          <p:nvPr>
-            <p:ph type="title"/>
-          </p:nvPr>
-        </p:nvSpPr>
-        <p:spPr>
-          <a:xfrm>
-            <a:off x="370389" y="365125"/>
-            <a:ext cx="11493661" cy="1325563"/>
-          </a:xfrm>
-        </p:spPr>
-        <p:txBody>
-          <a:bodyPr>
-            <a:normAutofit/>
-          </a:bodyPr>
-          <a:lstStyle/>
-          <a:p>
-            <a:r>
-              <a:rPr lang="en-US" sz="4000" dirty="0">
-                <a:latin typeface="Times New Roman" panose="02020603050405020304" pitchFamily="18" charset="0"/>
-                <a:cs typeface="Times New Roman" panose="02020603050405020304" pitchFamily="18" charset="0"/>
-              </a:rPr>
-              <a:t>Use of IT in Anti-Fraud Efforts </a:t>
-            </a:r>
-            <a:r>
-              <a:rPr lang="en-US" sz="2800" dirty="0">
-                <a:latin typeface="Times New Roman" panose="02020603050405020304" pitchFamily="18" charset="0"/>
-                <a:cs typeface="Times New Roman" panose="02020603050405020304" pitchFamily="18" charset="0"/>
-              </a:rPr>
-              <a:t>(</a:t>
-            </a:r>
-            <a:r>
-              <a:rPr lang="en-IN" sz="2800" dirty="0">
-                <a:latin typeface="Times New Roman" panose="02020603050405020304" pitchFamily="18" charset="0"/>
-                <a:cs typeface="Times New Roman" panose="02020603050405020304" pitchFamily="18" charset="0"/>
-              </a:rPr>
-              <a:t>Joint venture with ADRI team)</a:t>
-            </a:r>
-            <a:endParaRPr lang="en-IN" sz="3200" dirty="0">
-              <a:latin typeface="Times New Roman" panose="02020603050405020304" pitchFamily="18" charset="0"/>
-              <a:cs typeface="Times New Roman" panose="02020603050405020304" pitchFamily="18" charset="0"/>
-            </a:endParaRPr>
-          </a:p>
-        </p:txBody>
-      </p:sp>
-      <p:sp>
-        <p:nvSpPr>
-          <p:cNvPr id="3" name="Content Placeholder 2">
-            <a:extLst>
-              <a:ext uri="{FF2B5EF4-FFF2-40B4-BE49-F238E27FC236}">
-                <a16:creationId xmlns:a16="http://schemas.microsoft.com/office/drawing/2014/main" id="{0BC8A788-E3A4-3CCB-78BE-AA410BC8B586}"/>
-              </a:ext>
-            </a:extLst>
-          </p:cNvPr>
-          <p:cNvSpPr>
-            <a:spLocks noGrp="1"/>
-          </p:cNvSpPr>
-          <p:nvPr>
-            <p:ph idx="1"/>
-          </p:nvPr>
-        </p:nvSpPr>
-        <p:spPr>
-          <a:xfrm>
-            <a:off x="838200" y="1597025"/>
-            <a:ext cx="10515600" cy="4351338"/>
-          </a:xfrm>
-        </p:spPr>
-        <p:txBody>
-          <a:bodyPr/>
-          <a:lstStyle/>
-          <a:p>
-            <a:r>
-              <a:rPr lang="en-US" sz="3200" dirty="0">
-                <a:latin typeface="Times New Roman" panose="02020603050405020304" pitchFamily="18" charset="0"/>
-                <a:cs typeface="Times New Roman" panose="02020603050405020304" pitchFamily="18" charset="0"/>
-              </a:rPr>
-              <a:t>IT infrastructure for detecting fraud</a:t>
-            </a:r>
-          </a:p>
-          <a:p>
-            <a:pPr lvl="1"/>
-            <a:r>
-              <a:rPr lang="en-IN" sz="2800" dirty="0">
-                <a:latin typeface="Times New Roman" panose="02020603050405020304" pitchFamily="18" charset="0"/>
-                <a:cs typeface="Times New Roman" panose="02020603050405020304" pitchFamily="18" charset="0"/>
-              </a:rPr>
-              <a:t>Fraud triggers</a:t>
-            </a:r>
-            <a:endParaRPr lang="en-US" sz="2800" dirty="0">
-              <a:latin typeface="Times New Roman" panose="02020603050405020304" pitchFamily="18" charset="0"/>
-              <a:cs typeface="Times New Roman" panose="02020603050405020304" pitchFamily="18" charset="0"/>
-            </a:endParaRPr>
-          </a:p>
-          <a:p>
-            <a:pPr lvl="2"/>
-            <a:r>
-              <a:rPr lang="en-IN" sz="2400" dirty="0">
-                <a:latin typeface="Times New Roman" panose="02020603050405020304" pitchFamily="18" charset="0"/>
-                <a:cs typeface="Times New Roman" panose="02020603050405020304" pitchFamily="18" charset="0"/>
-              </a:rPr>
-              <a:t>Data mining and analytics</a:t>
-            </a:r>
-          </a:p>
-          <a:p>
-            <a:pPr lvl="2"/>
-            <a:r>
-              <a:rPr lang="en-US" sz="2400" dirty="0">
-                <a:latin typeface="Times New Roman" panose="02020603050405020304" pitchFamily="18" charset="0"/>
-                <a:cs typeface="Times New Roman" panose="02020603050405020304" pitchFamily="18" charset="0"/>
-              </a:rPr>
-              <a:t>Automated tools to assist in fraud management</a:t>
-            </a:r>
-          </a:p>
-          <a:p>
-            <a:endParaRPr lang="en-US" dirty="0">
-              <a:latin typeface="Times New Roman" panose="02020603050405020304" pitchFamily="18" charset="0"/>
-              <a:cs typeface="Times New Roman" panose="02020603050405020304" pitchFamily="18" charset="0"/>
-            </a:endParaRPr>
-          </a:p>
-          <a:p>
-            <a:pPr marL="0" indent="0" algn="just">
-              <a:buNone/>
-            </a:pPr>
-            <a:endParaRPr lang="en-US" dirty="0">
-              <a:latin typeface="Times New Roman" panose="02020603050405020304" pitchFamily="18" charset="0"/>
-              <a:cs typeface="Times New Roman" panose="02020603050405020304" pitchFamily="18" charset="0"/>
-            </a:endParaRPr>
-          </a:p>
-          <a:p>
-            <a:pPr marL="0" indent="0" algn="just">
-              <a:buNone/>
-            </a:pPr>
-            <a:r>
-              <a:rPr lang="en-US" i="1" dirty="0">
-                <a:latin typeface="Times New Roman" panose="02020603050405020304" pitchFamily="18" charset="0"/>
-                <a:cs typeface="Times New Roman" panose="02020603050405020304" pitchFamily="18" charset="0"/>
-              </a:rPr>
-              <a:t>[Development on Day-to-day overall report through dashboard]</a:t>
-            </a:r>
-            <a:endParaRPr lang="en-IN" i="1" dirty="0">
-              <a:latin typeface="Times New Roman" panose="02020603050405020304" pitchFamily="18" charset="0"/>
-              <a:cs typeface="Times New Roman" panose="02020603050405020304" pitchFamily="18" charset="0"/>
-            </a:endParaRPr>
-          </a:p>
-        </p:txBody>
-      </p:sp>
-    </p:spTree>
-    <p:extLst>
-      <p:ext uri="{BB962C8B-B14F-4D97-AF65-F5344CB8AC3E}">
-        <p14:creationId xmlns:p14="http://schemas.microsoft.com/office/powerpoint/2010/main" val="1641153244"/>
-      </p:ext>
-    </p:extLst>
-  </p:cSld>
-  <p:clrMapOvr>
-    <a:masterClrMapping/>
-  </p:clrMapOvr>
-</p:sld>
-</file>
-
-<file path=ppt/slides/slide6.xml><?xml version="1.0" encoding="utf-8"?>
-<p:sld xmlns:a="http://schemas.openxmlformats.org/drawingml/2006/main" xmlns:r="http://schemas.openxmlformats.org/officeDocument/2006/relationships" xmlns:p="http://schemas.openxmlformats.org/presentationml/2006/main">
-  <p:cSld>
-    <p:spTree>
-      <p:nvGrpSpPr>
-        <p:cNvPr id="1" name=""/>
-        <p:cNvGrpSpPr/>
-        <p:nvPr/>
-      </p:nvGrpSpPr>
-      <p:grpSpPr>
-        <a:xfrm>
-          <a:off x="0" y="0"/>
-          <a:ext cx="0" cy="0"/>
-          <a:chOff x="0" y="0"/>
-          <a:chExt cx="0" cy="0"/>
-        </a:xfrm>
-      </p:grpSpPr>
-      <p:sp>
-        <p:nvSpPr>
-          <p:cNvPr id="2" name="Title 1">
-            <a:extLst>
-              <a:ext uri="{FF2B5EF4-FFF2-40B4-BE49-F238E27FC236}">
-                <a16:creationId xmlns:a16="http://schemas.microsoft.com/office/drawing/2014/main" id="{2448EE62-78D8-9D87-1038-BEF8762046A6}"/>
-              </a:ext>
-            </a:extLst>
-          </p:cNvPr>
-          <p:cNvSpPr>
-            <a:spLocks noGrp="1"/>
-          </p:cNvSpPr>
-          <p:nvPr>
-            <p:ph type="title"/>
-          </p:nvPr>
-        </p:nvSpPr>
-        <p:spPr/>
-        <p:txBody>
-          <a:bodyPr>
-            <a:normAutofit/>
-          </a:bodyPr>
-          <a:lstStyle/>
-          <a:p>
-            <a:r>
-              <a:rPr lang="en-IN" sz="3600" dirty="0">
-                <a:latin typeface="Times New Roman" panose="02020603050405020304" pitchFamily="18" charset="0"/>
-                <a:cs typeface="Times New Roman" panose="02020603050405020304" pitchFamily="18" charset="0"/>
-              </a:rPr>
-              <a:t>In the area “Data mining and analytics” (Main focus)</a:t>
-            </a:r>
-          </a:p>
-        </p:txBody>
-      </p:sp>
-      <p:sp>
-        <p:nvSpPr>
-          <p:cNvPr id="3" name="Content Placeholder 2">
-            <a:extLst>
-              <a:ext uri="{FF2B5EF4-FFF2-40B4-BE49-F238E27FC236}">
-                <a16:creationId xmlns:a16="http://schemas.microsoft.com/office/drawing/2014/main" id="{4D147116-BEEE-4E04-AC93-1111F72FE060}"/>
-              </a:ext>
-            </a:extLst>
-          </p:cNvPr>
-          <p:cNvSpPr>
-            <a:spLocks noGrp="1"/>
-          </p:cNvSpPr>
-          <p:nvPr>
-            <p:ph idx="1"/>
-          </p:nvPr>
-        </p:nvSpPr>
-        <p:spPr/>
-        <p:txBody>
-          <a:bodyPr/>
-          <a:lstStyle/>
-          <a:p>
-            <a:pPr marL="457200" lvl="1" indent="0" algn="just">
-              <a:buNone/>
-            </a:pPr>
-            <a:endParaRPr lang="en-US" dirty="0">
-              <a:latin typeface="Times New Roman" panose="02020603050405020304" pitchFamily="18" charset="0"/>
-              <a:cs typeface="Times New Roman" panose="02020603050405020304" pitchFamily="18" charset="0"/>
-            </a:endParaRPr>
-          </a:p>
-          <a:p>
-            <a:pPr lvl="1" algn="just"/>
-            <a:r>
-              <a:rPr lang="en-US" dirty="0">
-                <a:latin typeface="Times New Roman" panose="02020603050405020304" pitchFamily="18" charset="0"/>
-                <a:cs typeface="Times New Roman" panose="02020603050405020304" pitchFamily="18" charset="0"/>
-              </a:rPr>
-              <a:t>In prospective analysis: to analyze current data through dashboard to determine the legitimacy of claims</a:t>
-            </a:r>
-          </a:p>
-          <a:p>
-            <a:pPr marL="457200" lvl="1" indent="0" algn="just">
-              <a:buNone/>
-            </a:pPr>
-            <a:endParaRPr lang="en-IN" dirty="0">
-              <a:latin typeface="Times New Roman" panose="02020603050405020304" pitchFamily="18" charset="0"/>
-              <a:cs typeface="Times New Roman" panose="02020603050405020304" pitchFamily="18" charset="0"/>
-            </a:endParaRPr>
-          </a:p>
-          <a:p>
-            <a:pPr lvl="1"/>
-            <a:r>
-              <a:rPr lang="en-US" dirty="0">
-                <a:latin typeface="Times New Roman" panose="02020603050405020304" pitchFamily="18" charset="0"/>
-                <a:cs typeface="Times New Roman" panose="02020603050405020304" pitchFamily="18" charset="0"/>
-              </a:rPr>
-              <a:t>In retrospective analysis: to identify patterns of fraudulent behavior based on historical information</a:t>
-            </a:r>
-            <a:endParaRPr lang="en-IN" dirty="0"/>
-          </a:p>
-        </p:txBody>
-      </p:sp>
-    </p:spTree>
-    <p:extLst>
-      <p:ext uri="{BB962C8B-B14F-4D97-AF65-F5344CB8AC3E}">
-        <p14:creationId xmlns:p14="http://schemas.microsoft.com/office/powerpoint/2010/main" val="2477603777"/>
-      </p:ext>
-    </p:extLst>
-  </p:cSld>
-  <p:clrMapOvr>
-    <a:masterClrMapping/>
-  </p:clrMapOvr>
-</p:sld>
-</file>
-
-<file path=ppt/slides/slide7.xml><?xml version="1.0" encoding="utf-8"?>
-<p:sld xmlns:a="http://schemas.openxmlformats.org/drawingml/2006/main" xmlns:r="http://schemas.openxmlformats.org/officeDocument/2006/relationships" xmlns:p="http://schemas.openxmlformats.org/presentationml/2006/main">
-  <p:cSld>
-    <p:spTree>
-      <p:nvGrpSpPr>
-        <p:cNvPr id="1" name=""/>
-        <p:cNvGrpSpPr/>
-        <p:nvPr/>
-      </p:nvGrpSpPr>
-      <p:grpSpPr>
-        <a:xfrm>
-          <a:off x="0" y="0"/>
-          <a:ext cx="0" cy="0"/>
-          <a:chOff x="0" y="0"/>
-          <a:chExt cx="0" cy="0"/>
-        </a:xfrm>
-      </p:grpSpPr>
-      <p:sp>
-        <p:nvSpPr>
-          <p:cNvPr id="2" name="Title 1">
-            <a:extLst>
-              <a:ext uri="{FF2B5EF4-FFF2-40B4-BE49-F238E27FC236}">
-                <a16:creationId xmlns:a16="http://schemas.microsoft.com/office/drawing/2014/main" id="{CC5EA458-3D6E-B491-EAFD-0D07AC7C9D20}"/>
-              </a:ext>
-            </a:extLst>
-          </p:cNvPr>
-          <p:cNvSpPr>
-            <a:spLocks noGrp="1"/>
-          </p:cNvSpPr>
-          <p:nvPr>
-            <p:ph type="title"/>
-          </p:nvPr>
-        </p:nvSpPr>
-        <p:spPr/>
-        <p:txBody>
-          <a:bodyPr>
-            <a:normAutofit/>
-          </a:bodyPr>
-          <a:lstStyle/>
-          <a:p>
-            <a:r>
-              <a:rPr lang="en-IN" sz="3200" dirty="0">
-                <a:latin typeface="Times New Roman" panose="02020603050405020304" pitchFamily="18" charset="0"/>
-                <a:cs typeface="Times New Roman" panose="02020603050405020304" pitchFamily="18" charset="0"/>
-              </a:rPr>
-              <a:t>Initial plan for designing dashboard on AB-PMJAY Bihar fraud detection (From ADRI) based on four options</a:t>
-            </a:r>
-          </a:p>
-        </p:txBody>
-      </p:sp>
-      <p:sp>
-        <p:nvSpPr>
-          <p:cNvPr id="3" name="Content Placeholder 2">
-            <a:extLst>
-              <a:ext uri="{FF2B5EF4-FFF2-40B4-BE49-F238E27FC236}">
-                <a16:creationId xmlns:a16="http://schemas.microsoft.com/office/drawing/2014/main" id="{EF69E86D-5ACF-8796-3489-96C57A3646F7}"/>
-              </a:ext>
-            </a:extLst>
-          </p:cNvPr>
-          <p:cNvSpPr>
-            <a:spLocks noGrp="1"/>
-          </p:cNvSpPr>
-          <p:nvPr>
-            <p:ph idx="1"/>
-          </p:nvPr>
-        </p:nvSpPr>
-        <p:spPr>
-          <a:xfrm>
-            <a:off x="838200" y="1956121"/>
-            <a:ext cx="10515600" cy="4039565"/>
-          </a:xfrm>
-        </p:spPr>
-        <p:txBody>
-          <a:bodyPr>
-            <a:normAutofit/>
-          </a:bodyPr>
-          <a:lstStyle/>
-          <a:p>
-            <a:r>
-              <a:rPr lang="en-US" sz="3200" kern="100" dirty="0">
-                <a:effectLst/>
-                <a:latin typeface="Times New Roman" panose="02020603050405020304" pitchFamily="18" charset="0"/>
-                <a:ea typeface="Calibri" panose="020F0502020204030204" pitchFamily="34" charset="0"/>
-                <a:cs typeface="Times New Roman" panose="02020603050405020304" pitchFamily="18" charset="0"/>
-              </a:rPr>
-              <a:t>Patient Admitted in Watchlist Hospitals</a:t>
-            </a:r>
-          </a:p>
-          <a:p>
-            <a:r>
-              <a:rPr lang="en-US" sz="3200" kern="100" dirty="0">
-                <a:effectLst/>
-                <a:latin typeface="Times New Roman" panose="02020603050405020304" pitchFamily="18" charset="0"/>
-                <a:ea typeface="Calibri" panose="020F0502020204030204" pitchFamily="34" charset="0"/>
-                <a:cs typeface="Times New Roman" panose="02020603050405020304" pitchFamily="18" charset="0"/>
-              </a:rPr>
-              <a:t>High value claims</a:t>
-            </a:r>
-          </a:p>
-          <a:p>
-            <a:r>
-              <a:rPr lang="en-US" sz="3200" kern="100" dirty="0">
-                <a:effectLst/>
-                <a:latin typeface="Times New Roman" panose="02020603050405020304" pitchFamily="18" charset="0"/>
-                <a:ea typeface="Calibri" panose="020F0502020204030204" pitchFamily="34" charset="0"/>
-                <a:cs typeface="Times New Roman" panose="02020603050405020304" pitchFamily="18" charset="0"/>
-              </a:rPr>
-              <a:t>Hospital Bed Cases</a:t>
-            </a:r>
-          </a:p>
-          <a:p>
-            <a:r>
-              <a:rPr lang="en-US" sz="3200" kern="100" dirty="0">
-                <a:effectLst/>
-                <a:latin typeface="Times New Roman" panose="02020603050405020304" pitchFamily="18" charset="0"/>
-                <a:ea typeface="Calibri" panose="020F0502020204030204" pitchFamily="34" charset="0"/>
-                <a:cs typeface="Times New Roman" panose="02020603050405020304" pitchFamily="18" charset="0"/>
-              </a:rPr>
-              <a:t>Family ID Cases</a:t>
-            </a:r>
-          </a:p>
-          <a:p>
-            <a:r>
-              <a:rPr lang="en-US" sz="3200" kern="100" dirty="0">
-                <a:latin typeface="Times New Roman" panose="02020603050405020304" pitchFamily="18" charset="0"/>
-                <a:ea typeface="Calibri" panose="020F0502020204030204" pitchFamily="34" charset="0"/>
-                <a:cs typeface="Times New Roman" panose="02020603050405020304" pitchFamily="18" charset="0"/>
-              </a:rPr>
-              <a:t>Geographic Anomalies</a:t>
-            </a:r>
-          </a:p>
-          <a:p>
-            <a:r>
-              <a:rPr lang="en-US" sz="3200" kern="100" dirty="0" err="1">
-                <a:effectLst/>
-                <a:latin typeface="Times New Roman" panose="02020603050405020304" pitchFamily="18" charset="0"/>
-                <a:ea typeface="Calibri" panose="020F0502020204030204" pitchFamily="34" charset="0"/>
-                <a:cs typeface="Times New Roman" panose="02020603050405020304" pitchFamily="18" charset="0"/>
-              </a:rPr>
-              <a:t>Opthalmolog</a:t>
-            </a:r>
-            <a:r>
-              <a:rPr lang="en-US" sz="3200" kern="100" dirty="0" err="1">
-                <a:latin typeface="Times New Roman" panose="02020603050405020304" pitchFamily="18" charset="0"/>
-                <a:ea typeface="Calibri" panose="020F0502020204030204" pitchFamily="34" charset="0"/>
-                <a:cs typeface="Times New Roman" panose="02020603050405020304" pitchFamily="18" charset="0"/>
-              </a:rPr>
-              <a:t>y</a:t>
-            </a:r>
-            <a:r>
-              <a:rPr lang="en-US" sz="3200" kern="100" dirty="0">
-                <a:latin typeface="Times New Roman" panose="02020603050405020304" pitchFamily="18" charset="0"/>
-                <a:ea typeface="Calibri" panose="020F0502020204030204" pitchFamily="34" charset="0"/>
-                <a:cs typeface="Times New Roman" panose="02020603050405020304" pitchFamily="18" charset="0"/>
-              </a:rPr>
-              <a:t> (Cataract)</a:t>
-            </a:r>
-            <a:endParaRPr lang="en-US" sz="3200" kern="100" dirty="0">
-              <a:effectLst/>
-              <a:latin typeface="Times New Roman" panose="02020603050405020304" pitchFamily="18" charset="0"/>
-              <a:ea typeface="Calibri" panose="020F0502020204030204" pitchFamily="34" charset="0"/>
-              <a:cs typeface="Times New Roman" panose="02020603050405020304" pitchFamily="18" charset="0"/>
-            </a:endParaRPr>
-          </a:p>
-          <a:p>
-            <a:pPr marL="0" indent="0">
-              <a:buNone/>
-            </a:pPr>
-            <a:endParaRPr lang="en-US" sz="3200" kern="100" dirty="0">
-              <a:effectLst/>
-              <a:latin typeface="Times New Roman" panose="02020603050405020304" pitchFamily="18" charset="0"/>
-              <a:ea typeface="Calibri" panose="020F0502020204030204" pitchFamily="34" charset="0"/>
-              <a:cs typeface="Times New Roman" panose="02020603050405020304" pitchFamily="18" charset="0"/>
-            </a:endParaRPr>
-          </a:p>
-          <a:p>
-            <a:endParaRPr lang="en-US" sz="3200" kern="100" dirty="0">
-              <a:effectLst/>
-              <a:latin typeface="Times New Roman" panose="02020603050405020304" pitchFamily="18" charset="0"/>
-              <a:ea typeface="Calibri" panose="020F0502020204030204" pitchFamily="34" charset="0"/>
-              <a:cs typeface="Times New Roman" panose="02020603050405020304" pitchFamily="18" charset="0"/>
-            </a:endParaRPr>
-          </a:p>
-          <a:p>
-            <a:endParaRPr lang="en-US" sz="3200" kern="100" dirty="0">
-              <a:effectLst/>
-              <a:latin typeface="Times New Roman" panose="02020603050405020304" pitchFamily="18" charset="0"/>
-              <a:ea typeface="Calibri" panose="020F0502020204030204" pitchFamily="34" charset="0"/>
-              <a:cs typeface="Times New Roman" panose="02020603050405020304" pitchFamily="18" charset="0"/>
-            </a:endParaRPr>
-          </a:p>
-          <a:p>
-            <a:pPr marL="457200" lvl="1" indent="0">
-              <a:buNone/>
-            </a:pPr>
-            <a:endParaRPr lang="en-IN" sz="2800" kern="100" dirty="0">
-              <a:effectLst/>
-              <a:latin typeface="Times New Roman" panose="02020603050405020304" pitchFamily="18" charset="0"/>
-              <a:ea typeface="Calibri" panose="020F0502020204030204" pitchFamily="34" charset="0"/>
-              <a:cs typeface="Times New Roman" panose="02020603050405020304" pitchFamily="18" charset="0"/>
-            </a:endParaRPr>
-          </a:p>
-          <a:p>
-            <a:pPr marL="0" indent="0">
-              <a:buNone/>
-            </a:pPr>
-            <a:endParaRPr lang="en-IN" dirty="0"/>
-          </a:p>
-        </p:txBody>
-      </p:sp>
-    </p:spTree>
-    <p:extLst>
-      <p:ext uri="{BB962C8B-B14F-4D97-AF65-F5344CB8AC3E}">
-        <p14:creationId xmlns:p14="http://schemas.microsoft.com/office/powerpoint/2010/main" val="4133484266"/>
-      </p:ext>
-    </p:extLst>
-  </p:cSld>
-  <p:clrMapOvr>
-    <a:masterClrMapping/>
-  </p:clrMapOvr>
-</p:sld>
-</file>
-
-<file path=ppt/slides/slide8.xml><?xml version="1.0" encoding="utf-8"?>
-<p:sld xmlns:a="http://schemas.openxmlformats.org/drawingml/2006/main" xmlns:r="http://schemas.openxmlformats.org/officeDocument/2006/relationships" xmlns:p="http://schemas.openxmlformats.org/presentationml/2006/main">
-  <p:cSld>
-    <p:spTree>
-      <p:nvGrpSpPr>
-        <p:cNvPr id="1" name=""/>
-        <p:cNvGrpSpPr/>
-        <p:nvPr/>
-      </p:nvGrpSpPr>
-      <p:grpSpPr>
-        <a:xfrm>
-          <a:off x="0" y="0"/>
-          <a:ext cx="0" cy="0"/>
-          <a:chOff x="0" y="0"/>
-          <a:chExt cx="0" cy="0"/>
-        </a:xfrm>
-      </p:grpSpPr>
-      <p:sp>
-        <p:nvSpPr>
           <p:cNvPr id="22" name="Rectangle 21">
             <a:extLst>
               <a:ext uri="{FF2B5EF4-FFF2-40B4-BE49-F238E27FC236}">
@@ -9513,8 +6858,8 @@
         </p:nvSpPr>
         <p:spPr>
           <a:xfrm>
-            <a:off x="1169043" y="416689"/>
-            <a:ext cx="7974957" cy="3102015"/>
+            <a:off x="1656427" y="872538"/>
+            <a:ext cx="7335860" cy="2615405"/>
           </a:xfrm>
           <a:prstGeom prst="rect">
             <a:avLst/>
@@ -9558,7 +6903,7 @@
         </p:nvSpPr>
         <p:spPr>
           <a:xfrm>
-            <a:off x="1298294" y="1400538"/>
+            <a:off x="2011101" y="1723703"/>
             <a:ext cx="2071868" cy="646331"/>
           </a:xfrm>
           <a:prstGeom prst="rect">
@@ -9604,7 +6949,7 @@
         </p:nvSpPr>
         <p:spPr>
           <a:xfrm>
-            <a:off x="4795776" y="614589"/>
+            <a:off x="5060066" y="1152752"/>
             <a:ext cx="2071868" cy="646331"/>
           </a:xfrm>
           <a:prstGeom prst="rect">
@@ -9650,7 +6995,7 @@
         </p:nvSpPr>
         <p:spPr>
           <a:xfrm>
-            <a:off x="4795776" y="2046869"/>
+            <a:off x="5562850" y="2356960"/>
             <a:ext cx="2071868" cy="923330"/>
           </a:xfrm>
           <a:prstGeom prst="rect">
@@ -9699,8 +7044,8 @@
         </p:nvCxnSpPr>
         <p:spPr>
           <a:xfrm flipV="1">
-            <a:off x="3370162" y="937755"/>
-            <a:ext cx="1425614" cy="785949"/>
+            <a:off x="4082969" y="1475918"/>
+            <a:ext cx="977097" cy="570951"/>
           </a:xfrm>
           <a:prstGeom prst="straightConnector1">
             <a:avLst/>
@@ -9741,7 +7086,7 @@
         </p:nvCxnSpPr>
         <p:spPr>
           <a:xfrm>
-            <a:off x="3370162" y="1851949"/>
+            <a:off x="4137236" y="2162040"/>
             <a:ext cx="1425614" cy="656585"/>
           </a:xfrm>
           <a:prstGeom prst="straightConnector1">
@@ -9780,8 +7125,8 @@
         </p:nvSpPr>
         <p:spPr>
           <a:xfrm>
-            <a:off x="6867644" y="2978601"/>
-            <a:ext cx="2147105" cy="461665"/>
+            <a:off x="7964128" y="1646763"/>
+            <a:ext cx="2453773" cy="461665"/>
           </a:xfrm>
           <a:prstGeom prst="rect">
             <a:avLst/>
@@ -9953,7 +7298,7 @@
         </p:nvSpPr>
         <p:spPr>
           <a:xfrm>
-            <a:off x="6867644" y="5360954"/>
+            <a:off x="7981704" y="4735992"/>
             <a:ext cx="2512673" cy="461665"/>
           </a:xfrm>
           <a:prstGeom prst="rect">
@@ -10074,6 +7419,41 @@
           </a:fontRef>
         </p:style>
       </p:cxnSp>
+      <p:sp>
+        <p:nvSpPr>
+          <p:cNvPr id="3" name="TextBox 2">
+            <a:extLst>
+              <a:ext uri="{FF2B5EF4-FFF2-40B4-BE49-F238E27FC236}">
+                <a16:creationId xmlns:a16="http://schemas.microsoft.com/office/drawing/2014/main" id="{C44BC65A-D1CF-86F4-36A6-61CD0B1015A6}"/>
+              </a:ext>
+            </a:extLst>
+          </p:cNvPr>
+          <p:cNvSpPr txBox="1"/>
+          <p:nvPr/>
+        </p:nvSpPr>
+        <p:spPr>
+          <a:xfrm>
+            <a:off x="501445" y="101175"/>
+            <a:ext cx="11021961" cy="523220"/>
+          </a:xfrm>
+          <a:prstGeom prst="rect">
+            <a:avLst/>
+          </a:prstGeom>
+          <a:noFill/>
+        </p:spPr>
+        <p:txBody>
+          <a:bodyPr wrap="square" rtlCol="0">
+            <a:spAutoFit/>
+          </a:bodyPr>
+          <a:lstStyle/>
+          <a:p>
+            <a:r>
+              <a:rPr lang="en-IN" sz="2800" dirty="0"/>
+              <a:t>Data mining architect done based on the following criteria’s</a:t>
+            </a:r>
+          </a:p>
+        </p:txBody>
+      </p:sp>
     </p:spTree>
     <p:extLst>
       <p:ext uri="{BB962C8B-B14F-4D97-AF65-F5344CB8AC3E}">
@@ -10087,7 +7467,7 @@
 </p:sld>
 </file>
 
-<file path=ppt/slides/slide9.xml><?xml version="1.0" encoding="utf-8"?>
+<file path=ppt/slides/slide5.xml><?xml version="1.0" encoding="utf-8"?>
 <p:sld xmlns:a="http://schemas.openxmlformats.org/drawingml/2006/main" xmlns:r="http://schemas.openxmlformats.org/officeDocument/2006/relationships" xmlns:p="http://schemas.openxmlformats.org/presentationml/2006/main">
   <p:cSld>
     <p:spTree>
@@ -10220,7 +7600,7 @@
         </p:nvSpPr>
         <p:spPr>
           <a:xfrm>
-            <a:off x="8333773" y="5533762"/>
+            <a:off x="9224525" y="5540059"/>
             <a:ext cx="2741270" cy="461665"/>
           </a:xfrm>
           <a:prstGeom prst="rect">
@@ -11394,6 +8774,1362 @@
     <p:extLst>
       <p:ext uri="{BB962C8B-B14F-4D97-AF65-F5344CB8AC3E}">
         <p14:creationId xmlns:p14="http://schemas.microsoft.com/office/powerpoint/2010/main" val="236068738"/>
+      </p:ext>
+    </p:extLst>
+  </p:cSld>
+  <p:clrMapOvr>
+    <a:masterClrMapping/>
+  </p:clrMapOvr>
+</p:sld>
+</file>
+
+<file path=ppt/slides/slide6.xml><?xml version="1.0" encoding="utf-8"?>
+<p:sld xmlns:a="http://schemas.openxmlformats.org/drawingml/2006/main" xmlns:r="http://schemas.openxmlformats.org/officeDocument/2006/relationships" xmlns:p="http://schemas.openxmlformats.org/presentationml/2006/main">
+  <p:cSld>
+    <p:spTree>
+      <p:nvGrpSpPr>
+        <p:cNvPr id="1" name="">
+          <a:extLst>
+            <a:ext uri="{FF2B5EF4-FFF2-40B4-BE49-F238E27FC236}">
+              <a16:creationId xmlns:a16="http://schemas.microsoft.com/office/drawing/2014/main" id="{5EEBB45E-0884-B32A-689F-0B73232A752F}"/>
+            </a:ext>
+          </a:extLst>
+        </p:cNvPr>
+        <p:cNvGrpSpPr/>
+        <p:nvPr/>
+      </p:nvGrpSpPr>
+      <p:grpSpPr>
+        <a:xfrm>
+          <a:off x="0" y="0"/>
+          <a:ext cx="0" cy="0"/>
+          <a:chOff x="0" y="0"/>
+          <a:chExt cx="0" cy="0"/>
+        </a:xfrm>
+      </p:grpSpPr>
+      <p:sp>
+        <p:nvSpPr>
+          <p:cNvPr id="22" name="Rectangle 21">
+            <a:extLst>
+              <a:ext uri="{FF2B5EF4-FFF2-40B4-BE49-F238E27FC236}">
+                <a16:creationId xmlns:a16="http://schemas.microsoft.com/office/drawing/2014/main" id="{A7BC0016-3567-1974-4B79-072DA9FE4393}"/>
+              </a:ext>
+            </a:extLst>
+          </p:cNvPr>
+          <p:cNvSpPr/>
+          <p:nvPr/>
+        </p:nvSpPr>
+        <p:spPr>
+          <a:xfrm>
+            <a:off x="1157467" y="881131"/>
+            <a:ext cx="9826907" cy="2220883"/>
+          </a:xfrm>
+          <a:prstGeom prst="rect">
+            <a:avLst/>
+          </a:prstGeom>
+          <a:ln w="28575"/>
+        </p:spPr>
+        <p:style>
+          <a:lnRef idx="2">
+            <a:schemeClr val="accent6"/>
+          </a:lnRef>
+          <a:fillRef idx="1">
+            <a:schemeClr val="lt1"/>
+          </a:fillRef>
+          <a:effectRef idx="0">
+            <a:schemeClr val="accent6"/>
+          </a:effectRef>
+          <a:fontRef idx="minor">
+            <a:schemeClr val="dk1"/>
+          </a:fontRef>
+        </p:style>
+        <p:txBody>
+          <a:bodyPr rtlCol="0" anchor="ctr"/>
+          <a:lstStyle/>
+          <a:p>
+            <a:pPr algn="ctr"/>
+            <a:endParaRPr lang="en-IN"/>
+          </a:p>
+        </p:txBody>
+      </p:sp>
+      <p:sp>
+        <p:nvSpPr>
+          <p:cNvPr id="17" name="TextBox 16">
+            <a:extLst>
+              <a:ext uri="{FF2B5EF4-FFF2-40B4-BE49-F238E27FC236}">
+                <a16:creationId xmlns:a16="http://schemas.microsoft.com/office/drawing/2014/main" id="{4433D4FD-B5A7-6719-6D79-9BDDBC0B63C5}"/>
+              </a:ext>
+            </a:extLst>
+          </p:cNvPr>
+          <p:cNvSpPr txBox="1"/>
+          <p:nvPr/>
+        </p:nvSpPr>
+        <p:spPr>
+          <a:xfrm>
+            <a:off x="1453588" y="1266090"/>
+            <a:ext cx="2377632" cy="646320"/>
+          </a:xfrm>
+          <a:prstGeom prst="rect">
+            <a:avLst/>
+          </a:prstGeom>
+          <a:solidFill>
+            <a:schemeClr val="accent2">
+              <a:lumMod val="20000"/>
+              <a:lumOff val="80000"/>
+            </a:schemeClr>
+          </a:solidFill>
+          <a:ln w="38100">
+            <a:solidFill>
+              <a:schemeClr val="accent1"/>
+            </a:solidFill>
+          </a:ln>
+        </p:spPr>
+        <p:txBody>
+          <a:bodyPr wrap="square" rtlCol="0">
+            <a:spAutoFit/>
+          </a:bodyPr>
+          <a:lstStyle/>
+          <a:p>
+            <a:r>
+              <a:rPr lang="en-US" sz="1800" kern="100" dirty="0">
+                <a:effectLst/>
+                <a:latin typeface="Times New Roman" panose="02020603050405020304" pitchFamily="18" charset="0"/>
+                <a:ea typeface="Calibri" panose="020F0502020204030204" pitchFamily="34" charset="0"/>
+                <a:cs typeface="Times New Roman" panose="02020603050405020304" pitchFamily="18" charset="0"/>
+              </a:rPr>
+              <a:t>Geographic anomalies</a:t>
+            </a:r>
+          </a:p>
+          <a:p>
+            <a:endParaRPr lang="en-IN" dirty="0"/>
+          </a:p>
+        </p:txBody>
+      </p:sp>
+      <p:sp>
+        <p:nvSpPr>
+          <p:cNvPr id="18" name="TextBox 17">
+            <a:extLst>
+              <a:ext uri="{FF2B5EF4-FFF2-40B4-BE49-F238E27FC236}">
+                <a16:creationId xmlns:a16="http://schemas.microsoft.com/office/drawing/2014/main" id="{987F8E6F-3A15-9337-74BC-2BEF8100413B}"/>
+              </a:ext>
+            </a:extLst>
+          </p:cNvPr>
+          <p:cNvSpPr txBox="1"/>
+          <p:nvPr/>
+        </p:nvSpPr>
+        <p:spPr>
+          <a:xfrm>
+            <a:off x="4490978" y="1266079"/>
+            <a:ext cx="5486400" cy="646331"/>
+          </a:xfrm>
+          <a:prstGeom prst="rect">
+            <a:avLst/>
+          </a:prstGeom>
+          <a:solidFill>
+            <a:schemeClr val="accent2">
+              <a:lumMod val="20000"/>
+              <a:lumOff val="80000"/>
+            </a:schemeClr>
+          </a:solidFill>
+          <a:ln w="38100">
+            <a:solidFill>
+              <a:schemeClr val="accent1"/>
+            </a:solidFill>
+          </a:ln>
+        </p:spPr>
+        <p:txBody>
+          <a:bodyPr wrap="square" rtlCol="0">
+            <a:spAutoFit/>
+          </a:bodyPr>
+          <a:lstStyle/>
+          <a:p>
+            <a:pPr lvl="2"/>
+            <a:r>
+              <a:rPr lang="en-US" sz="1800" kern="100" dirty="0">
+                <a:effectLst/>
+                <a:latin typeface="Times New Roman" panose="02020603050405020304" pitchFamily="18" charset="0"/>
+                <a:ea typeface="Calibri" panose="020F0502020204030204" pitchFamily="34" charset="0"/>
+                <a:cs typeface="Times New Roman" panose="02020603050405020304" pitchFamily="18" charset="0"/>
+              </a:rPr>
+              <a:t>Mapping between patient’s </a:t>
+            </a:r>
+            <a:r>
+              <a:rPr lang="en-US" kern="100" dirty="0">
+                <a:latin typeface="Times New Roman" panose="02020603050405020304" pitchFamily="18" charset="0"/>
+                <a:ea typeface="Calibri" panose="020F0502020204030204" pitchFamily="34" charset="0"/>
+                <a:cs typeface="Times New Roman" panose="02020603050405020304" pitchFamily="18" charset="0"/>
+              </a:rPr>
+              <a:t>state </a:t>
+            </a:r>
+            <a:r>
+              <a:rPr lang="en-US" sz="1800" kern="100" dirty="0">
+                <a:effectLst/>
+                <a:latin typeface="Times New Roman" panose="02020603050405020304" pitchFamily="18" charset="0"/>
+                <a:ea typeface="Calibri" panose="020F0502020204030204" pitchFamily="34" charset="0"/>
+                <a:cs typeface="Times New Roman" panose="02020603050405020304" pitchFamily="18" charset="0"/>
+              </a:rPr>
+              <a:t>with treatment in different geographic location </a:t>
+            </a:r>
+            <a:endParaRPr lang="en-IN" sz="1800" kern="100" dirty="0">
+              <a:effectLst/>
+              <a:latin typeface="Times New Roman" panose="02020603050405020304" pitchFamily="18" charset="0"/>
+              <a:ea typeface="Calibri" panose="020F0502020204030204" pitchFamily="34" charset="0"/>
+              <a:cs typeface="Times New Roman" panose="02020603050405020304" pitchFamily="18" charset="0"/>
+            </a:endParaRPr>
+          </a:p>
+        </p:txBody>
+      </p:sp>
+      <p:cxnSp>
+        <p:nvCxnSpPr>
+          <p:cNvPr id="19" name="Straight Arrow Connector 18">
+            <a:extLst>
+              <a:ext uri="{FF2B5EF4-FFF2-40B4-BE49-F238E27FC236}">
+                <a16:creationId xmlns:a16="http://schemas.microsoft.com/office/drawing/2014/main" id="{353C8FF4-D424-CA27-77DA-5781C527225C}"/>
+              </a:ext>
+            </a:extLst>
+          </p:cNvPr>
+          <p:cNvCxnSpPr>
+            <a:cxnSpLocks/>
+            <a:endCxn id="18" idx="1"/>
+          </p:cNvCxnSpPr>
+          <p:nvPr/>
+        </p:nvCxnSpPr>
+        <p:spPr>
+          <a:xfrm>
+            <a:off x="3808071" y="1589245"/>
+            <a:ext cx="682907" cy="0"/>
+          </a:xfrm>
+          <a:prstGeom prst="straightConnector1">
+            <a:avLst/>
+          </a:prstGeom>
+          <a:ln w="38100">
+            <a:tailEnd type="triangle"/>
+          </a:ln>
+        </p:spPr>
+        <p:style>
+          <a:lnRef idx="1">
+            <a:schemeClr val="accent1"/>
+          </a:lnRef>
+          <a:fillRef idx="0">
+            <a:schemeClr val="accent1"/>
+          </a:fillRef>
+          <a:effectRef idx="0">
+            <a:schemeClr val="accent1"/>
+          </a:effectRef>
+          <a:fontRef idx="minor">
+            <a:schemeClr val="tx1"/>
+          </a:fontRef>
+        </p:style>
+      </p:cxnSp>
+      <p:sp>
+        <p:nvSpPr>
+          <p:cNvPr id="23" name="TextBox 22">
+            <a:extLst>
+              <a:ext uri="{FF2B5EF4-FFF2-40B4-BE49-F238E27FC236}">
+                <a16:creationId xmlns:a16="http://schemas.microsoft.com/office/drawing/2014/main" id="{9CEF7C86-F462-9220-3DF2-10713EE8571F}"/>
+              </a:ext>
+            </a:extLst>
+          </p:cNvPr>
+          <p:cNvSpPr txBox="1"/>
+          <p:nvPr/>
+        </p:nvSpPr>
+        <p:spPr>
+          <a:xfrm>
+            <a:off x="8025112" y="2345632"/>
+            <a:ext cx="2512673" cy="461665"/>
+          </a:xfrm>
+          <a:prstGeom prst="rect">
+            <a:avLst/>
+          </a:prstGeom>
+          <a:noFill/>
+        </p:spPr>
+        <p:txBody>
+          <a:bodyPr wrap="square" rtlCol="0">
+            <a:spAutoFit/>
+          </a:bodyPr>
+          <a:lstStyle/>
+          <a:p>
+            <a:r>
+              <a:rPr lang="en-IN" sz="2400" dirty="0"/>
+              <a:t>Case-wise analysis</a:t>
+            </a:r>
+          </a:p>
+        </p:txBody>
+      </p:sp>
+    </p:spTree>
+    <p:extLst>
+      <p:ext uri="{BB962C8B-B14F-4D97-AF65-F5344CB8AC3E}">
+        <p14:creationId xmlns:p14="http://schemas.microsoft.com/office/powerpoint/2010/main" val="1715675890"/>
+      </p:ext>
+    </p:extLst>
+  </p:cSld>
+  <p:clrMapOvr>
+    <a:masterClrMapping/>
+  </p:clrMapOvr>
+</p:sld>
+</file>
+
+<file path=ppt/slides/slide7.xml><?xml version="1.0" encoding="utf-8"?>
+<p:sld xmlns:a="http://schemas.openxmlformats.org/drawingml/2006/main" xmlns:r="http://schemas.openxmlformats.org/officeDocument/2006/relationships" xmlns:p="http://schemas.openxmlformats.org/presentationml/2006/main">
+  <p:cSld>
+    <p:spTree>
+      <p:nvGrpSpPr>
+        <p:cNvPr id="1" name=""/>
+        <p:cNvGrpSpPr/>
+        <p:nvPr/>
+      </p:nvGrpSpPr>
+      <p:grpSpPr>
+        <a:xfrm>
+          <a:off x="0" y="0"/>
+          <a:ext cx="0" cy="0"/>
+          <a:chOff x="0" y="0"/>
+          <a:chExt cx="0" cy="0"/>
+        </a:xfrm>
+      </p:grpSpPr>
+      <p:pic>
+        <p:nvPicPr>
+          <p:cNvPr id="4" name="Picture 3">
+            <a:extLst>
+              <a:ext uri="{FF2B5EF4-FFF2-40B4-BE49-F238E27FC236}">
+                <a16:creationId xmlns:a16="http://schemas.microsoft.com/office/drawing/2014/main" id="{FAE982FF-0E21-5669-9C4F-B5F8B8A6B18C}"/>
+              </a:ext>
+            </a:extLst>
+          </p:cNvPr>
+          <p:cNvPicPr>
+            <a:picLocks noChangeAspect="1"/>
+          </p:cNvPicPr>
+          <p:nvPr/>
+        </p:nvPicPr>
+        <p:blipFill>
+          <a:blip r:embed="rId2">
+            <a:extLst>
+              <a:ext uri="{28A0092B-C50C-407E-A947-70E740481C1C}">
+                <a14:useLocalDpi xmlns:a14="http://schemas.microsoft.com/office/drawing/2010/main" val="0"/>
+              </a:ext>
+            </a:extLst>
+          </a:blip>
+          <a:srcRect/>
+          <a:stretch/>
+        </p:blipFill>
+        <p:spPr>
+          <a:xfrm>
+            <a:off x="1005979" y="1489748"/>
+            <a:ext cx="8664046" cy="4415548"/>
+          </a:xfrm>
+          <a:prstGeom prst="rect">
+            <a:avLst/>
+          </a:prstGeom>
+        </p:spPr>
+      </p:pic>
+      <p:sp>
+        <p:nvSpPr>
+          <p:cNvPr id="2" name="Title 1">
+            <a:extLst>
+              <a:ext uri="{FF2B5EF4-FFF2-40B4-BE49-F238E27FC236}">
+                <a16:creationId xmlns:a16="http://schemas.microsoft.com/office/drawing/2014/main" id="{708A7EEA-8E22-8455-DAA5-C92040341284}"/>
+              </a:ext>
+            </a:extLst>
+          </p:cNvPr>
+          <p:cNvSpPr>
+            <a:spLocks noGrp="1"/>
+          </p:cNvSpPr>
+          <p:nvPr>
+            <p:ph type="title"/>
+          </p:nvPr>
+        </p:nvSpPr>
+        <p:spPr>
+          <a:xfrm>
+            <a:off x="838200" y="365125"/>
+            <a:ext cx="10515600" cy="991727"/>
+          </a:xfrm>
+        </p:spPr>
+        <p:txBody>
+          <a:bodyPr>
+            <a:normAutofit/>
+          </a:bodyPr>
+          <a:lstStyle/>
+          <a:p>
+            <a:r>
+              <a:rPr lang="en-IN" sz="3600" dirty="0">
+                <a:latin typeface="Times New Roman" panose="02020603050405020304" pitchFamily="18" charset="0"/>
+                <a:cs typeface="Times New Roman" panose="02020603050405020304" pitchFamily="18" charset="0"/>
+              </a:rPr>
+              <a:t>Snapshot for dynamic dashboard created till date</a:t>
+            </a:r>
+          </a:p>
+        </p:txBody>
+      </p:sp>
+      <p:cxnSp>
+        <p:nvCxnSpPr>
+          <p:cNvPr id="7" name="Straight Arrow Connector 6">
+            <a:extLst>
+              <a:ext uri="{FF2B5EF4-FFF2-40B4-BE49-F238E27FC236}">
+                <a16:creationId xmlns:a16="http://schemas.microsoft.com/office/drawing/2014/main" id="{CAAD6D10-EADE-0D50-0174-D4B0311750D5}"/>
+              </a:ext>
+            </a:extLst>
+          </p:cNvPr>
+          <p:cNvCxnSpPr>
+            <a:cxnSpLocks/>
+          </p:cNvCxnSpPr>
+          <p:nvPr/>
+        </p:nvCxnSpPr>
+        <p:spPr>
+          <a:xfrm flipV="1">
+            <a:off x="5817476" y="3429000"/>
+            <a:ext cx="4594885" cy="709448"/>
+          </a:xfrm>
+          <a:prstGeom prst="straightConnector1">
+            <a:avLst/>
+          </a:prstGeom>
+          <a:ln>
+            <a:solidFill>
+              <a:schemeClr val="accent1"/>
+            </a:solidFill>
+            <a:tailEnd type="triangle"/>
+          </a:ln>
+        </p:spPr>
+        <p:style>
+          <a:lnRef idx="1">
+            <a:schemeClr val="accent1"/>
+          </a:lnRef>
+          <a:fillRef idx="0">
+            <a:schemeClr val="accent1"/>
+          </a:fillRef>
+          <a:effectRef idx="0">
+            <a:schemeClr val="accent1"/>
+          </a:effectRef>
+          <a:fontRef idx="minor">
+            <a:schemeClr val="tx1"/>
+          </a:fontRef>
+        </p:style>
+      </p:cxnSp>
+      <p:cxnSp>
+        <p:nvCxnSpPr>
+          <p:cNvPr id="8" name="Straight Arrow Connector 7">
+            <a:extLst>
+              <a:ext uri="{FF2B5EF4-FFF2-40B4-BE49-F238E27FC236}">
+                <a16:creationId xmlns:a16="http://schemas.microsoft.com/office/drawing/2014/main" id="{2241F50D-D53E-1AE3-C646-4E558D01F5D1}"/>
+              </a:ext>
+            </a:extLst>
+          </p:cNvPr>
+          <p:cNvCxnSpPr>
+            <a:cxnSpLocks/>
+          </p:cNvCxnSpPr>
+          <p:nvPr/>
+        </p:nvCxnSpPr>
+        <p:spPr>
+          <a:xfrm>
+            <a:off x="9222828" y="2298041"/>
+            <a:ext cx="1189533" cy="1130959"/>
+          </a:xfrm>
+          <a:prstGeom prst="straightConnector1">
+            <a:avLst/>
+          </a:prstGeom>
+          <a:ln>
+            <a:solidFill>
+              <a:schemeClr val="accent1"/>
+            </a:solidFill>
+            <a:tailEnd type="triangle"/>
+          </a:ln>
+        </p:spPr>
+        <p:style>
+          <a:lnRef idx="1">
+            <a:schemeClr val="accent1"/>
+          </a:lnRef>
+          <a:fillRef idx="0">
+            <a:schemeClr val="accent1"/>
+          </a:fillRef>
+          <a:effectRef idx="0">
+            <a:schemeClr val="accent1"/>
+          </a:effectRef>
+          <a:fontRef idx="minor">
+            <a:schemeClr val="tx1"/>
+          </a:fontRef>
+        </p:style>
+      </p:cxnSp>
+      <p:cxnSp>
+        <p:nvCxnSpPr>
+          <p:cNvPr id="11" name="Straight Arrow Connector 10">
+            <a:extLst>
+              <a:ext uri="{FF2B5EF4-FFF2-40B4-BE49-F238E27FC236}">
+                <a16:creationId xmlns:a16="http://schemas.microsoft.com/office/drawing/2014/main" id="{D4423F0D-355A-7A8A-D6AB-8E5DD2A3E812}"/>
+              </a:ext>
+            </a:extLst>
+          </p:cNvPr>
+          <p:cNvCxnSpPr>
+            <a:cxnSpLocks/>
+          </p:cNvCxnSpPr>
+          <p:nvPr/>
+        </p:nvCxnSpPr>
+        <p:spPr>
+          <a:xfrm flipV="1">
+            <a:off x="5817476" y="3429000"/>
+            <a:ext cx="4594885" cy="1600200"/>
+          </a:xfrm>
+          <a:prstGeom prst="straightConnector1">
+            <a:avLst/>
+          </a:prstGeom>
+          <a:ln>
+            <a:solidFill>
+              <a:schemeClr val="accent1"/>
+            </a:solidFill>
+            <a:tailEnd type="triangle"/>
+          </a:ln>
+        </p:spPr>
+        <p:style>
+          <a:lnRef idx="1">
+            <a:schemeClr val="accent1"/>
+          </a:lnRef>
+          <a:fillRef idx="0">
+            <a:schemeClr val="accent1"/>
+          </a:fillRef>
+          <a:effectRef idx="0">
+            <a:schemeClr val="accent1"/>
+          </a:effectRef>
+          <a:fontRef idx="minor">
+            <a:schemeClr val="tx1"/>
+          </a:fontRef>
+        </p:style>
+      </p:cxnSp>
+      <p:cxnSp>
+        <p:nvCxnSpPr>
+          <p:cNvPr id="13" name="Straight Arrow Connector 12">
+            <a:extLst>
+              <a:ext uri="{FF2B5EF4-FFF2-40B4-BE49-F238E27FC236}">
+                <a16:creationId xmlns:a16="http://schemas.microsoft.com/office/drawing/2014/main" id="{790A2A42-31FC-D247-B4E3-A88291F51FA5}"/>
+              </a:ext>
+            </a:extLst>
+          </p:cNvPr>
+          <p:cNvCxnSpPr>
+            <a:cxnSpLocks/>
+          </p:cNvCxnSpPr>
+          <p:nvPr/>
+        </p:nvCxnSpPr>
+        <p:spPr>
+          <a:xfrm>
+            <a:off x="9167648" y="3263462"/>
+            <a:ext cx="1175887" cy="165538"/>
+          </a:xfrm>
+          <a:prstGeom prst="straightConnector1">
+            <a:avLst/>
+          </a:prstGeom>
+          <a:ln>
+            <a:solidFill>
+              <a:schemeClr val="accent1"/>
+            </a:solidFill>
+            <a:tailEnd type="triangle"/>
+          </a:ln>
+        </p:spPr>
+        <p:style>
+          <a:lnRef idx="1">
+            <a:schemeClr val="accent1"/>
+          </a:lnRef>
+          <a:fillRef idx="0">
+            <a:schemeClr val="accent1"/>
+          </a:fillRef>
+          <a:effectRef idx="0">
+            <a:schemeClr val="accent1"/>
+          </a:effectRef>
+          <a:fontRef idx="minor">
+            <a:schemeClr val="tx1"/>
+          </a:fontRef>
+        </p:style>
+      </p:cxnSp>
+      <p:sp>
+        <p:nvSpPr>
+          <p:cNvPr id="17" name="TextBox 16">
+            <a:extLst>
+              <a:ext uri="{FF2B5EF4-FFF2-40B4-BE49-F238E27FC236}">
+                <a16:creationId xmlns:a16="http://schemas.microsoft.com/office/drawing/2014/main" id="{51CBF305-D505-56B2-482A-D34FDC63C764}"/>
+              </a:ext>
+            </a:extLst>
+          </p:cNvPr>
+          <p:cNvSpPr txBox="1"/>
+          <p:nvPr/>
+        </p:nvSpPr>
+        <p:spPr>
+          <a:xfrm>
+            <a:off x="10412361" y="2900516"/>
+            <a:ext cx="1455174" cy="1015663"/>
+          </a:xfrm>
+          <a:prstGeom prst="rect">
+            <a:avLst/>
+          </a:prstGeom>
+          <a:noFill/>
+        </p:spPr>
+        <p:txBody>
+          <a:bodyPr wrap="square" rtlCol="0">
+            <a:spAutoFit/>
+          </a:bodyPr>
+          <a:lstStyle/>
+          <a:p>
+            <a:r>
+              <a:rPr lang="en-IN" sz="2000" dirty="0">
+                <a:solidFill>
+                  <a:srgbClr val="002060"/>
+                </a:solidFill>
+                <a:latin typeface="Times New Roman" panose="02020603050405020304" pitchFamily="18" charset="0"/>
+                <a:cs typeface="Times New Roman" panose="02020603050405020304" pitchFamily="18" charset="0"/>
+              </a:rPr>
+              <a:t>Reflected cases can be downloaded</a:t>
+            </a:r>
+          </a:p>
+        </p:txBody>
+      </p:sp>
+      <p:sp>
+        <p:nvSpPr>
+          <p:cNvPr id="14" name="TextBox 13">
+            <a:extLst>
+              <a:ext uri="{FF2B5EF4-FFF2-40B4-BE49-F238E27FC236}">
+                <a16:creationId xmlns:a16="http://schemas.microsoft.com/office/drawing/2014/main" id="{772ED80A-A192-8BFF-BA85-79FC5DF97029}"/>
+              </a:ext>
+            </a:extLst>
+          </p:cNvPr>
+          <p:cNvSpPr txBox="1"/>
+          <p:nvPr/>
+        </p:nvSpPr>
+        <p:spPr>
+          <a:xfrm>
+            <a:off x="654484" y="6124903"/>
+            <a:ext cx="10105482" cy="307777"/>
+          </a:xfrm>
+          <a:prstGeom prst="rect">
+            <a:avLst/>
+          </a:prstGeom>
+          <a:noFill/>
+        </p:spPr>
+        <p:txBody>
+          <a:bodyPr wrap="square" rtlCol="0">
+            <a:spAutoFit/>
+          </a:bodyPr>
+          <a:lstStyle/>
+          <a:p>
+            <a:pPr algn="ctr"/>
+            <a:r>
+              <a:rPr lang="en-US" sz="1400" i="1" dirty="0">
+                <a:latin typeface="Times New Roman" panose="02020603050405020304" pitchFamily="18" charset="0"/>
+                <a:cs typeface="Times New Roman" panose="02020603050405020304" pitchFamily="18" charset="0"/>
+              </a:rPr>
+              <a:t>Fig2: Snapshot of dashboard displaying the necessary data</a:t>
+            </a:r>
+            <a:endParaRPr lang="en-IN" sz="1400" i="1" dirty="0">
+              <a:latin typeface="Times New Roman" panose="02020603050405020304" pitchFamily="18" charset="0"/>
+              <a:cs typeface="Times New Roman" panose="02020603050405020304" pitchFamily="18" charset="0"/>
+            </a:endParaRPr>
+          </a:p>
+        </p:txBody>
+      </p:sp>
+      <p:cxnSp>
+        <p:nvCxnSpPr>
+          <p:cNvPr id="9" name="Straight Arrow Connector 8">
+            <a:extLst>
+              <a:ext uri="{FF2B5EF4-FFF2-40B4-BE49-F238E27FC236}">
+                <a16:creationId xmlns:a16="http://schemas.microsoft.com/office/drawing/2014/main" id="{30ED7188-8C9F-BBD8-31E1-60602A364FE9}"/>
+              </a:ext>
+            </a:extLst>
+          </p:cNvPr>
+          <p:cNvCxnSpPr>
+            <a:cxnSpLocks/>
+            <a:endCxn id="17" idx="1"/>
+          </p:cNvCxnSpPr>
+          <p:nvPr/>
+        </p:nvCxnSpPr>
+        <p:spPr>
+          <a:xfrm>
+            <a:off x="5802727" y="3197014"/>
+            <a:ext cx="4609634" cy="211334"/>
+          </a:xfrm>
+          <a:prstGeom prst="straightConnector1">
+            <a:avLst/>
+          </a:prstGeom>
+          <a:ln>
+            <a:solidFill>
+              <a:schemeClr val="accent1"/>
+            </a:solidFill>
+            <a:tailEnd type="triangle"/>
+          </a:ln>
+        </p:spPr>
+        <p:style>
+          <a:lnRef idx="1">
+            <a:schemeClr val="accent1"/>
+          </a:lnRef>
+          <a:fillRef idx="0">
+            <a:schemeClr val="accent1"/>
+          </a:fillRef>
+          <a:effectRef idx="0">
+            <a:schemeClr val="accent1"/>
+          </a:effectRef>
+          <a:fontRef idx="minor">
+            <a:schemeClr val="tx1"/>
+          </a:fontRef>
+        </p:style>
+      </p:cxnSp>
+      <p:cxnSp>
+        <p:nvCxnSpPr>
+          <p:cNvPr id="15" name="Straight Arrow Connector 14">
+            <a:extLst>
+              <a:ext uri="{FF2B5EF4-FFF2-40B4-BE49-F238E27FC236}">
+                <a16:creationId xmlns:a16="http://schemas.microsoft.com/office/drawing/2014/main" id="{A38875B4-83B5-4600-797E-C0A93F9AC2C0}"/>
+              </a:ext>
+            </a:extLst>
+          </p:cNvPr>
+          <p:cNvCxnSpPr>
+            <a:cxnSpLocks/>
+            <a:endCxn id="17" idx="1"/>
+          </p:cNvCxnSpPr>
+          <p:nvPr/>
+        </p:nvCxnSpPr>
+        <p:spPr>
+          <a:xfrm>
+            <a:off x="5817476" y="2320918"/>
+            <a:ext cx="4594885" cy="1087430"/>
+          </a:xfrm>
+          <a:prstGeom prst="straightConnector1">
+            <a:avLst/>
+          </a:prstGeom>
+          <a:ln>
+            <a:solidFill>
+              <a:schemeClr val="accent1"/>
+            </a:solidFill>
+            <a:tailEnd type="triangle"/>
+          </a:ln>
+        </p:spPr>
+        <p:style>
+          <a:lnRef idx="1">
+            <a:schemeClr val="accent1"/>
+          </a:lnRef>
+          <a:fillRef idx="0">
+            <a:schemeClr val="accent1"/>
+          </a:fillRef>
+          <a:effectRef idx="0">
+            <a:schemeClr val="accent1"/>
+          </a:effectRef>
+          <a:fontRef idx="minor">
+            <a:schemeClr val="tx1"/>
+          </a:fontRef>
+        </p:style>
+      </p:cxnSp>
+      <p:sp>
+        <p:nvSpPr>
+          <p:cNvPr id="3" name="Rectangle: Rounded Corners 2">
+            <a:extLst>
+              <a:ext uri="{FF2B5EF4-FFF2-40B4-BE49-F238E27FC236}">
+                <a16:creationId xmlns:a16="http://schemas.microsoft.com/office/drawing/2014/main" id="{0461BDCF-D9F3-7865-D903-7D25CC6A421C}"/>
+              </a:ext>
+            </a:extLst>
+          </p:cNvPr>
+          <p:cNvSpPr/>
+          <p:nvPr/>
+        </p:nvSpPr>
+        <p:spPr>
+          <a:xfrm>
+            <a:off x="10389370" y="2672573"/>
+            <a:ext cx="1478165" cy="1465875"/>
+          </a:xfrm>
+          <a:prstGeom prst="roundRect">
+            <a:avLst/>
+          </a:prstGeom>
+          <a:noFill/>
+          <a:ln w="25400"/>
+        </p:spPr>
+        <p:style>
+          <a:lnRef idx="2">
+            <a:schemeClr val="accent1">
+              <a:shade val="15000"/>
+            </a:schemeClr>
+          </a:lnRef>
+          <a:fillRef idx="1">
+            <a:schemeClr val="accent1"/>
+          </a:fillRef>
+          <a:effectRef idx="0">
+            <a:schemeClr val="accent1"/>
+          </a:effectRef>
+          <a:fontRef idx="minor">
+            <a:schemeClr val="lt1"/>
+          </a:fontRef>
+        </p:style>
+        <p:txBody>
+          <a:bodyPr rtlCol="0" anchor="ctr"/>
+          <a:lstStyle/>
+          <a:p>
+            <a:pPr algn="ctr"/>
+            <a:endParaRPr lang="en-IN"/>
+          </a:p>
+        </p:txBody>
+      </p:sp>
+    </p:spTree>
+    <p:extLst>
+      <p:ext uri="{BB962C8B-B14F-4D97-AF65-F5344CB8AC3E}">
+        <p14:creationId xmlns:p14="http://schemas.microsoft.com/office/powerpoint/2010/main" val="2499835404"/>
+      </p:ext>
+    </p:extLst>
+  </p:cSld>
+  <p:clrMapOvr>
+    <a:masterClrMapping/>
+  </p:clrMapOvr>
+</p:sld>
+</file>
+
+<file path=ppt/slides/slide8.xml><?xml version="1.0" encoding="utf-8"?>
+<p:sld xmlns:a="http://schemas.openxmlformats.org/drawingml/2006/main" xmlns:r="http://schemas.openxmlformats.org/officeDocument/2006/relationships" xmlns:p="http://schemas.openxmlformats.org/presentationml/2006/main">
+  <p:cSld>
+    <p:spTree>
+      <p:nvGrpSpPr>
+        <p:cNvPr id="1" name="">
+          <a:extLst>
+            <a:ext uri="{FF2B5EF4-FFF2-40B4-BE49-F238E27FC236}">
+              <a16:creationId xmlns:a16="http://schemas.microsoft.com/office/drawing/2014/main" id="{05C3C3CC-5FC2-EF3D-C0FA-0CF62A911299}"/>
+            </a:ext>
+          </a:extLst>
+        </p:cNvPr>
+        <p:cNvGrpSpPr/>
+        <p:nvPr/>
+      </p:nvGrpSpPr>
+      <p:grpSpPr>
+        <a:xfrm>
+          <a:off x="0" y="0"/>
+          <a:ext cx="0" cy="0"/>
+          <a:chOff x="0" y="0"/>
+          <a:chExt cx="0" cy="0"/>
+        </a:xfrm>
+      </p:grpSpPr>
+      <p:pic>
+        <p:nvPicPr>
+          <p:cNvPr id="4" name="Picture 3">
+            <a:extLst>
+              <a:ext uri="{FF2B5EF4-FFF2-40B4-BE49-F238E27FC236}">
+                <a16:creationId xmlns:a16="http://schemas.microsoft.com/office/drawing/2014/main" id="{0162D120-9DE1-D7D1-5A87-8E7EF8B66A47}"/>
+              </a:ext>
+            </a:extLst>
+          </p:cNvPr>
+          <p:cNvPicPr>
+            <a:picLocks noChangeAspect="1"/>
+          </p:cNvPicPr>
+          <p:nvPr/>
+        </p:nvPicPr>
+        <p:blipFill>
+          <a:blip r:embed="rId2">
+            <a:extLst>
+              <a:ext uri="{28A0092B-C50C-407E-A947-70E740481C1C}">
+                <a14:useLocalDpi xmlns:a14="http://schemas.microsoft.com/office/drawing/2010/main" val="0"/>
+              </a:ext>
+            </a:extLst>
+          </a:blip>
+          <a:srcRect/>
+          <a:stretch/>
+        </p:blipFill>
+        <p:spPr>
+          <a:xfrm>
+            <a:off x="1005979" y="1489748"/>
+            <a:ext cx="8664045" cy="4415548"/>
+          </a:xfrm>
+          <a:prstGeom prst="rect">
+            <a:avLst/>
+          </a:prstGeom>
+        </p:spPr>
+      </p:pic>
+      <p:sp>
+        <p:nvSpPr>
+          <p:cNvPr id="2" name="Title 1">
+            <a:extLst>
+              <a:ext uri="{FF2B5EF4-FFF2-40B4-BE49-F238E27FC236}">
+                <a16:creationId xmlns:a16="http://schemas.microsoft.com/office/drawing/2014/main" id="{1FCCF50B-A0C3-C00D-95D1-B69FEEDD761B}"/>
+              </a:ext>
+            </a:extLst>
+          </p:cNvPr>
+          <p:cNvSpPr>
+            <a:spLocks noGrp="1"/>
+          </p:cNvSpPr>
+          <p:nvPr>
+            <p:ph type="title"/>
+          </p:nvPr>
+        </p:nvSpPr>
+        <p:spPr>
+          <a:xfrm>
+            <a:off x="838200" y="365125"/>
+            <a:ext cx="10515600" cy="991727"/>
+          </a:xfrm>
+        </p:spPr>
+        <p:txBody>
+          <a:bodyPr>
+            <a:normAutofit/>
+          </a:bodyPr>
+          <a:lstStyle/>
+          <a:p>
+            <a:r>
+              <a:rPr lang="en-IN" sz="3600" dirty="0">
+                <a:latin typeface="Times New Roman" panose="02020603050405020304" pitchFamily="18" charset="0"/>
+                <a:cs typeface="Times New Roman" panose="02020603050405020304" pitchFamily="18" charset="0"/>
+              </a:rPr>
+              <a:t>Snapshot for dynamic dashboard created till date</a:t>
+            </a:r>
+          </a:p>
+        </p:txBody>
+      </p:sp>
+      <p:cxnSp>
+        <p:nvCxnSpPr>
+          <p:cNvPr id="8" name="Straight Arrow Connector 7">
+            <a:extLst>
+              <a:ext uri="{FF2B5EF4-FFF2-40B4-BE49-F238E27FC236}">
+                <a16:creationId xmlns:a16="http://schemas.microsoft.com/office/drawing/2014/main" id="{F9B16565-D537-09D8-011D-DEA8555AD687}"/>
+              </a:ext>
+            </a:extLst>
+          </p:cNvPr>
+          <p:cNvCxnSpPr>
+            <a:cxnSpLocks/>
+          </p:cNvCxnSpPr>
+          <p:nvPr/>
+        </p:nvCxnSpPr>
+        <p:spPr>
+          <a:xfrm>
+            <a:off x="8480491" y="2044439"/>
+            <a:ext cx="2184881" cy="856077"/>
+          </a:xfrm>
+          <a:prstGeom prst="straightConnector1">
+            <a:avLst/>
+          </a:prstGeom>
+          <a:ln>
+            <a:solidFill>
+              <a:schemeClr val="accent1"/>
+            </a:solidFill>
+            <a:tailEnd type="triangle"/>
+          </a:ln>
+        </p:spPr>
+        <p:style>
+          <a:lnRef idx="1">
+            <a:schemeClr val="accent1"/>
+          </a:lnRef>
+          <a:fillRef idx="0">
+            <a:schemeClr val="accent1"/>
+          </a:fillRef>
+          <a:effectRef idx="0">
+            <a:schemeClr val="accent1"/>
+          </a:effectRef>
+          <a:fontRef idx="minor">
+            <a:schemeClr val="tx1"/>
+          </a:fontRef>
+        </p:style>
+      </p:cxnSp>
+      <p:sp>
+        <p:nvSpPr>
+          <p:cNvPr id="17" name="TextBox 16">
+            <a:extLst>
+              <a:ext uri="{FF2B5EF4-FFF2-40B4-BE49-F238E27FC236}">
+                <a16:creationId xmlns:a16="http://schemas.microsoft.com/office/drawing/2014/main" id="{D7E9E584-654F-CFFD-3A51-487DAF6C2B51}"/>
+              </a:ext>
+            </a:extLst>
+          </p:cNvPr>
+          <p:cNvSpPr txBox="1"/>
+          <p:nvPr/>
+        </p:nvSpPr>
+        <p:spPr>
+          <a:xfrm>
+            <a:off x="10168759" y="2900516"/>
+            <a:ext cx="1698776" cy="1015663"/>
+          </a:xfrm>
+          <a:prstGeom prst="rect">
+            <a:avLst/>
+          </a:prstGeom>
+          <a:noFill/>
+        </p:spPr>
+        <p:txBody>
+          <a:bodyPr wrap="square" rtlCol="0">
+            <a:spAutoFit/>
+          </a:bodyPr>
+          <a:lstStyle/>
+          <a:p>
+            <a:r>
+              <a:rPr lang="en-IN" sz="2000" dirty="0">
+                <a:solidFill>
+                  <a:srgbClr val="002060"/>
+                </a:solidFill>
+                <a:latin typeface="Times New Roman" panose="02020603050405020304" pitchFamily="18" charset="0"/>
+                <a:cs typeface="Times New Roman" panose="02020603050405020304" pitchFamily="18" charset="0"/>
+              </a:rPr>
+              <a:t>Case Wise Visualization Page</a:t>
+            </a:r>
+          </a:p>
+        </p:txBody>
+      </p:sp>
+      <p:sp>
+        <p:nvSpPr>
+          <p:cNvPr id="14" name="TextBox 13">
+            <a:extLst>
+              <a:ext uri="{FF2B5EF4-FFF2-40B4-BE49-F238E27FC236}">
+                <a16:creationId xmlns:a16="http://schemas.microsoft.com/office/drawing/2014/main" id="{F3B4E163-02B4-D373-5606-D40CCC380C18}"/>
+              </a:ext>
+            </a:extLst>
+          </p:cNvPr>
+          <p:cNvSpPr txBox="1"/>
+          <p:nvPr/>
+        </p:nvSpPr>
+        <p:spPr>
+          <a:xfrm>
+            <a:off x="654484" y="6124903"/>
+            <a:ext cx="10105482" cy="307777"/>
+          </a:xfrm>
+          <a:prstGeom prst="rect">
+            <a:avLst/>
+          </a:prstGeom>
+          <a:noFill/>
+        </p:spPr>
+        <p:txBody>
+          <a:bodyPr wrap="square" rtlCol="0">
+            <a:spAutoFit/>
+          </a:bodyPr>
+          <a:lstStyle/>
+          <a:p>
+            <a:pPr algn="ctr"/>
+            <a:r>
+              <a:rPr lang="en-US" sz="1400" i="1" dirty="0">
+                <a:latin typeface="Times New Roman" panose="02020603050405020304" pitchFamily="18" charset="0"/>
+                <a:cs typeface="Times New Roman" panose="02020603050405020304" pitchFamily="18" charset="0"/>
+              </a:rPr>
+              <a:t>Fig3: Snapshot of case-wise visualizations page </a:t>
+            </a:r>
+            <a:endParaRPr lang="en-IN" sz="1400" i="1" dirty="0">
+              <a:latin typeface="Times New Roman" panose="02020603050405020304" pitchFamily="18" charset="0"/>
+              <a:cs typeface="Times New Roman" panose="02020603050405020304" pitchFamily="18" charset="0"/>
+            </a:endParaRPr>
+          </a:p>
+        </p:txBody>
+      </p:sp>
+      <p:sp>
+        <p:nvSpPr>
+          <p:cNvPr id="3" name="Rectangle: Rounded Corners 2">
+            <a:extLst>
+              <a:ext uri="{FF2B5EF4-FFF2-40B4-BE49-F238E27FC236}">
+                <a16:creationId xmlns:a16="http://schemas.microsoft.com/office/drawing/2014/main" id="{0E6940AF-2AF1-51D1-071E-0B4F015E696A}"/>
+              </a:ext>
+            </a:extLst>
+          </p:cNvPr>
+          <p:cNvSpPr/>
+          <p:nvPr/>
+        </p:nvSpPr>
+        <p:spPr>
+          <a:xfrm>
+            <a:off x="10020883" y="2900517"/>
+            <a:ext cx="1787489" cy="1127574"/>
+          </a:xfrm>
+          <a:prstGeom prst="roundRect">
+            <a:avLst/>
+          </a:prstGeom>
+          <a:noFill/>
+          <a:ln w="25400"/>
+        </p:spPr>
+        <p:style>
+          <a:lnRef idx="2">
+            <a:schemeClr val="accent1">
+              <a:shade val="15000"/>
+            </a:schemeClr>
+          </a:lnRef>
+          <a:fillRef idx="1">
+            <a:schemeClr val="accent1"/>
+          </a:fillRef>
+          <a:effectRef idx="0">
+            <a:schemeClr val="accent1"/>
+          </a:effectRef>
+          <a:fontRef idx="minor">
+            <a:schemeClr val="lt1"/>
+          </a:fontRef>
+        </p:style>
+        <p:txBody>
+          <a:bodyPr rtlCol="0" anchor="ctr"/>
+          <a:lstStyle/>
+          <a:p>
+            <a:pPr algn="ctr"/>
+            <a:endParaRPr lang="en-IN"/>
+          </a:p>
+        </p:txBody>
+      </p:sp>
+    </p:spTree>
+    <p:extLst>
+      <p:ext uri="{BB962C8B-B14F-4D97-AF65-F5344CB8AC3E}">
+        <p14:creationId xmlns:p14="http://schemas.microsoft.com/office/powerpoint/2010/main" val="654535236"/>
+      </p:ext>
+    </p:extLst>
+  </p:cSld>
+  <p:clrMapOvr>
+    <a:masterClrMapping/>
+  </p:clrMapOvr>
+</p:sld>
+</file>
+
+<file path=ppt/slides/slide9.xml><?xml version="1.0" encoding="utf-8"?>
+<p:sld xmlns:a="http://schemas.openxmlformats.org/drawingml/2006/main" xmlns:r="http://schemas.openxmlformats.org/officeDocument/2006/relationships" xmlns:p="http://schemas.openxmlformats.org/presentationml/2006/main">
+  <p:cSld>
+    <p:spTree>
+      <p:nvGrpSpPr>
+        <p:cNvPr id="1" name="">
+          <a:extLst>
+            <a:ext uri="{FF2B5EF4-FFF2-40B4-BE49-F238E27FC236}">
+              <a16:creationId xmlns:a16="http://schemas.microsoft.com/office/drawing/2014/main" id="{5ED56D30-C975-CFA1-7421-2AC819F8BB64}"/>
+            </a:ext>
+          </a:extLst>
+        </p:cNvPr>
+        <p:cNvGrpSpPr/>
+        <p:nvPr/>
+      </p:nvGrpSpPr>
+      <p:grpSpPr>
+        <a:xfrm>
+          <a:off x="0" y="0"/>
+          <a:ext cx="0" cy="0"/>
+          <a:chOff x="0" y="0"/>
+          <a:chExt cx="0" cy="0"/>
+        </a:xfrm>
+      </p:grpSpPr>
+      <p:pic>
+        <p:nvPicPr>
+          <p:cNvPr id="4" name="Picture 3">
+            <a:extLst>
+              <a:ext uri="{FF2B5EF4-FFF2-40B4-BE49-F238E27FC236}">
+                <a16:creationId xmlns:a16="http://schemas.microsoft.com/office/drawing/2014/main" id="{44831BC7-FBBE-FAED-C8F0-8D23D53350DC}"/>
+              </a:ext>
+            </a:extLst>
+          </p:cNvPr>
+          <p:cNvPicPr>
+            <a:picLocks noChangeAspect="1"/>
+          </p:cNvPicPr>
+          <p:nvPr/>
+        </p:nvPicPr>
+        <p:blipFill>
+          <a:blip r:embed="rId2">
+            <a:extLst>
+              <a:ext uri="{28A0092B-C50C-407E-A947-70E740481C1C}">
+                <a14:useLocalDpi xmlns:a14="http://schemas.microsoft.com/office/drawing/2010/main" val="0"/>
+              </a:ext>
+            </a:extLst>
+          </a:blip>
+          <a:srcRect/>
+          <a:stretch/>
+        </p:blipFill>
+        <p:spPr>
+          <a:xfrm>
+            <a:off x="1375202" y="2175795"/>
+            <a:ext cx="8664045" cy="3012273"/>
+          </a:xfrm>
+          <a:prstGeom prst="rect">
+            <a:avLst/>
+          </a:prstGeom>
+        </p:spPr>
+      </p:pic>
+      <p:sp>
+        <p:nvSpPr>
+          <p:cNvPr id="2" name="Title 1">
+            <a:extLst>
+              <a:ext uri="{FF2B5EF4-FFF2-40B4-BE49-F238E27FC236}">
+                <a16:creationId xmlns:a16="http://schemas.microsoft.com/office/drawing/2014/main" id="{51913DF8-69EF-4BDB-8FD1-05FCFDF8D5B2}"/>
+              </a:ext>
+            </a:extLst>
+          </p:cNvPr>
+          <p:cNvSpPr>
+            <a:spLocks noGrp="1"/>
+          </p:cNvSpPr>
+          <p:nvPr>
+            <p:ph type="title"/>
+          </p:nvPr>
+        </p:nvSpPr>
+        <p:spPr>
+          <a:xfrm>
+            <a:off x="838200" y="365125"/>
+            <a:ext cx="10515600" cy="991727"/>
+          </a:xfrm>
+        </p:spPr>
+        <p:txBody>
+          <a:bodyPr>
+            <a:normAutofit/>
+          </a:bodyPr>
+          <a:lstStyle/>
+          <a:p>
+            <a:r>
+              <a:rPr lang="en-IN" sz="3600" dirty="0">
+                <a:latin typeface="Times New Roman" panose="02020603050405020304" pitchFamily="18" charset="0"/>
+                <a:cs typeface="Times New Roman" panose="02020603050405020304" pitchFamily="18" charset="0"/>
+              </a:rPr>
+              <a:t>Snapshot for dynamic dashboard created till date</a:t>
+            </a:r>
+          </a:p>
+        </p:txBody>
+      </p:sp>
+      <p:cxnSp>
+        <p:nvCxnSpPr>
+          <p:cNvPr id="8" name="Straight Arrow Connector 7">
+            <a:extLst>
+              <a:ext uri="{FF2B5EF4-FFF2-40B4-BE49-F238E27FC236}">
+                <a16:creationId xmlns:a16="http://schemas.microsoft.com/office/drawing/2014/main" id="{BA21D630-0086-82DF-8A3F-AB3015801264}"/>
+              </a:ext>
+            </a:extLst>
+          </p:cNvPr>
+          <p:cNvCxnSpPr>
+            <a:cxnSpLocks/>
+          </p:cNvCxnSpPr>
+          <p:nvPr/>
+        </p:nvCxnSpPr>
+        <p:spPr>
+          <a:xfrm>
+            <a:off x="8718331" y="3681931"/>
+            <a:ext cx="1615966" cy="432869"/>
+          </a:xfrm>
+          <a:prstGeom prst="straightConnector1">
+            <a:avLst/>
+          </a:prstGeom>
+          <a:ln>
+            <a:solidFill>
+              <a:schemeClr val="accent1"/>
+            </a:solidFill>
+            <a:tailEnd type="triangle"/>
+          </a:ln>
+        </p:spPr>
+        <p:style>
+          <a:lnRef idx="1">
+            <a:schemeClr val="accent1"/>
+          </a:lnRef>
+          <a:fillRef idx="0">
+            <a:schemeClr val="accent1"/>
+          </a:fillRef>
+          <a:effectRef idx="0">
+            <a:schemeClr val="accent1"/>
+          </a:effectRef>
+          <a:fontRef idx="minor">
+            <a:schemeClr val="tx1"/>
+          </a:fontRef>
+        </p:style>
+      </p:cxnSp>
+      <p:sp>
+        <p:nvSpPr>
+          <p:cNvPr id="17" name="TextBox 16">
+            <a:extLst>
+              <a:ext uri="{FF2B5EF4-FFF2-40B4-BE49-F238E27FC236}">
+                <a16:creationId xmlns:a16="http://schemas.microsoft.com/office/drawing/2014/main" id="{7281829C-C238-5D81-AD88-BB7CF145E30D}"/>
+              </a:ext>
+            </a:extLst>
+          </p:cNvPr>
+          <p:cNvSpPr txBox="1"/>
+          <p:nvPr/>
+        </p:nvSpPr>
+        <p:spPr>
+          <a:xfrm>
+            <a:off x="10334297" y="4092698"/>
+            <a:ext cx="1698776" cy="707886"/>
+          </a:xfrm>
+          <a:prstGeom prst="rect">
+            <a:avLst/>
+          </a:prstGeom>
+          <a:noFill/>
+        </p:spPr>
+        <p:txBody>
+          <a:bodyPr wrap="square" rtlCol="0">
+            <a:spAutoFit/>
+          </a:bodyPr>
+          <a:lstStyle/>
+          <a:p>
+            <a:r>
+              <a:rPr lang="en-IN" sz="2000" dirty="0">
+                <a:solidFill>
+                  <a:srgbClr val="002060"/>
+                </a:solidFill>
+                <a:latin typeface="Times New Roman" panose="02020603050405020304" pitchFamily="18" charset="0"/>
+                <a:cs typeface="Times New Roman" panose="02020603050405020304" pitchFamily="18" charset="0"/>
+              </a:rPr>
+              <a:t>All flagged patient details </a:t>
+            </a:r>
+          </a:p>
+        </p:txBody>
+      </p:sp>
+      <p:sp>
+        <p:nvSpPr>
+          <p:cNvPr id="14" name="TextBox 13">
+            <a:extLst>
+              <a:ext uri="{FF2B5EF4-FFF2-40B4-BE49-F238E27FC236}">
+                <a16:creationId xmlns:a16="http://schemas.microsoft.com/office/drawing/2014/main" id="{85CC3265-2B7A-99FF-FA6E-38A13C80174F}"/>
+              </a:ext>
+            </a:extLst>
+          </p:cNvPr>
+          <p:cNvSpPr txBox="1"/>
+          <p:nvPr/>
+        </p:nvSpPr>
+        <p:spPr>
+          <a:xfrm>
+            <a:off x="654484" y="6124903"/>
+            <a:ext cx="10105482" cy="307777"/>
+          </a:xfrm>
+          <a:prstGeom prst="rect">
+            <a:avLst/>
+          </a:prstGeom>
+          <a:noFill/>
+        </p:spPr>
+        <p:txBody>
+          <a:bodyPr wrap="square" rtlCol="0">
+            <a:spAutoFit/>
+          </a:bodyPr>
+          <a:lstStyle/>
+          <a:p>
+            <a:pPr algn="ctr"/>
+            <a:r>
+              <a:rPr lang="en-US" sz="1400" i="1" dirty="0">
+                <a:latin typeface="Times New Roman" panose="02020603050405020304" pitchFamily="18" charset="0"/>
+                <a:cs typeface="Times New Roman" panose="02020603050405020304" pitchFamily="18" charset="0"/>
+              </a:rPr>
+              <a:t>Fig4: Snapshot of table visualization</a:t>
+            </a:r>
+            <a:endParaRPr lang="en-IN" sz="1400" i="1" dirty="0">
+              <a:latin typeface="Times New Roman" panose="02020603050405020304" pitchFamily="18" charset="0"/>
+              <a:cs typeface="Times New Roman" panose="02020603050405020304" pitchFamily="18" charset="0"/>
+            </a:endParaRPr>
+          </a:p>
+        </p:txBody>
+      </p:sp>
+      <p:sp>
+        <p:nvSpPr>
+          <p:cNvPr id="3" name="Rectangle: Rounded Corners 2">
+            <a:extLst>
+              <a:ext uri="{FF2B5EF4-FFF2-40B4-BE49-F238E27FC236}">
+                <a16:creationId xmlns:a16="http://schemas.microsoft.com/office/drawing/2014/main" id="{8FD681EF-5E14-865E-D355-0BB211221CB3}"/>
+              </a:ext>
+            </a:extLst>
+          </p:cNvPr>
+          <p:cNvSpPr/>
+          <p:nvPr/>
+        </p:nvSpPr>
+        <p:spPr>
+          <a:xfrm>
+            <a:off x="10334297" y="3996869"/>
+            <a:ext cx="1615966" cy="906208"/>
+          </a:xfrm>
+          <a:prstGeom prst="roundRect">
+            <a:avLst/>
+          </a:prstGeom>
+          <a:noFill/>
+          <a:ln w="25400"/>
+        </p:spPr>
+        <p:style>
+          <a:lnRef idx="2">
+            <a:schemeClr val="accent1">
+              <a:shade val="15000"/>
+            </a:schemeClr>
+          </a:lnRef>
+          <a:fillRef idx="1">
+            <a:schemeClr val="accent1"/>
+          </a:fillRef>
+          <a:effectRef idx="0">
+            <a:schemeClr val="accent1"/>
+          </a:effectRef>
+          <a:fontRef idx="minor">
+            <a:schemeClr val="lt1"/>
+          </a:fontRef>
+        </p:style>
+        <p:txBody>
+          <a:bodyPr rtlCol="0" anchor="ctr"/>
+          <a:lstStyle/>
+          <a:p>
+            <a:pPr algn="ctr"/>
+            <a:endParaRPr lang="en-IN"/>
+          </a:p>
+        </p:txBody>
+      </p:sp>
+    </p:spTree>
+    <p:extLst>
+      <p:ext uri="{BB962C8B-B14F-4D97-AF65-F5344CB8AC3E}">
+        <p14:creationId xmlns:p14="http://schemas.microsoft.com/office/powerpoint/2010/main" val="4085919568"/>
       </p:ext>
     </p:extLst>
   </p:cSld>
